--- a/Project #2 (FISA Project).pptx
+++ b/Project #2 (FISA Project).pptx
@@ -249,7 +249,7 @@
   </p:defaultTextStyle>
   <p:extLst>
     <p:ext uri="http://customooxmlschemas.google.com/">
-      <go:slidesCustomData xmlns:go="http://customooxmlschemas.google.com/" r:id="rId12" roundtripDataSignature="AMtx7mgxLodjxYlmcyPHd9b8j/MJxlD5iw=="/>
+      <go:slidesCustomData xmlns:go="http://customooxmlschemas.google.com/" r:id="rId12" roundtripDataSignature="AMtx7miZck7SWbb83TBq8BEzv4p+KEJgNg=="/>
     </p:ext>
   </p:extLst>
 </p:presentation>
@@ -343,104 +343,239 @@
             <a:noAutofit/>
           </a:bodyPr>
           <a:lstStyle>
-            <a:lvl1pPr indent="-298450" lvl="0" marL="457200">
-              <a:spcBef>
-                <a:spcPts val="0"/>
-              </a:spcBef>
-              <a:spcAft>
-                <a:spcPts val="0"/>
-              </a:spcAft>
+            <a:lvl1pPr indent="-298450" lvl="0" marL="457200" marR="0" rtl="0" algn="l">
+              <a:lnSpc>
+                <a:spcPct val="100000"/>
+              </a:lnSpc>
+              <a:spcBef>
+                <a:spcPts val="0"/>
+              </a:spcBef>
+              <a:spcAft>
+                <a:spcPts val="0"/>
+              </a:spcAft>
+              <a:buClr>
+                <a:srgbClr val="000000"/>
+              </a:buClr>
               <a:buSzPts val="1100"/>
+              <a:buFont typeface="Arial"/>
               <a:buChar char="●"/>
-              <a:defRPr sz="1100"/>
+              <a:defRPr b="0" i="0" sz="1100" u="none" cap="none" strike="noStrike">
+                <a:solidFill>
+                  <a:srgbClr val="000000"/>
+                </a:solidFill>
+                <a:latin typeface="Arial"/>
+                <a:ea typeface="Arial"/>
+                <a:cs typeface="Arial"/>
+                <a:sym typeface="Arial"/>
+              </a:defRPr>
             </a:lvl1pPr>
-            <a:lvl2pPr indent="-298450" lvl="1" marL="914400">
-              <a:spcBef>
-                <a:spcPts val="0"/>
-              </a:spcBef>
-              <a:spcAft>
-                <a:spcPts val="0"/>
-              </a:spcAft>
+            <a:lvl2pPr indent="-298450" lvl="1" marL="914400" marR="0" rtl="0" algn="l">
+              <a:lnSpc>
+                <a:spcPct val="100000"/>
+              </a:lnSpc>
+              <a:spcBef>
+                <a:spcPts val="0"/>
+              </a:spcBef>
+              <a:spcAft>
+                <a:spcPts val="0"/>
+              </a:spcAft>
+              <a:buClr>
+                <a:srgbClr val="000000"/>
+              </a:buClr>
               <a:buSzPts val="1100"/>
+              <a:buFont typeface="Arial"/>
               <a:buChar char="○"/>
-              <a:defRPr sz="1100"/>
+              <a:defRPr b="0" i="0" sz="1100" u="none" cap="none" strike="noStrike">
+                <a:solidFill>
+                  <a:srgbClr val="000000"/>
+                </a:solidFill>
+                <a:latin typeface="Arial"/>
+                <a:ea typeface="Arial"/>
+                <a:cs typeface="Arial"/>
+                <a:sym typeface="Arial"/>
+              </a:defRPr>
             </a:lvl2pPr>
-            <a:lvl3pPr indent="-298450" lvl="2" marL="1371600">
-              <a:spcBef>
-                <a:spcPts val="0"/>
-              </a:spcBef>
-              <a:spcAft>
-                <a:spcPts val="0"/>
-              </a:spcAft>
+            <a:lvl3pPr indent="-298450" lvl="2" marL="1371600" marR="0" rtl="0" algn="l">
+              <a:lnSpc>
+                <a:spcPct val="100000"/>
+              </a:lnSpc>
+              <a:spcBef>
+                <a:spcPts val="0"/>
+              </a:spcBef>
+              <a:spcAft>
+                <a:spcPts val="0"/>
+              </a:spcAft>
+              <a:buClr>
+                <a:srgbClr val="000000"/>
+              </a:buClr>
               <a:buSzPts val="1100"/>
+              <a:buFont typeface="Arial"/>
               <a:buChar char="■"/>
-              <a:defRPr sz="1100"/>
+              <a:defRPr b="0" i="0" sz="1100" u="none" cap="none" strike="noStrike">
+                <a:solidFill>
+                  <a:srgbClr val="000000"/>
+                </a:solidFill>
+                <a:latin typeface="Arial"/>
+                <a:ea typeface="Arial"/>
+                <a:cs typeface="Arial"/>
+                <a:sym typeface="Arial"/>
+              </a:defRPr>
             </a:lvl3pPr>
-            <a:lvl4pPr indent="-298450" lvl="3" marL="1828800">
-              <a:spcBef>
-                <a:spcPts val="0"/>
-              </a:spcBef>
-              <a:spcAft>
-                <a:spcPts val="0"/>
-              </a:spcAft>
+            <a:lvl4pPr indent="-298450" lvl="3" marL="1828800" marR="0" rtl="0" algn="l">
+              <a:lnSpc>
+                <a:spcPct val="100000"/>
+              </a:lnSpc>
+              <a:spcBef>
+                <a:spcPts val="0"/>
+              </a:spcBef>
+              <a:spcAft>
+                <a:spcPts val="0"/>
+              </a:spcAft>
+              <a:buClr>
+                <a:srgbClr val="000000"/>
+              </a:buClr>
               <a:buSzPts val="1100"/>
+              <a:buFont typeface="Arial"/>
               <a:buChar char="●"/>
-              <a:defRPr sz="1100"/>
+              <a:defRPr b="0" i="0" sz="1100" u="none" cap="none" strike="noStrike">
+                <a:solidFill>
+                  <a:srgbClr val="000000"/>
+                </a:solidFill>
+                <a:latin typeface="Arial"/>
+                <a:ea typeface="Arial"/>
+                <a:cs typeface="Arial"/>
+                <a:sym typeface="Arial"/>
+              </a:defRPr>
             </a:lvl4pPr>
-            <a:lvl5pPr indent="-298450" lvl="4" marL="2286000">
-              <a:spcBef>
-                <a:spcPts val="0"/>
-              </a:spcBef>
-              <a:spcAft>
-                <a:spcPts val="0"/>
-              </a:spcAft>
+            <a:lvl5pPr indent="-298450" lvl="4" marL="2286000" marR="0" rtl="0" algn="l">
+              <a:lnSpc>
+                <a:spcPct val="100000"/>
+              </a:lnSpc>
+              <a:spcBef>
+                <a:spcPts val="0"/>
+              </a:spcBef>
+              <a:spcAft>
+                <a:spcPts val="0"/>
+              </a:spcAft>
+              <a:buClr>
+                <a:srgbClr val="000000"/>
+              </a:buClr>
               <a:buSzPts val="1100"/>
+              <a:buFont typeface="Arial"/>
               <a:buChar char="○"/>
-              <a:defRPr sz="1100"/>
+              <a:defRPr b="0" i="0" sz="1100" u="none" cap="none" strike="noStrike">
+                <a:solidFill>
+                  <a:srgbClr val="000000"/>
+                </a:solidFill>
+                <a:latin typeface="Arial"/>
+                <a:ea typeface="Arial"/>
+                <a:cs typeface="Arial"/>
+                <a:sym typeface="Arial"/>
+              </a:defRPr>
             </a:lvl5pPr>
-            <a:lvl6pPr indent="-298450" lvl="5" marL="2743200">
-              <a:spcBef>
-                <a:spcPts val="0"/>
-              </a:spcBef>
-              <a:spcAft>
-                <a:spcPts val="0"/>
-              </a:spcAft>
+            <a:lvl6pPr indent="-298450" lvl="5" marL="2743200" marR="0" rtl="0" algn="l">
+              <a:lnSpc>
+                <a:spcPct val="100000"/>
+              </a:lnSpc>
+              <a:spcBef>
+                <a:spcPts val="0"/>
+              </a:spcBef>
+              <a:spcAft>
+                <a:spcPts val="0"/>
+              </a:spcAft>
+              <a:buClr>
+                <a:srgbClr val="000000"/>
+              </a:buClr>
               <a:buSzPts val="1100"/>
+              <a:buFont typeface="Arial"/>
               <a:buChar char="■"/>
-              <a:defRPr sz="1100"/>
+              <a:defRPr b="0" i="0" sz="1100" u="none" cap="none" strike="noStrike">
+                <a:solidFill>
+                  <a:srgbClr val="000000"/>
+                </a:solidFill>
+                <a:latin typeface="Arial"/>
+                <a:ea typeface="Arial"/>
+                <a:cs typeface="Arial"/>
+                <a:sym typeface="Arial"/>
+              </a:defRPr>
             </a:lvl6pPr>
-            <a:lvl7pPr indent="-298450" lvl="6" marL="3200400">
-              <a:spcBef>
-                <a:spcPts val="0"/>
-              </a:spcBef>
-              <a:spcAft>
-                <a:spcPts val="0"/>
-              </a:spcAft>
+            <a:lvl7pPr indent="-298450" lvl="6" marL="3200400" marR="0" rtl="0" algn="l">
+              <a:lnSpc>
+                <a:spcPct val="100000"/>
+              </a:lnSpc>
+              <a:spcBef>
+                <a:spcPts val="0"/>
+              </a:spcBef>
+              <a:spcAft>
+                <a:spcPts val="0"/>
+              </a:spcAft>
+              <a:buClr>
+                <a:srgbClr val="000000"/>
+              </a:buClr>
               <a:buSzPts val="1100"/>
+              <a:buFont typeface="Arial"/>
               <a:buChar char="●"/>
-              <a:defRPr sz="1100"/>
+              <a:defRPr b="0" i="0" sz="1100" u="none" cap="none" strike="noStrike">
+                <a:solidFill>
+                  <a:srgbClr val="000000"/>
+                </a:solidFill>
+                <a:latin typeface="Arial"/>
+                <a:ea typeface="Arial"/>
+                <a:cs typeface="Arial"/>
+                <a:sym typeface="Arial"/>
+              </a:defRPr>
             </a:lvl7pPr>
-            <a:lvl8pPr indent="-298450" lvl="7" marL="3657600">
-              <a:spcBef>
-                <a:spcPts val="0"/>
-              </a:spcBef>
-              <a:spcAft>
-                <a:spcPts val="0"/>
-              </a:spcAft>
+            <a:lvl8pPr indent="-298450" lvl="7" marL="3657600" marR="0" rtl="0" algn="l">
+              <a:lnSpc>
+                <a:spcPct val="100000"/>
+              </a:lnSpc>
+              <a:spcBef>
+                <a:spcPts val="0"/>
+              </a:spcBef>
+              <a:spcAft>
+                <a:spcPts val="0"/>
+              </a:spcAft>
+              <a:buClr>
+                <a:srgbClr val="000000"/>
+              </a:buClr>
               <a:buSzPts val="1100"/>
+              <a:buFont typeface="Arial"/>
               <a:buChar char="○"/>
-              <a:defRPr sz="1100"/>
+              <a:defRPr b="0" i="0" sz="1100" u="none" cap="none" strike="noStrike">
+                <a:solidFill>
+                  <a:srgbClr val="000000"/>
+                </a:solidFill>
+                <a:latin typeface="Arial"/>
+                <a:ea typeface="Arial"/>
+                <a:cs typeface="Arial"/>
+                <a:sym typeface="Arial"/>
+              </a:defRPr>
             </a:lvl8pPr>
-            <a:lvl9pPr indent="-298450" lvl="8" marL="4114800">
-              <a:spcBef>
-                <a:spcPts val="0"/>
-              </a:spcBef>
-              <a:spcAft>
-                <a:spcPts val="0"/>
-              </a:spcAft>
+            <a:lvl9pPr indent="-298450" lvl="8" marL="4114800" marR="0" rtl="0" algn="l">
+              <a:lnSpc>
+                <a:spcPct val="100000"/>
+              </a:lnSpc>
+              <a:spcBef>
+                <a:spcPts val="0"/>
+              </a:spcBef>
+              <a:spcAft>
+                <a:spcPts val="0"/>
+              </a:spcAft>
+              <a:buClr>
+                <a:srgbClr val="000000"/>
+              </a:buClr>
               <a:buSzPts val="1100"/>
+              <a:buFont typeface="Arial"/>
               <a:buChar char="■"/>
-              <a:defRPr sz="1100"/>
+              <a:defRPr b="0" i="0" sz="1100" u="none" cap="none" strike="noStrike">
+                <a:solidFill>
+                  <a:srgbClr val="000000"/>
+                </a:solidFill>
+                <a:latin typeface="Arial"/>
+                <a:ea typeface="Arial"/>
+                <a:cs typeface="Arial"/>
+                <a:sym typeface="Arial"/>
+              </a:defRPr>
             </a:lvl9pPr>
           </a:lstStyle>
           <a:p/>
@@ -714,6 +849,10 @@
           <a:prstGeom prst="rect">
             <a:avLst/>
           </a:prstGeom>
+          <a:noFill/>
+          <a:ln>
+            <a:noFill/>
+          </a:ln>
         </p:spPr>
         <p:txBody>
           <a:bodyPr anchorCtr="0" anchor="t" bIns="91425" lIns="91425" spcFirstLastPara="1" rIns="91425" wrap="square" tIns="91425">
@@ -722,12 +861,16 @@
           <a:lstStyle/>
           <a:p>
             <a:pPr indent="0" lvl="0" marL="0" rtl="0" algn="l">
-              <a:spcBef>
-                <a:spcPts val="0"/>
-              </a:spcBef>
-              <a:spcAft>
-                <a:spcPts val="0"/>
-              </a:spcAft>
+              <a:lnSpc>
+                <a:spcPct val="100000"/>
+              </a:lnSpc>
+              <a:spcBef>
+                <a:spcPts val="0"/>
+              </a:spcBef>
+              <a:spcAft>
+                <a:spcPts val="0"/>
+              </a:spcAft>
+              <a:buSzPts val="1100"/>
               <a:buNone/>
             </a:pPr>
             <a:r>
@@ -770,6 +913,16 @@
               </a:path>
             </a:pathLst>
           </a:custGeom>
+          <a:noFill/>
+          <a:ln cap="flat" cmpd="sng" w="9525">
+            <a:solidFill>
+              <a:srgbClr val="000000"/>
+            </a:solidFill>
+            <a:prstDash val="solid"/>
+            <a:round/>
+            <a:headEnd len="sm" w="sm" type="none"/>
+            <a:tailEnd len="sm" w="sm" type="none"/>
+          </a:ln>
         </p:spPr>
       </p:sp>
     </p:spTree>
@@ -813,6 +966,10 @@
           <a:prstGeom prst="rect">
             <a:avLst/>
           </a:prstGeom>
+          <a:noFill/>
+          <a:ln>
+            <a:noFill/>
+          </a:ln>
         </p:spPr>
         <p:txBody>
           <a:bodyPr anchorCtr="0" anchor="t" bIns="91425" lIns="91425" spcFirstLastPara="1" rIns="91425" wrap="square" tIns="91425">
@@ -821,12 +978,16 @@
           <a:lstStyle/>
           <a:p>
             <a:pPr indent="0" lvl="0" marL="0" rtl="0" algn="l">
-              <a:spcBef>
-                <a:spcPts val="0"/>
-              </a:spcBef>
-              <a:spcAft>
-                <a:spcPts val="0"/>
-              </a:spcAft>
+              <a:lnSpc>
+                <a:spcPct val="100000"/>
+              </a:lnSpc>
+              <a:spcBef>
+                <a:spcPts val="0"/>
+              </a:spcBef>
+              <a:spcAft>
+                <a:spcPts val="0"/>
+              </a:spcAft>
+              <a:buSzPts val="1100"/>
               <a:buNone/>
             </a:pPr>
             <a:r>
@@ -869,6 +1030,16 @@
               </a:path>
             </a:pathLst>
           </a:custGeom>
+          <a:noFill/>
+          <a:ln cap="flat" cmpd="sng" w="9525">
+            <a:solidFill>
+              <a:srgbClr val="000000"/>
+            </a:solidFill>
+            <a:prstDash val="solid"/>
+            <a:round/>
+            <a:headEnd len="sm" w="sm" type="none"/>
+            <a:tailEnd len="sm" w="sm" type="none"/>
+          </a:ln>
         </p:spPr>
       </p:sp>
     </p:spTree>
@@ -912,6 +1083,10 @@
           <a:prstGeom prst="rect">
             <a:avLst/>
           </a:prstGeom>
+          <a:noFill/>
+          <a:ln>
+            <a:noFill/>
+          </a:ln>
         </p:spPr>
         <p:txBody>
           <a:bodyPr anchorCtr="0" anchor="t" bIns="91425" lIns="91425" spcFirstLastPara="1" rIns="91425" wrap="square" tIns="91425">
@@ -920,12 +1095,16 @@
           <a:lstStyle/>
           <a:p>
             <a:pPr indent="0" lvl="0" marL="0" rtl="0" algn="l">
-              <a:spcBef>
-                <a:spcPts val="0"/>
-              </a:spcBef>
-              <a:spcAft>
-                <a:spcPts val="0"/>
-              </a:spcAft>
+              <a:lnSpc>
+                <a:spcPct val="100000"/>
+              </a:lnSpc>
+              <a:spcBef>
+                <a:spcPts val="0"/>
+              </a:spcBef>
+              <a:spcAft>
+                <a:spcPts val="0"/>
+              </a:spcAft>
+              <a:buSzPts val="1100"/>
               <a:buNone/>
             </a:pPr>
             <a:r>
@@ -968,6 +1147,16 @@
               </a:path>
             </a:pathLst>
           </a:custGeom>
+          <a:noFill/>
+          <a:ln cap="flat" cmpd="sng" w="9525">
+            <a:solidFill>
+              <a:srgbClr val="000000"/>
+            </a:solidFill>
+            <a:prstDash val="solid"/>
+            <a:round/>
+            <a:headEnd len="sm" w="sm" type="none"/>
+            <a:tailEnd len="sm" w="sm" type="none"/>
+          </a:ln>
         </p:spPr>
       </p:sp>
     </p:spTree>
@@ -1011,6 +1200,10 @@
           <a:prstGeom prst="rect">
             <a:avLst/>
           </a:prstGeom>
+          <a:noFill/>
+          <a:ln>
+            <a:noFill/>
+          </a:ln>
         </p:spPr>
         <p:txBody>
           <a:bodyPr anchorCtr="0" anchor="t" bIns="91425" lIns="91425" spcFirstLastPara="1" rIns="91425" wrap="square" tIns="91425">
@@ -1019,12 +1212,16 @@
           <a:lstStyle/>
           <a:p>
             <a:pPr indent="0" lvl="0" marL="0" rtl="0" algn="l">
-              <a:spcBef>
-                <a:spcPts val="0"/>
-              </a:spcBef>
-              <a:spcAft>
-                <a:spcPts val="0"/>
-              </a:spcAft>
+              <a:lnSpc>
+                <a:spcPct val="100000"/>
+              </a:lnSpc>
+              <a:spcBef>
+                <a:spcPts val="0"/>
+              </a:spcBef>
+              <a:spcAft>
+                <a:spcPts val="0"/>
+              </a:spcAft>
+              <a:buSzPts val="1100"/>
               <a:buNone/>
             </a:pPr>
             <a:r>
@@ -1067,6 +1264,16 @@
               </a:path>
             </a:pathLst>
           </a:custGeom>
+          <a:noFill/>
+          <a:ln cap="flat" cmpd="sng" w="9525">
+            <a:solidFill>
+              <a:srgbClr val="000000"/>
+            </a:solidFill>
+            <a:prstDash val="solid"/>
+            <a:round/>
+            <a:headEnd len="sm" w="sm" type="none"/>
+            <a:tailEnd len="sm" w="sm" type="none"/>
+          </a:ln>
         </p:spPr>
       </p:sp>
     </p:spTree>
@@ -1110,6 +1317,10 @@
           <a:prstGeom prst="rect">
             <a:avLst/>
           </a:prstGeom>
+          <a:noFill/>
+          <a:ln>
+            <a:noFill/>
+          </a:ln>
         </p:spPr>
         <p:txBody>
           <a:bodyPr anchorCtr="0" anchor="t" bIns="91425" lIns="91425" spcFirstLastPara="1" rIns="91425" wrap="square" tIns="91425">
@@ -1118,12 +1329,16 @@
           <a:lstStyle/>
           <a:p>
             <a:pPr indent="0" lvl="0" marL="0" rtl="0" algn="l">
-              <a:spcBef>
-                <a:spcPts val="0"/>
-              </a:spcBef>
-              <a:spcAft>
-                <a:spcPts val="0"/>
-              </a:spcAft>
+              <a:lnSpc>
+                <a:spcPct val="100000"/>
+              </a:lnSpc>
+              <a:spcBef>
+                <a:spcPts val="0"/>
+              </a:spcBef>
+              <a:spcAft>
+                <a:spcPts val="0"/>
+              </a:spcAft>
+              <a:buSzPts val="1100"/>
               <a:buNone/>
             </a:pPr>
             <a:r>
@@ -1166,6 +1381,16 @@
               </a:path>
             </a:pathLst>
           </a:custGeom>
+          <a:noFill/>
+          <a:ln cap="flat" cmpd="sng" w="9525">
+            <a:solidFill>
+              <a:srgbClr val="000000"/>
+            </a:solidFill>
+            <a:prstDash val="solid"/>
+            <a:round/>
+            <a:headEnd len="sm" w="sm" type="none"/>
+            <a:tailEnd len="sm" w="sm" type="none"/>
+          </a:ln>
         </p:spPr>
       </p:sp>
     </p:spTree>
@@ -1209,6 +1434,10 @@
           <a:prstGeom prst="rect">
             <a:avLst/>
           </a:prstGeom>
+          <a:noFill/>
+          <a:ln>
+            <a:noFill/>
+          </a:ln>
         </p:spPr>
         <p:txBody>
           <a:bodyPr anchorCtr="0" anchor="t" bIns="91425" lIns="91425" spcFirstLastPara="1" rIns="91425" wrap="square" tIns="91425">
@@ -1217,12 +1446,16 @@
           <a:lstStyle/>
           <a:p>
             <a:pPr indent="0" lvl="0" marL="0" rtl="0" algn="l">
-              <a:spcBef>
-                <a:spcPts val="0"/>
-              </a:spcBef>
-              <a:spcAft>
-                <a:spcPts val="0"/>
-              </a:spcAft>
+              <a:lnSpc>
+                <a:spcPct val="100000"/>
+              </a:lnSpc>
+              <a:spcBef>
+                <a:spcPts val="0"/>
+              </a:spcBef>
+              <a:spcAft>
+                <a:spcPts val="0"/>
+              </a:spcAft>
+              <a:buSzPts val="1100"/>
               <a:buNone/>
             </a:pPr>
             <a:r>
@@ -1265,6 +1498,16 @@
               </a:path>
             </a:pathLst>
           </a:custGeom>
+          <a:noFill/>
+          <a:ln cap="flat" cmpd="sng" w="9525">
+            <a:solidFill>
+              <a:srgbClr val="000000"/>
+            </a:solidFill>
+            <a:prstDash val="solid"/>
+            <a:round/>
+            <a:headEnd len="sm" w="sm" type="none"/>
+            <a:tailEnd len="sm" w="sm" type="none"/>
+          </a:ln>
         </p:spPr>
       </p:sp>
     </p:spTree>
@@ -1308,6 +1551,10 @@
           <a:prstGeom prst="rect">
             <a:avLst/>
           </a:prstGeom>
+          <a:noFill/>
+          <a:ln>
+            <a:noFill/>
+          </a:ln>
         </p:spPr>
         <p:txBody>
           <a:bodyPr anchorCtr="0" anchor="t" bIns="91425" lIns="91425" spcFirstLastPara="1" rIns="91425" wrap="square" tIns="91425">
@@ -1316,12 +1563,16 @@
           <a:lstStyle/>
           <a:p>
             <a:pPr indent="0" lvl="0" marL="0" rtl="0" algn="l">
-              <a:spcBef>
-                <a:spcPts val="0"/>
-              </a:spcBef>
-              <a:spcAft>
-                <a:spcPts val="0"/>
-              </a:spcAft>
+              <a:lnSpc>
+                <a:spcPct val="100000"/>
+              </a:lnSpc>
+              <a:spcBef>
+                <a:spcPts val="0"/>
+              </a:spcBef>
+              <a:spcAft>
+                <a:spcPts val="0"/>
+              </a:spcAft>
+              <a:buSzPts val="1100"/>
               <a:buNone/>
             </a:pPr>
             <a:r>
@@ -1364,6 +1615,16 @@
               </a:path>
             </a:pathLst>
           </a:custGeom>
+          <a:noFill/>
+          <a:ln cap="flat" cmpd="sng" w="9525">
+            <a:solidFill>
+              <a:srgbClr val="000000"/>
+            </a:solidFill>
+            <a:prstDash val="solid"/>
+            <a:round/>
+            <a:headEnd len="sm" w="sm" type="none"/>
+            <a:tailEnd len="sm" w="sm" type="none"/>
+          </a:ln>
         </p:spPr>
       </p:sp>
     </p:spTree>
@@ -1435,7 +1696,10 @@
               <a:buNone/>
               <a:defRPr sz="6000"/>
             </a:lvl1pPr>
-            <a:lvl2pPr lvl="1">
+            <a:lvl2pPr lvl="1" algn="l">
+              <a:lnSpc>
+                <a:spcPct val="100000"/>
+              </a:lnSpc>
               <a:spcBef>
                 <a:spcPts val="0"/>
               </a:spcBef>
@@ -1446,7 +1710,10 @@
               <a:buNone/>
               <a:defRPr/>
             </a:lvl2pPr>
-            <a:lvl3pPr lvl="2">
+            <a:lvl3pPr lvl="2" algn="l">
+              <a:lnSpc>
+                <a:spcPct val="100000"/>
+              </a:lnSpc>
               <a:spcBef>
                 <a:spcPts val="0"/>
               </a:spcBef>
@@ -1457,7 +1724,10 @@
               <a:buNone/>
               <a:defRPr/>
             </a:lvl3pPr>
-            <a:lvl4pPr lvl="3">
+            <a:lvl4pPr lvl="3" algn="l">
+              <a:lnSpc>
+                <a:spcPct val="100000"/>
+              </a:lnSpc>
               <a:spcBef>
                 <a:spcPts val="0"/>
               </a:spcBef>
@@ -1468,7 +1738,10 @@
               <a:buNone/>
               <a:defRPr/>
             </a:lvl4pPr>
-            <a:lvl5pPr lvl="4">
+            <a:lvl5pPr lvl="4" algn="l">
+              <a:lnSpc>
+                <a:spcPct val="100000"/>
+              </a:lnSpc>
               <a:spcBef>
                 <a:spcPts val="0"/>
               </a:spcBef>
@@ -1479,7 +1752,10 @@
               <a:buNone/>
               <a:defRPr/>
             </a:lvl5pPr>
-            <a:lvl6pPr lvl="5">
+            <a:lvl6pPr lvl="5" algn="l">
+              <a:lnSpc>
+                <a:spcPct val="100000"/>
+              </a:lnSpc>
               <a:spcBef>
                 <a:spcPts val="0"/>
               </a:spcBef>
@@ -1490,7 +1766,10 @@
               <a:buNone/>
               <a:defRPr/>
             </a:lvl6pPr>
-            <a:lvl7pPr lvl="6">
+            <a:lvl7pPr lvl="6" algn="l">
+              <a:lnSpc>
+                <a:spcPct val="100000"/>
+              </a:lnSpc>
               <a:spcBef>
                 <a:spcPts val="0"/>
               </a:spcBef>
@@ -1501,7 +1780,10 @@
               <a:buNone/>
               <a:defRPr/>
             </a:lvl7pPr>
-            <a:lvl8pPr lvl="7">
+            <a:lvl8pPr lvl="7" algn="l">
+              <a:lnSpc>
+                <a:spcPct val="100000"/>
+              </a:lnSpc>
               <a:spcBef>
                 <a:spcPts val="0"/>
               </a:spcBef>
@@ -1512,7 +1794,10 @@
               <a:buNone/>
               <a:defRPr/>
             </a:lvl8pPr>
-            <a:lvl9pPr lvl="8">
+            <a:lvl9pPr lvl="8" algn="l">
+              <a:lnSpc>
+                <a:spcPct val="100000"/>
+              </a:lnSpc>
               <a:spcBef>
                 <a:spcPts val="0"/>
               </a:spcBef>
@@ -1737,6 +2022,9 @@
           </a:bodyPr>
           <a:lstStyle>
             <a:lvl1pPr lvl="0" algn="l">
+              <a:lnSpc>
+                <a:spcPct val="100000"/>
+              </a:lnSpc>
               <a:spcBef>
                 <a:spcPts val="0"/>
               </a:spcBef>
@@ -1748,6 +2036,9 @@
               <a:defRPr/>
             </a:lvl1pPr>
             <a:lvl2pPr lvl="1" algn="l">
+              <a:lnSpc>
+                <a:spcPct val="100000"/>
+              </a:lnSpc>
               <a:spcBef>
                 <a:spcPts val="0"/>
               </a:spcBef>
@@ -1759,6 +2050,9 @@
               <a:defRPr/>
             </a:lvl2pPr>
             <a:lvl3pPr lvl="2" algn="l">
+              <a:lnSpc>
+                <a:spcPct val="100000"/>
+              </a:lnSpc>
               <a:spcBef>
                 <a:spcPts val="0"/>
               </a:spcBef>
@@ -1770,6 +2064,9 @@
               <a:defRPr/>
             </a:lvl3pPr>
             <a:lvl4pPr lvl="3" algn="l">
+              <a:lnSpc>
+                <a:spcPct val="100000"/>
+              </a:lnSpc>
               <a:spcBef>
                 <a:spcPts val="0"/>
               </a:spcBef>
@@ -1781,6 +2078,9 @@
               <a:defRPr/>
             </a:lvl4pPr>
             <a:lvl5pPr lvl="4" algn="l">
+              <a:lnSpc>
+                <a:spcPct val="100000"/>
+              </a:lnSpc>
               <a:spcBef>
                 <a:spcPts val="0"/>
               </a:spcBef>
@@ -1792,6 +2092,9 @@
               <a:defRPr/>
             </a:lvl5pPr>
             <a:lvl6pPr lvl="5" algn="l">
+              <a:lnSpc>
+                <a:spcPct val="100000"/>
+              </a:lnSpc>
               <a:spcBef>
                 <a:spcPts val="0"/>
               </a:spcBef>
@@ -1803,6 +2106,9 @@
               <a:defRPr/>
             </a:lvl6pPr>
             <a:lvl7pPr lvl="6" algn="l">
+              <a:lnSpc>
+                <a:spcPct val="100000"/>
+              </a:lnSpc>
               <a:spcBef>
                 <a:spcPts val="0"/>
               </a:spcBef>
@@ -1814,6 +2120,9 @@
               <a:defRPr/>
             </a:lvl7pPr>
             <a:lvl8pPr lvl="7" algn="l">
+              <a:lnSpc>
+                <a:spcPct val="100000"/>
+              </a:lnSpc>
               <a:spcBef>
                 <a:spcPts val="0"/>
               </a:spcBef>
@@ -1825,6 +2134,9 @@
               <a:defRPr/>
             </a:lvl8pPr>
             <a:lvl9pPr lvl="8" algn="l">
+              <a:lnSpc>
+                <a:spcPct val="100000"/>
+              </a:lnSpc>
               <a:spcBef>
                 <a:spcPts val="0"/>
               </a:spcBef>
@@ -1866,6 +2178,9 @@
           </a:bodyPr>
           <a:lstStyle>
             <a:lvl1pPr lvl="0" algn="ctr">
+              <a:lnSpc>
+                <a:spcPct val="100000"/>
+              </a:lnSpc>
               <a:spcBef>
                 <a:spcPts val="0"/>
               </a:spcBef>
@@ -1877,6 +2192,9 @@
               <a:defRPr/>
             </a:lvl1pPr>
             <a:lvl2pPr lvl="1" algn="l">
+              <a:lnSpc>
+                <a:spcPct val="100000"/>
+              </a:lnSpc>
               <a:spcBef>
                 <a:spcPts val="0"/>
               </a:spcBef>
@@ -1888,6 +2206,9 @@
               <a:defRPr/>
             </a:lvl2pPr>
             <a:lvl3pPr lvl="2" algn="l">
+              <a:lnSpc>
+                <a:spcPct val="100000"/>
+              </a:lnSpc>
               <a:spcBef>
                 <a:spcPts val="0"/>
               </a:spcBef>
@@ -1899,6 +2220,9 @@
               <a:defRPr/>
             </a:lvl3pPr>
             <a:lvl4pPr lvl="3" algn="l">
+              <a:lnSpc>
+                <a:spcPct val="100000"/>
+              </a:lnSpc>
               <a:spcBef>
                 <a:spcPts val="0"/>
               </a:spcBef>
@@ -1910,6 +2234,9 @@
               <a:defRPr/>
             </a:lvl4pPr>
             <a:lvl5pPr lvl="4" algn="l">
+              <a:lnSpc>
+                <a:spcPct val="100000"/>
+              </a:lnSpc>
               <a:spcBef>
                 <a:spcPts val="0"/>
               </a:spcBef>
@@ -1921,6 +2248,9 @@
               <a:defRPr/>
             </a:lvl5pPr>
             <a:lvl6pPr lvl="5" algn="l">
+              <a:lnSpc>
+                <a:spcPct val="100000"/>
+              </a:lnSpc>
               <a:spcBef>
                 <a:spcPts val="0"/>
               </a:spcBef>
@@ -1932,6 +2262,9 @@
               <a:defRPr/>
             </a:lvl6pPr>
             <a:lvl7pPr lvl="6" algn="l">
+              <a:lnSpc>
+                <a:spcPct val="100000"/>
+              </a:lnSpc>
               <a:spcBef>
                 <a:spcPts val="0"/>
               </a:spcBef>
@@ -1943,6 +2276,9 @@
               <a:defRPr/>
             </a:lvl7pPr>
             <a:lvl8pPr lvl="7" algn="l">
+              <a:lnSpc>
+                <a:spcPct val="100000"/>
+              </a:lnSpc>
               <a:spcBef>
                 <a:spcPts val="0"/>
               </a:spcBef>
@@ -1954,6 +2290,9 @@
               <a:defRPr/>
             </a:lvl8pPr>
             <a:lvl9pPr lvl="8" algn="l">
+              <a:lnSpc>
+                <a:spcPct val="100000"/>
+              </a:lnSpc>
               <a:spcBef>
                 <a:spcPts val="0"/>
               </a:spcBef>
@@ -1994,68 +2333,239 @@
             <a:noAutofit/>
           </a:bodyPr>
           <a:lstStyle>
-            <a:lvl1pPr indent="0" lvl="0" marL="0" algn="r">
-              <a:spcBef>
-                <a:spcPts val="0"/>
-              </a:spcBef>
-              <a:buNone/>
-              <a:defRPr/>
+            <a:lvl1pPr indent="0" lvl="0" marL="0" marR="0" algn="r">
+              <a:lnSpc>
+                <a:spcPct val="100000"/>
+              </a:lnSpc>
+              <a:spcBef>
+                <a:spcPts val="0"/>
+              </a:spcBef>
+              <a:spcAft>
+                <a:spcPts val="0"/>
+              </a:spcAft>
+              <a:buClr>
+                <a:srgbClr val="000000"/>
+              </a:buClr>
+              <a:buSzPts val="1200"/>
+              <a:buFont typeface="Arial"/>
+              <a:buNone/>
+              <a:defRPr b="0" i="0" sz="1200" u="none" cap="none" strike="noStrike">
+                <a:solidFill>
+                  <a:srgbClr val="888888"/>
+                </a:solidFill>
+                <a:latin typeface="Calibri"/>
+                <a:ea typeface="Calibri"/>
+                <a:cs typeface="Calibri"/>
+                <a:sym typeface="Calibri"/>
+              </a:defRPr>
             </a:lvl1pPr>
-            <a:lvl2pPr indent="0" lvl="1" marL="0" algn="r">
-              <a:spcBef>
-                <a:spcPts val="0"/>
-              </a:spcBef>
-              <a:buNone/>
-              <a:defRPr/>
+            <a:lvl2pPr indent="0" lvl="1" marL="0" marR="0" algn="r">
+              <a:lnSpc>
+                <a:spcPct val="100000"/>
+              </a:lnSpc>
+              <a:spcBef>
+                <a:spcPts val="0"/>
+              </a:spcBef>
+              <a:spcAft>
+                <a:spcPts val="0"/>
+              </a:spcAft>
+              <a:buClr>
+                <a:srgbClr val="000000"/>
+              </a:buClr>
+              <a:buSzPts val="1200"/>
+              <a:buFont typeface="Arial"/>
+              <a:buNone/>
+              <a:defRPr b="0" i="0" sz="1200" u="none" cap="none" strike="noStrike">
+                <a:solidFill>
+                  <a:srgbClr val="888888"/>
+                </a:solidFill>
+                <a:latin typeface="Calibri"/>
+                <a:ea typeface="Calibri"/>
+                <a:cs typeface="Calibri"/>
+                <a:sym typeface="Calibri"/>
+              </a:defRPr>
             </a:lvl2pPr>
-            <a:lvl3pPr indent="0" lvl="2" marL="0" algn="r">
-              <a:spcBef>
-                <a:spcPts val="0"/>
-              </a:spcBef>
-              <a:buNone/>
-              <a:defRPr/>
+            <a:lvl3pPr indent="0" lvl="2" marL="0" marR="0" algn="r">
+              <a:lnSpc>
+                <a:spcPct val="100000"/>
+              </a:lnSpc>
+              <a:spcBef>
+                <a:spcPts val="0"/>
+              </a:spcBef>
+              <a:spcAft>
+                <a:spcPts val="0"/>
+              </a:spcAft>
+              <a:buClr>
+                <a:srgbClr val="000000"/>
+              </a:buClr>
+              <a:buSzPts val="1200"/>
+              <a:buFont typeface="Arial"/>
+              <a:buNone/>
+              <a:defRPr b="0" i="0" sz="1200" u="none" cap="none" strike="noStrike">
+                <a:solidFill>
+                  <a:srgbClr val="888888"/>
+                </a:solidFill>
+                <a:latin typeface="Calibri"/>
+                <a:ea typeface="Calibri"/>
+                <a:cs typeface="Calibri"/>
+                <a:sym typeface="Calibri"/>
+              </a:defRPr>
             </a:lvl3pPr>
-            <a:lvl4pPr indent="0" lvl="3" marL="0" algn="r">
-              <a:spcBef>
-                <a:spcPts val="0"/>
-              </a:spcBef>
-              <a:buNone/>
-              <a:defRPr/>
+            <a:lvl4pPr indent="0" lvl="3" marL="0" marR="0" algn="r">
+              <a:lnSpc>
+                <a:spcPct val="100000"/>
+              </a:lnSpc>
+              <a:spcBef>
+                <a:spcPts val="0"/>
+              </a:spcBef>
+              <a:spcAft>
+                <a:spcPts val="0"/>
+              </a:spcAft>
+              <a:buClr>
+                <a:srgbClr val="000000"/>
+              </a:buClr>
+              <a:buSzPts val="1200"/>
+              <a:buFont typeface="Arial"/>
+              <a:buNone/>
+              <a:defRPr b="0" i="0" sz="1200" u="none" cap="none" strike="noStrike">
+                <a:solidFill>
+                  <a:srgbClr val="888888"/>
+                </a:solidFill>
+                <a:latin typeface="Calibri"/>
+                <a:ea typeface="Calibri"/>
+                <a:cs typeface="Calibri"/>
+                <a:sym typeface="Calibri"/>
+              </a:defRPr>
             </a:lvl4pPr>
-            <a:lvl5pPr indent="0" lvl="4" marL="0" algn="r">
-              <a:spcBef>
-                <a:spcPts val="0"/>
-              </a:spcBef>
-              <a:buNone/>
-              <a:defRPr/>
+            <a:lvl5pPr indent="0" lvl="4" marL="0" marR="0" algn="r">
+              <a:lnSpc>
+                <a:spcPct val="100000"/>
+              </a:lnSpc>
+              <a:spcBef>
+                <a:spcPts val="0"/>
+              </a:spcBef>
+              <a:spcAft>
+                <a:spcPts val="0"/>
+              </a:spcAft>
+              <a:buClr>
+                <a:srgbClr val="000000"/>
+              </a:buClr>
+              <a:buSzPts val="1200"/>
+              <a:buFont typeface="Arial"/>
+              <a:buNone/>
+              <a:defRPr b="0" i="0" sz="1200" u="none" cap="none" strike="noStrike">
+                <a:solidFill>
+                  <a:srgbClr val="888888"/>
+                </a:solidFill>
+                <a:latin typeface="Calibri"/>
+                <a:ea typeface="Calibri"/>
+                <a:cs typeface="Calibri"/>
+                <a:sym typeface="Calibri"/>
+              </a:defRPr>
             </a:lvl5pPr>
-            <a:lvl6pPr indent="0" lvl="5" marL="0" algn="r">
-              <a:spcBef>
-                <a:spcPts val="0"/>
-              </a:spcBef>
-              <a:buNone/>
-              <a:defRPr/>
+            <a:lvl6pPr indent="0" lvl="5" marL="0" marR="0" algn="r">
+              <a:lnSpc>
+                <a:spcPct val="100000"/>
+              </a:lnSpc>
+              <a:spcBef>
+                <a:spcPts val="0"/>
+              </a:spcBef>
+              <a:spcAft>
+                <a:spcPts val="0"/>
+              </a:spcAft>
+              <a:buClr>
+                <a:srgbClr val="000000"/>
+              </a:buClr>
+              <a:buSzPts val="1200"/>
+              <a:buFont typeface="Arial"/>
+              <a:buNone/>
+              <a:defRPr b="0" i="0" sz="1200" u="none" cap="none" strike="noStrike">
+                <a:solidFill>
+                  <a:srgbClr val="888888"/>
+                </a:solidFill>
+                <a:latin typeface="Calibri"/>
+                <a:ea typeface="Calibri"/>
+                <a:cs typeface="Calibri"/>
+                <a:sym typeface="Calibri"/>
+              </a:defRPr>
             </a:lvl6pPr>
-            <a:lvl7pPr indent="0" lvl="6" marL="0" algn="r">
-              <a:spcBef>
-                <a:spcPts val="0"/>
-              </a:spcBef>
-              <a:buNone/>
-              <a:defRPr/>
+            <a:lvl7pPr indent="0" lvl="6" marL="0" marR="0" algn="r">
+              <a:lnSpc>
+                <a:spcPct val="100000"/>
+              </a:lnSpc>
+              <a:spcBef>
+                <a:spcPts val="0"/>
+              </a:spcBef>
+              <a:spcAft>
+                <a:spcPts val="0"/>
+              </a:spcAft>
+              <a:buClr>
+                <a:srgbClr val="000000"/>
+              </a:buClr>
+              <a:buSzPts val="1200"/>
+              <a:buFont typeface="Arial"/>
+              <a:buNone/>
+              <a:defRPr b="0" i="0" sz="1200" u="none" cap="none" strike="noStrike">
+                <a:solidFill>
+                  <a:srgbClr val="888888"/>
+                </a:solidFill>
+                <a:latin typeface="Calibri"/>
+                <a:ea typeface="Calibri"/>
+                <a:cs typeface="Calibri"/>
+                <a:sym typeface="Calibri"/>
+              </a:defRPr>
             </a:lvl7pPr>
-            <a:lvl8pPr indent="0" lvl="7" marL="0" algn="r">
-              <a:spcBef>
-                <a:spcPts val="0"/>
-              </a:spcBef>
-              <a:buNone/>
-              <a:defRPr/>
+            <a:lvl8pPr indent="0" lvl="7" marL="0" marR="0" algn="r">
+              <a:lnSpc>
+                <a:spcPct val="100000"/>
+              </a:lnSpc>
+              <a:spcBef>
+                <a:spcPts val="0"/>
+              </a:spcBef>
+              <a:spcAft>
+                <a:spcPts val="0"/>
+              </a:spcAft>
+              <a:buClr>
+                <a:srgbClr val="000000"/>
+              </a:buClr>
+              <a:buSzPts val="1200"/>
+              <a:buFont typeface="Arial"/>
+              <a:buNone/>
+              <a:defRPr b="0" i="0" sz="1200" u="none" cap="none" strike="noStrike">
+                <a:solidFill>
+                  <a:srgbClr val="888888"/>
+                </a:solidFill>
+                <a:latin typeface="Calibri"/>
+                <a:ea typeface="Calibri"/>
+                <a:cs typeface="Calibri"/>
+                <a:sym typeface="Calibri"/>
+              </a:defRPr>
             </a:lvl8pPr>
-            <a:lvl9pPr indent="0" lvl="8" marL="0" algn="r">
-              <a:spcBef>
-                <a:spcPts val="0"/>
-              </a:spcBef>
-              <a:buNone/>
-              <a:defRPr/>
+            <a:lvl9pPr indent="0" lvl="8" marL="0" marR="0" algn="r">
+              <a:lnSpc>
+                <a:spcPct val="100000"/>
+              </a:lnSpc>
+              <a:spcBef>
+                <a:spcPts val="0"/>
+              </a:spcBef>
+              <a:spcAft>
+                <a:spcPts val="0"/>
+              </a:spcAft>
+              <a:buClr>
+                <a:srgbClr val="000000"/>
+              </a:buClr>
+              <a:buSzPts val="1200"/>
+              <a:buFont typeface="Arial"/>
+              <a:buNone/>
+              <a:defRPr b="0" i="0" sz="1200" u="none" cap="none" strike="noStrike">
+                <a:solidFill>
+                  <a:srgbClr val="888888"/>
+                </a:solidFill>
+                <a:latin typeface="Calibri"/>
+                <a:ea typeface="Calibri"/>
+                <a:cs typeface="Calibri"/>
+                <a:sym typeface="Calibri"/>
+              </a:defRPr>
             </a:lvl9pPr>
           </a:lstStyle>
           <a:p>
@@ -2144,7 +2654,10 @@
               <a:buNone/>
               <a:defRPr/>
             </a:lvl1pPr>
-            <a:lvl2pPr lvl="1">
+            <a:lvl2pPr lvl="1" algn="l">
+              <a:lnSpc>
+                <a:spcPct val="100000"/>
+              </a:lnSpc>
               <a:spcBef>
                 <a:spcPts val="0"/>
               </a:spcBef>
@@ -2155,7 +2668,10 @@
               <a:buNone/>
               <a:defRPr/>
             </a:lvl2pPr>
-            <a:lvl3pPr lvl="2">
+            <a:lvl3pPr lvl="2" algn="l">
+              <a:lnSpc>
+                <a:spcPct val="100000"/>
+              </a:lnSpc>
               <a:spcBef>
                 <a:spcPts val="0"/>
               </a:spcBef>
@@ -2166,7 +2682,10 @@
               <a:buNone/>
               <a:defRPr/>
             </a:lvl3pPr>
-            <a:lvl4pPr lvl="3">
+            <a:lvl4pPr lvl="3" algn="l">
+              <a:lnSpc>
+                <a:spcPct val="100000"/>
+              </a:lnSpc>
               <a:spcBef>
                 <a:spcPts val="0"/>
               </a:spcBef>
@@ -2177,7 +2696,10 @@
               <a:buNone/>
               <a:defRPr/>
             </a:lvl4pPr>
-            <a:lvl5pPr lvl="4">
+            <a:lvl5pPr lvl="4" algn="l">
+              <a:lnSpc>
+                <a:spcPct val="100000"/>
+              </a:lnSpc>
               <a:spcBef>
                 <a:spcPts val="0"/>
               </a:spcBef>
@@ -2188,7 +2710,10 @@
               <a:buNone/>
               <a:defRPr/>
             </a:lvl5pPr>
-            <a:lvl6pPr lvl="5">
+            <a:lvl6pPr lvl="5" algn="l">
+              <a:lnSpc>
+                <a:spcPct val="100000"/>
+              </a:lnSpc>
               <a:spcBef>
                 <a:spcPts val="0"/>
               </a:spcBef>
@@ -2199,7 +2724,10 @@
               <a:buNone/>
               <a:defRPr/>
             </a:lvl6pPr>
-            <a:lvl7pPr lvl="6">
+            <a:lvl7pPr lvl="6" algn="l">
+              <a:lnSpc>
+                <a:spcPct val="100000"/>
+              </a:lnSpc>
               <a:spcBef>
                 <a:spcPts val="0"/>
               </a:spcBef>
@@ -2210,7 +2738,10 @@
               <a:buNone/>
               <a:defRPr/>
             </a:lvl7pPr>
-            <a:lvl8pPr lvl="7">
+            <a:lvl8pPr lvl="7" algn="l">
+              <a:lnSpc>
+                <a:spcPct val="100000"/>
+              </a:lnSpc>
               <a:spcBef>
                 <a:spcPts val="0"/>
               </a:spcBef>
@@ -2221,7 +2752,10 @@
               <a:buNone/>
               <a:defRPr/>
             </a:lvl8pPr>
-            <a:lvl9pPr lvl="8">
+            <a:lvl9pPr lvl="8" algn="l">
+              <a:lnSpc>
+                <a:spcPct val="100000"/>
+              </a:lnSpc>
               <a:spcBef>
                 <a:spcPts val="0"/>
               </a:spcBef>
@@ -2446,6 +2980,9 @@
           </a:bodyPr>
           <a:lstStyle>
             <a:lvl1pPr lvl="0" algn="l">
+              <a:lnSpc>
+                <a:spcPct val="100000"/>
+              </a:lnSpc>
               <a:spcBef>
                 <a:spcPts val="0"/>
               </a:spcBef>
@@ -2457,6 +2994,9 @@
               <a:defRPr/>
             </a:lvl1pPr>
             <a:lvl2pPr lvl="1" algn="l">
+              <a:lnSpc>
+                <a:spcPct val="100000"/>
+              </a:lnSpc>
               <a:spcBef>
                 <a:spcPts val="0"/>
               </a:spcBef>
@@ -2468,6 +3008,9 @@
               <a:defRPr/>
             </a:lvl2pPr>
             <a:lvl3pPr lvl="2" algn="l">
+              <a:lnSpc>
+                <a:spcPct val="100000"/>
+              </a:lnSpc>
               <a:spcBef>
                 <a:spcPts val="0"/>
               </a:spcBef>
@@ -2479,6 +3022,9 @@
               <a:defRPr/>
             </a:lvl3pPr>
             <a:lvl4pPr lvl="3" algn="l">
+              <a:lnSpc>
+                <a:spcPct val="100000"/>
+              </a:lnSpc>
               <a:spcBef>
                 <a:spcPts val="0"/>
               </a:spcBef>
@@ -2490,6 +3036,9 @@
               <a:defRPr/>
             </a:lvl4pPr>
             <a:lvl5pPr lvl="4" algn="l">
+              <a:lnSpc>
+                <a:spcPct val="100000"/>
+              </a:lnSpc>
               <a:spcBef>
                 <a:spcPts val="0"/>
               </a:spcBef>
@@ -2501,6 +3050,9 @@
               <a:defRPr/>
             </a:lvl5pPr>
             <a:lvl6pPr lvl="5" algn="l">
+              <a:lnSpc>
+                <a:spcPct val="100000"/>
+              </a:lnSpc>
               <a:spcBef>
                 <a:spcPts val="0"/>
               </a:spcBef>
@@ -2512,6 +3064,9 @@
               <a:defRPr/>
             </a:lvl6pPr>
             <a:lvl7pPr lvl="6" algn="l">
+              <a:lnSpc>
+                <a:spcPct val="100000"/>
+              </a:lnSpc>
               <a:spcBef>
                 <a:spcPts val="0"/>
               </a:spcBef>
@@ -2523,6 +3078,9 @@
               <a:defRPr/>
             </a:lvl7pPr>
             <a:lvl8pPr lvl="7" algn="l">
+              <a:lnSpc>
+                <a:spcPct val="100000"/>
+              </a:lnSpc>
               <a:spcBef>
                 <a:spcPts val="0"/>
               </a:spcBef>
@@ -2534,6 +3092,9 @@
               <a:defRPr/>
             </a:lvl8pPr>
             <a:lvl9pPr lvl="8" algn="l">
+              <a:lnSpc>
+                <a:spcPct val="100000"/>
+              </a:lnSpc>
               <a:spcBef>
                 <a:spcPts val="0"/>
               </a:spcBef>
@@ -2575,6 +3136,9 @@
           </a:bodyPr>
           <a:lstStyle>
             <a:lvl1pPr lvl="0" algn="ctr">
+              <a:lnSpc>
+                <a:spcPct val="100000"/>
+              </a:lnSpc>
               <a:spcBef>
                 <a:spcPts val="0"/>
               </a:spcBef>
@@ -2586,6 +3150,9 @@
               <a:defRPr/>
             </a:lvl1pPr>
             <a:lvl2pPr lvl="1" algn="l">
+              <a:lnSpc>
+                <a:spcPct val="100000"/>
+              </a:lnSpc>
               <a:spcBef>
                 <a:spcPts val="0"/>
               </a:spcBef>
@@ -2597,6 +3164,9 @@
               <a:defRPr/>
             </a:lvl2pPr>
             <a:lvl3pPr lvl="2" algn="l">
+              <a:lnSpc>
+                <a:spcPct val="100000"/>
+              </a:lnSpc>
               <a:spcBef>
                 <a:spcPts val="0"/>
               </a:spcBef>
@@ -2608,6 +3178,9 @@
               <a:defRPr/>
             </a:lvl3pPr>
             <a:lvl4pPr lvl="3" algn="l">
+              <a:lnSpc>
+                <a:spcPct val="100000"/>
+              </a:lnSpc>
               <a:spcBef>
                 <a:spcPts val="0"/>
               </a:spcBef>
@@ -2619,6 +3192,9 @@
               <a:defRPr/>
             </a:lvl4pPr>
             <a:lvl5pPr lvl="4" algn="l">
+              <a:lnSpc>
+                <a:spcPct val="100000"/>
+              </a:lnSpc>
               <a:spcBef>
                 <a:spcPts val="0"/>
               </a:spcBef>
@@ -2630,6 +3206,9 @@
               <a:defRPr/>
             </a:lvl5pPr>
             <a:lvl6pPr lvl="5" algn="l">
+              <a:lnSpc>
+                <a:spcPct val="100000"/>
+              </a:lnSpc>
               <a:spcBef>
                 <a:spcPts val="0"/>
               </a:spcBef>
@@ -2641,6 +3220,9 @@
               <a:defRPr/>
             </a:lvl6pPr>
             <a:lvl7pPr lvl="6" algn="l">
+              <a:lnSpc>
+                <a:spcPct val="100000"/>
+              </a:lnSpc>
               <a:spcBef>
                 <a:spcPts val="0"/>
               </a:spcBef>
@@ -2652,6 +3234,9 @@
               <a:defRPr/>
             </a:lvl7pPr>
             <a:lvl8pPr lvl="7" algn="l">
+              <a:lnSpc>
+                <a:spcPct val="100000"/>
+              </a:lnSpc>
               <a:spcBef>
                 <a:spcPts val="0"/>
               </a:spcBef>
@@ -2663,6 +3248,9 @@
               <a:defRPr/>
             </a:lvl8pPr>
             <a:lvl9pPr lvl="8" algn="l">
+              <a:lnSpc>
+                <a:spcPct val="100000"/>
+              </a:lnSpc>
               <a:spcBef>
                 <a:spcPts val="0"/>
               </a:spcBef>
@@ -2703,68 +3291,239 @@
             <a:noAutofit/>
           </a:bodyPr>
           <a:lstStyle>
-            <a:lvl1pPr indent="0" lvl="0" marL="0" algn="r">
-              <a:spcBef>
-                <a:spcPts val="0"/>
-              </a:spcBef>
-              <a:buNone/>
-              <a:defRPr/>
+            <a:lvl1pPr indent="0" lvl="0" marL="0" marR="0" algn="r">
+              <a:lnSpc>
+                <a:spcPct val="100000"/>
+              </a:lnSpc>
+              <a:spcBef>
+                <a:spcPts val="0"/>
+              </a:spcBef>
+              <a:spcAft>
+                <a:spcPts val="0"/>
+              </a:spcAft>
+              <a:buClr>
+                <a:srgbClr val="000000"/>
+              </a:buClr>
+              <a:buSzPts val="1200"/>
+              <a:buFont typeface="Arial"/>
+              <a:buNone/>
+              <a:defRPr b="0" i="0" sz="1200" u="none" cap="none" strike="noStrike">
+                <a:solidFill>
+                  <a:srgbClr val="888888"/>
+                </a:solidFill>
+                <a:latin typeface="Calibri"/>
+                <a:ea typeface="Calibri"/>
+                <a:cs typeface="Calibri"/>
+                <a:sym typeface="Calibri"/>
+              </a:defRPr>
             </a:lvl1pPr>
-            <a:lvl2pPr indent="0" lvl="1" marL="0" algn="r">
-              <a:spcBef>
-                <a:spcPts val="0"/>
-              </a:spcBef>
-              <a:buNone/>
-              <a:defRPr/>
+            <a:lvl2pPr indent="0" lvl="1" marL="0" marR="0" algn="r">
+              <a:lnSpc>
+                <a:spcPct val="100000"/>
+              </a:lnSpc>
+              <a:spcBef>
+                <a:spcPts val="0"/>
+              </a:spcBef>
+              <a:spcAft>
+                <a:spcPts val="0"/>
+              </a:spcAft>
+              <a:buClr>
+                <a:srgbClr val="000000"/>
+              </a:buClr>
+              <a:buSzPts val="1200"/>
+              <a:buFont typeface="Arial"/>
+              <a:buNone/>
+              <a:defRPr b="0" i="0" sz="1200" u="none" cap="none" strike="noStrike">
+                <a:solidFill>
+                  <a:srgbClr val="888888"/>
+                </a:solidFill>
+                <a:latin typeface="Calibri"/>
+                <a:ea typeface="Calibri"/>
+                <a:cs typeface="Calibri"/>
+                <a:sym typeface="Calibri"/>
+              </a:defRPr>
             </a:lvl2pPr>
-            <a:lvl3pPr indent="0" lvl="2" marL="0" algn="r">
-              <a:spcBef>
-                <a:spcPts val="0"/>
-              </a:spcBef>
-              <a:buNone/>
-              <a:defRPr/>
+            <a:lvl3pPr indent="0" lvl="2" marL="0" marR="0" algn="r">
+              <a:lnSpc>
+                <a:spcPct val="100000"/>
+              </a:lnSpc>
+              <a:spcBef>
+                <a:spcPts val="0"/>
+              </a:spcBef>
+              <a:spcAft>
+                <a:spcPts val="0"/>
+              </a:spcAft>
+              <a:buClr>
+                <a:srgbClr val="000000"/>
+              </a:buClr>
+              <a:buSzPts val="1200"/>
+              <a:buFont typeface="Arial"/>
+              <a:buNone/>
+              <a:defRPr b="0" i="0" sz="1200" u="none" cap="none" strike="noStrike">
+                <a:solidFill>
+                  <a:srgbClr val="888888"/>
+                </a:solidFill>
+                <a:latin typeface="Calibri"/>
+                <a:ea typeface="Calibri"/>
+                <a:cs typeface="Calibri"/>
+                <a:sym typeface="Calibri"/>
+              </a:defRPr>
             </a:lvl3pPr>
-            <a:lvl4pPr indent="0" lvl="3" marL="0" algn="r">
-              <a:spcBef>
-                <a:spcPts val="0"/>
-              </a:spcBef>
-              <a:buNone/>
-              <a:defRPr/>
+            <a:lvl4pPr indent="0" lvl="3" marL="0" marR="0" algn="r">
+              <a:lnSpc>
+                <a:spcPct val="100000"/>
+              </a:lnSpc>
+              <a:spcBef>
+                <a:spcPts val="0"/>
+              </a:spcBef>
+              <a:spcAft>
+                <a:spcPts val="0"/>
+              </a:spcAft>
+              <a:buClr>
+                <a:srgbClr val="000000"/>
+              </a:buClr>
+              <a:buSzPts val="1200"/>
+              <a:buFont typeface="Arial"/>
+              <a:buNone/>
+              <a:defRPr b="0" i="0" sz="1200" u="none" cap="none" strike="noStrike">
+                <a:solidFill>
+                  <a:srgbClr val="888888"/>
+                </a:solidFill>
+                <a:latin typeface="Calibri"/>
+                <a:ea typeface="Calibri"/>
+                <a:cs typeface="Calibri"/>
+                <a:sym typeface="Calibri"/>
+              </a:defRPr>
             </a:lvl4pPr>
-            <a:lvl5pPr indent="0" lvl="4" marL="0" algn="r">
-              <a:spcBef>
-                <a:spcPts val="0"/>
-              </a:spcBef>
-              <a:buNone/>
-              <a:defRPr/>
+            <a:lvl5pPr indent="0" lvl="4" marL="0" marR="0" algn="r">
+              <a:lnSpc>
+                <a:spcPct val="100000"/>
+              </a:lnSpc>
+              <a:spcBef>
+                <a:spcPts val="0"/>
+              </a:spcBef>
+              <a:spcAft>
+                <a:spcPts val="0"/>
+              </a:spcAft>
+              <a:buClr>
+                <a:srgbClr val="000000"/>
+              </a:buClr>
+              <a:buSzPts val="1200"/>
+              <a:buFont typeface="Arial"/>
+              <a:buNone/>
+              <a:defRPr b="0" i="0" sz="1200" u="none" cap="none" strike="noStrike">
+                <a:solidFill>
+                  <a:srgbClr val="888888"/>
+                </a:solidFill>
+                <a:latin typeface="Calibri"/>
+                <a:ea typeface="Calibri"/>
+                <a:cs typeface="Calibri"/>
+                <a:sym typeface="Calibri"/>
+              </a:defRPr>
             </a:lvl5pPr>
-            <a:lvl6pPr indent="0" lvl="5" marL="0" algn="r">
-              <a:spcBef>
-                <a:spcPts val="0"/>
-              </a:spcBef>
-              <a:buNone/>
-              <a:defRPr/>
+            <a:lvl6pPr indent="0" lvl="5" marL="0" marR="0" algn="r">
+              <a:lnSpc>
+                <a:spcPct val="100000"/>
+              </a:lnSpc>
+              <a:spcBef>
+                <a:spcPts val="0"/>
+              </a:spcBef>
+              <a:spcAft>
+                <a:spcPts val="0"/>
+              </a:spcAft>
+              <a:buClr>
+                <a:srgbClr val="000000"/>
+              </a:buClr>
+              <a:buSzPts val="1200"/>
+              <a:buFont typeface="Arial"/>
+              <a:buNone/>
+              <a:defRPr b="0" i="0" sz="1200" u="none" cap="none" strike="noStrike">
+                <a:solidFill>
+                  <a:srgbClr val="888888"/>
+                </a:solidFill>
+                <a:latin typeface="Calibri"/>
+                <a:ea typeface="Calibri"/>
+                <a:cs typeface="Calibri"/>
+                <a:sym typeface="Calibri"/>
+              </a:defRPr>
             </a:lvl6pPr>
-            <a:lvl7pPr indent="0" lvl="6" marL="0" algn="r">
-              <a:spcBef>
-                <a:spcPts val="0"/>
-              </a:spcBef>
-              <a:buNone/>
-              <a:defRPr/>
+            <a:lvl7pPr indent="0" lvl="6" marL="0" marR="0" algn="r">
+              <a:lnSpc>
+                <a:spcPct val="100000"/>
+              </a:lnSpc>
+              <a:spcBef>
+                <a:spcPts val="0"/>
+              </a:spcBef>
+              <a:spcAft>
+                <a:spcPts val="0"/>
+              </a:spcAft>
+              <a:buClr>
+                <a:srgbClr val="000000"/>
+              </a:buClr>
+              <a:buSzPts val="1200"/>
+              <a:buFont typeface="Arial"/>
+              <a:buNone/>
+              <a:defRPr b="0" i="0" sz="1200" u="none" cap="none" strike="noStrike">
+                <a:solidFill>
+                  <a:srgbClr val="888888"/>
+                </a:solidFill>
+                <a:latin typeface="Calibri"/>
+                <a:ea typeface="Calibri"/>
+                <a:cs typeface="Calibri"/>
+                <a:sym typeface="Calibri"/>
+              </a:defRPr>
             </a:lvl7pPr>
-            <a:lvl8pPr indent="0" lvl="7" marL="0" algn="r">
-              <a:spcBef>
-                <a:spcPts val="0"/>
-              </a:spcBef>
-              <a:buNone/>
-              <a:defRPr/>
+            <a:lvl8pPr indent="0" lvl="7" marL="0" marR="0" algn="r">
+              <a:lnSpc>
+                <a:spcPct val="100000"/>
+              </a:lnSpc>
+              <a:spcBef>
+                <a:spcPts val="0"/>
+              </a:spcBef>
+              <a:spcAft>
+                <a:spcPts val="0"/>
+              </a:spcAft>
+              <a:buClr>
+                <a:srgbClr val="000000"/>
+              </a:buClr>
+              <a:buSzPts val="1200"/>
+              <a:buFont typeface="Arial"/>
+              <a:buNone/>
+              <a:defRPr b="0" i="0" sz="1200" u="none" cap="none" strike="noStrike">
+                <a:solidFill>
+                  <a:srgbClr val="888888"/>
+                </a:solidFill>
+                <a:latin typeface="Calibri"/>
+                <a:ea typeface="Calibri"/>
+                <a:cs typeface="Calibri"/>
+                <a:sym typeface="Calibri"/>
+              </a:defRPr>
             </a:lvl8pPr>
-            <a:lvl9pPr indent="0" lvl="8" marL="0" algn="r">
-              <a:spcBef>
-                <a:spcPts val="0"/>
-              </a:spcBef>
-              <a:buNone/>
-              <a:defRPr/>
+            <a:lvl9pPr indent="0" lvl="8" marL="0" marR="0" algn="r">
+              <a:lnSpc>
+                <a:spcPct val="100000"/>
+              </a:lnSpc>
+              <a:spcBef>
+                <a:spcPts val="0"/>
+              </a:spcBef>
+              <a:spcAft>
+                <a:spcPts val="0"/>
+              </a:spcAft>
+              <a:buClr>
+                <a:srgbClr val="000000"/>
+              </a:buClr>
+              <a:buSzPts val="1200"/>
+              <a:buFont typeface="Arial"/>
+              <a:buNone/>
+              <a:defRPr b="0" i="0" sz="1200" u="none" cap="none" strike="noStrike">
+                <a:solidFill>
+                  <a:srgbClr val="888888"/>
+                </a:solidFill>
+                <a:latin typeface="Calibri"/>
+                <a:ea typeface="Calibri"/>
+                <a:cs typeface="Calibri"/>
+                <a:sym typeface="Calibri"/>
+              </a:defRPr>
             </a:lvl9pPr>
           </a:lstStyle>
           <a:p>
@@ -2853,7 +3612,10 @@
               <a:buNone/>
               <a:defRPr/>
             </a:lvl1pPr>
-            <a:lvl2pPr lvl="1">
+            <a:lvl2pPr lvl="1" algn="l">
+              <a:lnSpc>
+                <a:spcPct val="100000"/>
+              </a:lnSpc>
               <a:spcBef>
                 <a:spcPts val="0"/>
               </a:spcBef>
@@ -2864,7 +3626,10 @@
               <a:buNone/>
               <a:defRPr/>
             </a:lvl2pPr>
-            <a:lvl3pPr lvl="2">
+            <a:lvl3pPr lvl="2" algn="l">
+              <a:lnSpc>
+                <a:spcPct val="100000"/>
+              </a:lnSpc>
               <a:spcBef>
                 <a:spcPts val="0"/>
               </a:spcBef>
@@ -2875,7 +3640,10 @@
               <a:buNone/>
               <a:defRPr/>
             </a:lvl3pPr>
-            <a:lvl4pPr lvl="3">
+            <a:lvl4pPr lvl="3" algn="l">
+              <a:lnSpc>
+                <a:spcPct val="100000"/>
+              </a:lnSpc>
               <a:spcBef>
                 <a:spcPts val="0"/>
               </a:spcBef>
@@ -2886,7 +3654,10 @@
               <a:buNone/>
               <a:defRPr/>
             </a:lvl4pPr>
-            <a:lvl5pPr lvl="4">
+            <a:lvl5pPr lvl="4" algn="l">
+              <a:lnSpc>
+                <a:spcPct val="100000"/>
+              </a:lnSpc>
               <a:spcBef>
                 <a:spcPts val="0"/>
               </a:spcBef>
@@ -2897,7 +3668,10 @@
               <a:buNone/>
               <a:defRPr/>
             </a:lvl5pPr>
-            <a:lvl6pPr lvl="5">
+            <a:lvl6pPr lvl="5" algn="l">
+              <a:lnSpc>
+                <a:spcPct val="100000"/>
+              </a:lnSpc>
               <a:spcBef>
                 <a:spcPts val="0"/>
               </a:spcBef>
@@ -2908,7 +3682,10 @@
               <a:buNone/>
               <a:defRPr/>
             </a:lvl6pPr>
-            <a:lvl7pPr lvl="6">
+            <a:lvl7pPr lvl="6" algn="l">
+              <a:lnSpc>
+                <a:spcPct val="100000"/>
+              </a:lnSpc>
               <a:spcBef>
                 <a:spcPts val="0"/>
               </a:spcBef>
@@ -2919,7 +3696,10 @@
               <a:buNone/>
               <a:defRPr/>
             </a:lvl7pPr>
-            <a:lvl8pPr lvl="7">
+            <a:lvl8pPr lvl="7" algn="l">
+              <a:lnSpc>
+                <a:spcPct val="100000"/>
+              </a:lnSpc>
               <a:spcBef>
                 <a:spcPts val="0"/>
               </a:spcBef>
@@ -2930,7 +3710,10 @@
               <a:buNone/>
               <a:defRPr/>
             </a:lvl8pPr>
-            <a:lvl9pPr lvl="8">
+            <a:lvl9pPr lvl="8" algn="l">
+              <a:lnSpc>
+                <a:spcPct val="100000"/>
+              </a:lnSpc>
               <a:spcBef>
                 <a:spcPts val="0"/>
               </a:spcBef>
@@ -3155,6 +3938,9 @@
           </a:bodyPr>
           <a:lstStyle>
             <a:lvl1pPr lvl="0" algn="l">
+              <a:lnSpc>
+                <a:spcPct val="100000"/>
+              </a:lnSpc>
               <a:spcBef>
                 <a:spcPts val="0"/>
               </a:spcBef>
@@ -3166,6 +3952,9 @@
               <a:defRPr/>
             </a:lvl1pPr>
             <a:lvl2pPr lvl="1" algn="l">
+              <a:lnSpc>
+                <a:spcPct val="100000"/>
+              </a:lnSpc>
               <a:spcBef>
                 <a:spcPts val="0"/>
               </a:spcBef>
@@ -3177,6 +3966,9 @@
               <a:defRPr/>
             </a:lvl2pPr>
             <a:lvl3pPr lvl="2" algn="l">
+              <a:lnSpc>
+                <a:spcPct val="100000"/>
+              </a:lnSpc>
               <a:spcBef>
                 <a:spcPts val="0"/>
               </a:spcBef>
@@ -3188,6 +3980,9 @@
               <a:defRPr/>
             </a:lvl3pPr>
             <a:lvl4pPr lvl="3" algn="l">
+              <a:lnSpc>
+                <a:spcPct val="100000"/>
+              </a:lnSpc>
               <a:spcBef>
                 <a:spcPts val="0"/>
               </a:spcBef>
@@ -3199,6 +3994,9 @@
               <a:defRPr/>
             </a:lvl4pPr>
             <a:lvl5pPr lvl="4" algn="l">
+              <a:lnSpc>
+                <a:spcPct val="100000"/>
+              </a:lnSpc>
               <a:spcBef>
                 <a:spcPts val="0"/>
               </a:spcBef>
@@ -3210,6 +4008,9 @@
               <a:defRPr/>
             </a:lvl5pPr>
             <a:lvl6pPr lvl="5" algn="l">
+              <a:lnSpc>
+                <a:spcPct val="100000"/>
+              </a:lnSpc>
               <a:spcBef>
                 <a:spcPts val="0"/>
               </a:spcBef>
@@ -3221,6 +4022,9 @@
               <a:defRPr/>
             </a:lvl6pPr>
             <a:lvl7pPr lvl="6" algn="l">
+              <a:lnSpc>
+                <a:spcPct val="100000"/>
+              </a:lnSpc>
               <a:spcBef>
                 <a:spcPts val="0"/>
               </a:spcBef>
@@ -3232,6 +4036,9 @@
               <a:defRPr/>
             </a:lvl7pPr>
             <a:lvl8pPr lvl="7" algn="l">
+              <a:lnSpc>
+                <a:spcPct val="100000"/>
+              </a:lnSpc>
               <a:spcBef>
                 <a:spcPts val="0"/>
               </a:spcBef>
@@ -3243,6 +4050,9 @@
               <a:defRPr/>
             </a:lvl8pPr>
             <a:lvl9pPr lvl="8" algn="l">
+              <a:lnSpc>
+                <a:spcPct val="100000"/>
+              </a:lnSpc>
               <a:spcBef>
                 <a:spcPts val="0"/>
               </a:spcBef>
@@ -3284,6 +4094,9 @@
           </a:bodyPr>
           <a:lstStyle>
             <a:lvl1pPr lvl="0" algn="ctr">
+              <a:lnSpc>
+                <a:spcPct val="100000"/>
+              </a:lnSpc>
               <a:spcBef>
                 <a:spcPts val="0"/>
               </a:spcBef>
@@ -3295,6 +4108,9 @@
               <a:defRPr/>
             </a:lvl1pPr>
             <a:lvl2pPr lvl="1" algn="l">
+              <a:lnSpc>
+                <a:spcPct val="100000"/>
+              </a:lnSpc>
               <a:spcBef>
                 <a:spcPts val="0"/>
               </a:spcBef>
@@ -3306,6 +4122,9 @@
               <a:defRPr/>
             </a:lvl2pPr>
             <a:lvl3pPr lvl="2" algn="l">
+              <a:lnSpc>
+                <a:spcPct val="100000"/>
+              </a:lnSpc>
               <a:spcBef>
                 <a:spcPts val="0"/>
               </a:spcBef>
@@ -3317,6 +4136,9 @@
               <a:defRPr/>
             </a:lvl3pPr>
             <a:lvl4pPr lvl="3" algn="l">
+              <a:lnSpc>
+                <a:spcPct val="100000"/>
+              </a:lnSpc>
               <a:spcBef>
                 <a:spcPts val="0"/>
               </a:spcBef>
@@ -3328,6 +4150,9 @@
               <a:defRPr/>
             </a:lvl4pPr>
             <a:lvl5pPr lvl="4" algn="l">
+              <a:lnSpc>
+                <a:spcPct val="100000"/>
+              </a:lnSpc>
               <a:spcBef>
                 <a:spcPts val="0"/>
               </a:spcBef>
@@ -3339,6 +4164,9 @@
               <a:defRPr/>
             </a:lvl5pPr>
             <a:lvl6pPr lvl="5" algn="l">
+              <a:lnSpc>
+                <a:spcPct val="100000"/>
+              </a:lnSpc>
               <a:spcBef>
                 <a:spcPts val="0"/>
               </a:spcBef>
@@ -3350,6 +4178,9 @@
               <a:defRPr/>
             </a:lvl6pPr>
             <a:lvl7pPr lvl="6" algn="l">
+              <a:lnSpc>
+                <a:spcPct val="100000"/>
+              </a:lnSpc>
               <a:spcBef>
                 <a:spcPts val="0"/>
               </a:spcBef>
@@ -3361,6 +4192,9 @@
               <a:defRPr/>
             </a:lvl7pPr>
             <a:lvl8pPr lvl="7" algn="l">
+              <a:lnSpc>
+                <a:spcPct val="100000"/>
+              </a:lnSpc>
               <a:spcBef>
                 <a:spcPts val="0"/>
               </a:spcBef>
@@ -3372,6 +4206,9 @@
               <a:defRPr/>
             </a:lvl8pPr>
             <a:lvl9pPr lvl="8" algn="l">
+              <a:lnSpc>
+                <a:spcPct val="100000"/>
+              </a:lnSpc>
               <a:spcBef>
                 <a:spcPts val="0"/>
               </a:spcBef>
@@ -3412,68 +4249,239 @@
             <a:noAutofit/>
           </a:bodyPr>
           <a:lstStyle>
-            <a:lvl1pPr indent="0" lvl="0" marL="0" algn="r">
-              <a:spcBef>
-                <a:spcPts val="0"/>
-              </a:spcBef>
-              <a:buNone/>
-              <a:defRPr/>
+            <a:lvl1pPr indent="0" lvl="0" marL="0" marR="0" algn="r">
+              <a:lnSpc>
+                <a:spcPct val="100000"/>
+              </a:lnSpc>
+              <a:spcBef>
+                <a:spcPts val="0"/>
+              </a:spcBef>
+              <a:spcAft>
+                <a:spcPts val="0"/>
+              </a:spcAft>
+              <a:buClr>
+                <a:srgbClr val="000000"/>
+              </a:buClr>
+              <a:buSzPts val="1200"/>
+              <a:buFont typeface="Arial"/>
+              <a:buNone/>
+              <a:defRPr b="0" i="0" sz="1200" u="none" cap="none" strike="noStrike">
+                <a:solidFill>
+                  <a:srgbClr val="888888"/>
+                </a:solidFill>
+                <a:latin typeface="Calibri"/>
+                <a:ea typeface="Calibri"/>
+                <a:cs typeface="Calibri"/>
+                <a:sym typeface="Calibri"/>
+              </a:defRPr>
             </a:lvl1pPr>
-            <a:lvl2pPr indent="0" lvl="1" marL="0" algn="r">
-              <a:spcBef>
-                <a:spcPts val="0"/>
-              </a:spcBef>
-              <a:buNone/>
-              <a:defRPr/>
+            <a:lvl2pPr indent="0" lvl="1" marL="0" marR="0" algn="r">
+              <a:lnSpc>
+                <a:spcPct val="100000"/>
+              </a:lnSpc>
+              <a:spcBef>
+                <a:spcPts val="0"/>
+              </a:spcBef>
+              <a:spcAft>
+                <a:spcPts val="0"/>
+              </a:spcAft>
+              <a:buClr>
+                <a:srgbClr val="000000"/>
+              </a:buClr>
+              <a:buSzPts val="1200"/>
+              <a:buFont typeface="Arial"/>
+              <a:buNone/>
+              <a:defRPr b="0" i="0" sz="1200" u="none" cap="none" strike="noStrike">
+                <a:solidFill>
+                  <a:srgbClr val="888888"/>
+                </a:solidFill>
+                <a:latin typeface="Calibri"/>
+                <a:ea typeface="Calibri"/>
+                <a:cs typeface="Calibri"/>
+                <a:sym typeface="Calibri"/>
+              </a:defRPr>
             </a:lvl2pPr>
-            <a:lvl3pPr indent="0" lvl="2" marL="0" algn="r">
-              <a:spcBef>
-                <a:spcPts val="0"/>
-              </a:spcBef>
-              <a:buNone/>
-              <a:defRPr/>
+            <a:lvl3pPr indent="0" lvl="2" marL="0" marR="0" algn="r">
+              <a:lnSpc>
+                <a:spcPct val="100000"/>
+              </a:lnSpc>
+              <a:spcBef>
+                <a:spcPts val="0"/>
+              </a:spcBef>
+              <a:spcAft>
+                <a:spcPts val="0"/>
+              </a:spcAft>
+              <a:buClr>
+                <a:srgbClr val="000000"/>
+              </a:buClr>
+              <a:buSzPts val="1200"/>
+              <a:buFont typeface="Arial"/>
+              <a:buNone/>
+              <a:defRPr b="0" i="0" sz="1200" u="none" cap="none" strike="noStrike">
+                <a:solidFill>
+                  <a:srgbClr val="888888"/>
+                </a:solidFill>
+                <a:latin typeface="Calibri"/>
+                <a:ea typeface="Calibri"/>
+                <a:cs typeface="Calibri"/>
+                <a:sym typeface="Calibri"/>
+              </a:defRPr>
             </a:lvl3pPr>
-            <a:lvl4pPr indent="0" lvl="3" marL="0" algn="r">
-              <a:spcBef>
-                <a:spcPts val="0"/>
-              </a:spcBef>
-              <a:buNone/>
-              <a:defRPr/>
+            <a:lvl4pPr indent="0" lvl="3" marL="0" marR="0" algn="r">
+              <a:lnSpc>
+                <a:spcPct val="100000"/>
+              </a:lnSpc>
+              <a:spcBef>
+                <a:spcPts val="0"/>
+              </a:spcBef>
+              <a:spcAft>
+                <a:spcPts val="0"/>
+              </a:spcAft>
+              <a:buClr>
+                <a:srgbClr val="000000"/>
+              </a:buClr>
+              <a:buSzPts val="1200"/>
+              <a:buFont typeface="Arial"/>
+              <a:buNone/>
+              <a:defRPr b="0" i="0" sz="1200" u="none" cap="none" strike="noStrike">
+                <a:solidFill>
+                  <a:srgbClr val="888888"/>
+                </a:solidFill>
+                <a:latin typeface="Calibri"/>
+                <a:ea typeface="Calibri"/>
+                <a:cs typeface="Calibri"/>
+                <a:sym typeface="Calibri"/>
+              </a:defRPr>
             </a:lvl4pPr>
-            <a:lvl5pPr indent="0" lvl="4" marL="0" algn="r">
-              <a:spcBef>
-                <a:spcPts val="0"/>
-              </a:spcBef>
-              <a:buNone/>
-              <a:defRPr/>
+            <a:lvl5pPr indent="0" lvl="4" marL="0" marR="0" algn="r">
+              <a:lnSpc>
+                <a:spcPct val="100000"/>
+              </a:lnSpc>
+              <a:spcBef>
+                <a:spcPts val="0"/>
+              </a:spcBef>
+              <a:spcAft>
+                <a:spcPts val="0"/>
+              </a:spcAft>
+              <a:buClr>
+                <a:srgbClr val="000000"/>
+              </a:buClr>
+              <a:buSzPts val="1200"/>
+              <a:buFont typeface="Arial"/>
+              <a:buNone/>
+              <a:defRPr b="0" i="0" sz="1200" u="none" cap="none" strike="noStrike">
+                <a:solidFill>
+                  <a:srgbClr val="888888"/>
+                </a:solidFill>
+                <a:latin typeface="Calibri"/>
+                <a:ea typeface="Calibri"/>
+                <a:cs typeface="Calibri"/>
+                <a:sym typeface="Calibri"/>
+              </a:defRPr>
             </a:lvl5pPr>
-            <a:lvl6pPr indent="0" lvl="5" marL="0" algn="r">
-              <a:spcBef>
-                <a:spcPts val="0"/>
-              </a:spcBef>
-              <a:buNone/>
-              <a:defRPr/>
+            <a:lvl6pPr indent="0" lvl="5" marL="0" marR="0" algn="r">
+              <a:lnSpc>
+                <a:spcPct val="100000"/>
+              </a:lnSpc>
+              <a:spcBef>
+                <a:spcPts val="0"/>
+              </a:spcBef>
+              <a:spcAft>
+                <a:spcPts val="0"/>
+              </a:spcAft>
+              <a:buClr>
+                <a:srgbClr val="000000"/>
+              </a:buClr>
+              <a:buSzPts val="1200"/>
+              <a:buFont typeface="Arial"/>
+              <a:buNone/>
+              <a:defRPr b="0" i="0" sz="1200" u="none" cap="none" strike="noStrike">
+                <a:solidFill>
+                  <a:srgbClr val="888888"/>
+                </a:solidFill>
+                <a:latin typeface="Calibri"/>
+                <a:ea typeface="Calibri"/>
+                <a:cs typeface="Calibri"/>
+                <a:sym typeface="Calibri"/>
+              </a:defRPr>
             </a:lvl6pPr>
-            <a:lvl7pPr indent="0" lvl="6" marL="0" algn="r">
-              <a:spcBef>
-                <a:spcPts val="0"/>
-              </a:spcBef>
-              <a:buNone/>
-              <a:defRPr/>
+            <a:lvl7pPr indent="0" lvl="6" marL="0" marR="0" algn="r">
+              <a:lnSpc>
+                <a:spcPct val="100000"/>
+              </a:lnSpc>
+              <a:spcBef>
+                <a:spcPts val="0"/>
+              </a:spcBef>
+              <a:spcAft>
+                <a:spcPts val="0"/>
+              </a:spcAft>
+              <a:buClr>
+                <a:srgbClr val="000000"/>
+              </a:buClr>
+              <a:buSzPts val="1200"/>
+              <a:buFont typeface="Arial"/>
+              <a:buNone/>
+              <a:defRPr b="0" i="0" sz="1200" u="none" cap="none" strike="noStrike">
+                <a:solidFill>
+                  <a:srgbClr val="888888"/>
+                </a:solidFill>
+                <a:latin typeface="Calibri"/>
+                <a:ea typeface="Calibri"/>
+                <a:cs typeface="Calibri"/>
+                <a:sym typeface="Calibri"/>
+              </a:defRPr>
             </a:lvl7pPr>
-            <a:lvl8pPr indent="0" lvl="7" marL="0" algn="r">
-              <a:spcBef>
-                <a:spcPts val="0"/>
-              </a:spcBef>
-              <a:buNone/>
-              <a:defRPr/>
+            <a:lvl8pPr indent="0" lvl="7" marL="0" marR="0" algn="r">
+              <a:lnSpc>
+                <a:spcPct val="100000"/>
+              </a:lnSpc>
+              <a:spcBef>
+                <a:spcPts val="0"/>
+              </a:spcBef>
+              <a:spcAft>
+                <a:spcPts val="0"/>
+              </a:spcAft>
+              <a:buClr>
+                <a:srgbClr val="000000"/>
+              </a:buClr>
+              <a:buSzPts val="1200"/>
+              <a:buFont typeface="Arial"/>
+              <a:buNone/>
+              <a:defRPr b="0" i="0" sz="1200" u="none" cap="none" strike="noStrike">
+                <a:solidFill>
+                  <a:srgbClr val="888888"/>
+                </a:solidFill>
+                <a:latin typeface="Calibri"/>
+                <a:ea typeface="Calibri"/>
+                <a:cs typeface="Calibri"/>
+                <a:sym typeface="Calibri"/>
+              </a:defRPr>
             </a:lvl8pPr>
-            <a:lvl9pPr indent="0" lvl="8" marL="0" algn="r">
-              <a:spcBef>
-                <a:spcPts val="0"/>
-              </a:spcBef>
-              <a:buNone/>
-              <a:defRPr/>
+            <a:lvl9pPr indent="0" lvl="8" marL="0" marR="0" algn="r">
+              <a:lnSpc>
+                <a:spcPct val="100000"/>
+              </a:lnSpc>
+              <a:spcBef>
+                <a:spcPts val="0"/>
+              </a:spcBef>
+              <a:spcAft>
+                <a:spcPts val="0"/>
+              </a:spcAft>
+              <a:buClr>
+                <a:srgbClr val="000000"/>
+              </a:buClr>
+              <a:buSzPts val="1200"/>
+              <a:buFont typeface="Arial"/>
+              <a:buNone/>
+              <a:defRPr b="0" i="0" sz="1200" u="none" cap="none" strike="noStrike">
+                <a:solidFill>
+                  <a:srgbClr val="888888"/>
+                </a:solidFill>
+                <a:latin typeface="Calibri"/>
+                <a:ea typeface="Calibri"/>
+                <a:cs typeface="Calibri"/>
+                <a:sym typeface="Calibri"/>
+              </a:defRPr>
             </a:lvl9pPr>
           </a:lstStyle>
           <a:p>
@@ -3562,7 +4570,10 @@
               <a:buNone/>
               <a:defRPr/>
             </a:lvl1pPr>
-            <a:lvl2pPr lvl="1">
+            <a:lvl2pPr lvl="1" algn="l">
+              <a:lnSpc>
+                <a:spcPct val="100000"/>
+              </a:lnSpc>
               <a:spcBef>
                 <a:spcPts val="0"/>
               </a:spcBef>
@@ -3573,7 +4584,10 @@
               <a:buNone/>
               <a:defRPr/>
             </a:lvl2pPr>
-            <a:lvl3pPr lvl="2">
+            <a:lvl3pPr lvl="2" algn="l">
+              <a:lnSpc>
+                <a:spcPct val="100000"/>
+              </a:lnSpc>
               <a:spcBef>
                 <a:spcPts val="0"/>
               </a:spcBef>
@@ -3584,7 +4598,10 @@
               <a:buNone/>
               <a:defRPr/>
             </a:lvl3pPr>
-            <a:lvl4pPr lvl="3">
+            <a:lvl4pPr lvl="3" algn="l">
+              <a:lnSpc>
+                <a:spcPct val="100000"/>
+              </a:lnSpc>
               <a:spcBef>
                 <a:spcPts val="0"/>
               </a:spcBef>
@@ -3595,7 +4612,10 @@
               <a:buNone/>
               <a:defRPr/>
             </a:lvl4pPr>
-            <a:lvl5pPr lvl="4">
+            <a:lvl5pPr lvl="4" algn="l">
+              <a:lnSpc>
+                <a:spcPct val="100000"/>
+              </a:lnSpc>
               <a:spcBef>
                 <a:spcPts val="0"/>
               </a:spcBef>
@@ -3606,7 +4626,10 @@
               <a:buNone/>
               <a:defRPr/>
             </a:lvl5pPr>
-            <a:lvl6pPr lvl="5">
+            <a:lvl6pPr lvl="5" algn="l">
+              <a:lnSpc>
+                <a:spcPct val="100000"/>
+              </a:lnSpc>
               <a:spcBef>
                 <a:spcPts val="0"/>
               </a:spcBef>
@@ -3617,7 +4640,10 @@
               <a:buNone/>
               <a:defRPr/>
             </a:lvl6pPr>
-            <a:lvl7pPr lvl="6">
+            <a:lvl7pPr lvl="6" algn="l">
+              <a:lnSpc>
+                <a:spcPct val="100000"/>
+              </a:lnSpc>
               <a:spcBef>
                 <a:spcPts val="0"/>
               </a:spcBef>
@@ -3628,7 +4654,10 @@
               <a:buNone/>
               <a:defRPr/>
             </a:lvl7pPr>
-            <a:lvl8pPr lvl="7">
+            <a:lvl8pPr lvl="7" algn="l">
+              <a:lnSpc>
+                <a:spcPct val="100000"/>
+              </a:lnSpc>
               <a:spcBef>
                 <a:spcPts val="0"/>
               </a:spcBef>
@@ -3639,7 +4668,10 @@
               <a:buNone/>
               <a:defRPr/>
             </a:lvl8pPr>
-            <a:lvl9pPr lvl="8">
+            <a:lvl9pPr lvl="8" algn="l">
+              <a:lnSpc>
+                <a:spcPct val="100000"/>
+              </a:lnSpc>
               <a:spcBef>
                 <a:spcPts val="0"/>
               </a:spcBef>
@@ -3864,6 +4896,9 @@
           </a:bodyPr>
           <a:lstStyle>
             <a:lvl1pPr lvl="0" algn="l">
+              <a:lnSpc>
+                <a:spcPct val="100000"/>
+              </a:lnSpc>
               <a:spcBef>
                 <a:spcPts val="0"/>
               </a:spcBef>
@@ -3875,6 +4910,9 @@
               <a:defRPr/>
             </a:lvl1pPr>
             <a:lvl2pPr lvl="1" algn="l">
+              <a:lnSpc>
+                <a:spcPct val="100000"/>
+              </a:lnSpc>
               <a:spcBef>
                 <a:spcPts val="0"/>
               </a:spcBef>
@@ -3886,6 +4924,9 @@
               <a:defRPr/>
             </a:lvl2pPr>
             <a:lvl3pPr lvl="2" algn="l">
+              <a:lnSpc>
+                <a:spcPct val="100000"/>
+              </a:lnSpc>
               <a:spcBef>
                 <a:spcPts val="0"/>
               </a:spcBef>
@@ -3897,6 +4938,9 @@
               <a:defRPr/>
             </a:lvl3pPr>
             <a:lvl4pPr lvl="3" algn="l">
+              <a:lnSpc>
+                <a:spcPct val="100000"/>
+              </a:lnSpc>
               <a:spcBef>
                 <a:spcPts val="0"/>
               </a:spcBef>
@@ -3908,6 +4952,9 @@
               <a:defRPr/>
             </a:lvl4pPr>
             <a:lvl5pPr lvl="4" algn="l">
+              <a:lnSpc>
+                <a:spcPct val="100000"/>
+              </a:lnSpc>
               <a:spcBef>
                 <a:spcPts val="0"/>
               </a:spcBef>
@@ -3919,6 +4966,9 @@
               <a:defRPr/>
             </a:lvl5pPr>
             <a:lvl6pPr lvl="5" algn="l">
+              <a:lnSpc>
+                <a:spcPct val="100000"/>
+              </a:lnSpc>
               <a:spcBef>
                 <a:spcPts val="0"/>
               </a:spcBef>
@@ -3930,6 +4980,9 @@
               <a:defRPr/>
             </a:lvl6pPr>
             <a:lvl7pPr lvl="6" algn="l">
+              <a:lnSpc>
+                <a:spcPct val="100000"/>
+              </a:lnSpc>
               <a:spcBef>
                 <a:spcPts val="0"/>
               </a:spcBef>
@@ -3941,6 +4994,9 @@
               <a:defRPr/>
             </a:lvl7pPr>
             <a:lvl8pPr lvl="7" algn="l">
+              <a:lnSpc>
+                <a:spcPct val="100000"/>
+              </a:lnSpc>
               <a:spcBef>
                 <a:spcPts val="0"/>
               </a:spcBef>
@@ -3952,6 +5008,9 @@
               <a:defRPr/>
             </a:lvl8pPr>
             <a:lvl9pPr lvl="8" algn="l">
+              <a:lnSpc>
+                <a:spcPct val="100000"/>
+              </a:lnSpc>
               <a:spcBef>
                 <a:spcPts val="0"/>
               </a:spcBef>
@@ -3993,6 +5052,9 @@
           </a:bodyPr>
           <a:lstStyle>
             <a:lvl1pPr lvl="0" algn="ctr">
+              <a:lnSpc>
+                <a:spcPct val="100000"/>
+              </a:lnSpc>
               <a:spcBef>
                 <a:spcPts val="0"/>
               </a:spcBef>
@@ -4004,6 +5066,9 @@
               <a:defRPr/>
             </a:lvl1pPr>
             <a:lvl2pPr lvl="1" algn="l">
+              <a:lnSpc>
+                <a:spcPct val="100000"/>
+              </a:lnSpc>
               <a:spcBef>
                 <a:spcPts val="0"/>
               </a:spcBef>
@@ -4015,6 +5080,9 @@
               <a:defRPr/>
             </a:lvl2pPr>
             <a:lvl3pPr lvl="2" algn="l">
+              <a:lnSpc>
+                <a:spcPct val="100000"/>
+              </a:lnSpc>
               <a:spcBef>
                 <a:spcPts val="0"/>
               </a:spcBef>
@@ -4026,6 +5094,9 @@
               <a:defRPr/>
             </a:lvl3pPr>
             <a:lvl4pPr lvl="3" algn="l">
+              <a:lnSpc>
+                <a:spcPct val="100000"/>
+              </a:lnSpc>
               <a:spcBef>
                 <a:spcPts val="0"/>
               </a:spcBef>
@@ -4037,6 +5108,9 @@
               <a:defRPr/>
             </a:lvl4pPr>
             <a:lvl5pPr lvl="4" algn="l">
+              <a:lnSpc>
+                <a:spcPct val="100000"/>
+              </a:lnSpc>
               <a:spcBef>
                 <a:spcPts val="0"/>
               </a:spcBef>
@@ -4048,6 +5122,9 @@
               <a:defRPr/>
             </a:lvl5pPr>
             <a:lvl6pPr lvl="5" algn="l">
+              <a:lnSpc>
+                <a:spcPct val="100000"/>
+              </a:lnSpc>
               <a:spcBef>
                 <a:spcPts val="0"/>
               </a:spcBef>
@@ -4059,6 +5136,9 @@
               <a:defRPr/>
             </a:lvl6pPr>
             <a:lvl7pPr lvl="6" algn="l">
+              <a:lnSpc>
+                <a:spcPct val="100000"/>
+              </a:lnSpc>
               <a:spcBef>
                 <a:spcPts val="0"/>
               </a:spcBef>
@@ -4070,6 +5150,9 @@
               <a:defRPr/>
             </a:lvl7pPr>
             <a:lvl8pPr lvl="7" algn="l">
+              <a:lnSpc>
+                <a:spcPct val="100000"/>
+              </a:lnSpc>
               <a:spcBef>
                 <a:spcPts val="0"/>
               </a:spcBef>
@@ -4081,6 +5164,9 @@
               <a:defRPr/>
             </a:lvl8pPr>
             <a:lvl9pPr lvl="8" algn="l">
+              <a:lnSpc>
+                <a:spcPct val="100000"/>
+              </a:lnSpc>
               <a:spcBef>
                 <a:spcPts val="0"/>
               </a:spcBef>
@@ -4121,68 +5207,239 @@
             <a:noAutofit/>
           </a:bodyPr>
           <a:lstStyle>
-            <a:lvl1pPr indent="0" lvl="0" marL="0" algn="r">
-              <a:spcBef>
-                <a:spcPts val="0"/>
-              </a:spcBef>
-              <a:buNone/>
-              <a:defRPr/>
+            <a:lvl1pPr indent="0" lvl="0" marL="0" marR="0" algn="r">
+              <a:lnSpc>
+                <a:spcPct val="100000"/>
+              </a:lnSpc>
+              <a:spcBef>
+                <a:spcPts val="0"/>
+              </a:spcBef>
+              <a:spcAft>
+                <a:spcPts val="0"/>
+              </a:spcAft>
+              <a:buClr>
+                <a:srgbClr val="000000"/>
+              </a:buClr>
+              <a:buSzPts val="1200"/>
+              <a:buFont typeface="Arial"/>
+              <a:buNone/>
+              <a:defRPr b="0" i="0" sz="1200" u="none" cap="none" strike="noStrike">
+                <a:solidFill>
+                  <a:srgbClr val="888888"/>
+                </a:solidFill>
+                <a:latin typeface="Calibri"/>
+                <a:ea typeface="Calibri"/>
+                <a:cs typeface="Calibri"/>
+                <a:sym typeface="Calibri"/>
+              </a:defRPr>
             </a:lvl1pPr>
-            <a:lvl2pPr indent="0" lvl="1" marL="0" algn="r">
-              <a:spcBef>
-                <a:spcPts val="0"/>
-              </a:spcBef>
-              <a:buNone/>
-              <a:defRPr/>
+            <a:lvl2pPr indent="0" lvl="1" marL="0" marR="0" algn="r">
+              <a:lnSpc>
+                <a:spcPct val="100000"/>
+              </a:lnSpc>
+              <a:spcBef>
+                <a:spcPts val="0"/>
+              </a:spcBef>
+              <a:spcAft>
+                <a:spcPts val="0"/>
+              </a:spcAft>
+              <a:buClr>
+                <a:srgbClr val="000000"/>
+              </a:buClr>
+              <a:buSzPts val="1200"/>
+              <a:buFont typeface="Arial"/>
+              <a:buNone/>
+              <a:defRPr b="0" i="0" sz="1200" u="none" cap="none" strike="noStrike">
+                <a:solidFill>
+                  <a:srgbClr val="888888"/>
+                </a:solidFill>
+                <a:latin typeface="Calibri"/>
+                <a:ea typeface="Calibri"/>
+                <a:cs typeface="Calibri"/>
+                <a:sym typeface="Calibri"/>
+              </a:defRPr>
             </a:lvl2pPr>
-            <a:lvl3pPr indent="0" lvl="2" marL="0" algn="r">
-              <a:spcBef>
-                <a:spcPts val="0"/>
-              </a:spcBef>
-              <a:buNone/>
-              <a:defRPr/>
+            <a:lvl3pPr indent="0" lvl="2" marL="0" marR="0" algn="r">
+              <a:lnSpc>
+                <a:spcPct val="100000"/>
+              </a:lnSpc>
+              <a:spcBef>
+                <a:spcPts val="0"/>
+              </a:spcBef>
+              <a:spcAft>
+                <a:spcPts val="0"/>
+              </a:spcAft>
+              <a:buClr>
+                <a:srgbClr val="000000"/>
+              </a:buClr>
+              <a:buSzPts val="1200"/>
+              <a:buFont typeface="Arial"/>
+              <a:buNone/>
+              <a:defRPr b="0" i="0" sz="1200" u="none" cap="none" strike="noStrike">
+                <a:solidFill>
+                  <a:srgbClr val="888888"/>
+                </a:solidFill>
+                <a:latin typeface="Calibri"/>
+                <a:ea typeface="Calibri"/>
+                <a:cs typeface="Calibri"/>
+                <a:sym typeface="Calibri"/>
+              </a:defRPr>
             </a:lvl3pPr>
-            <a:lvl4pPr indent="0" lvl="3" marL="0" algn="r">
-              <a:spcBef>
-                <a:spcPts val="0"/>
-              </a:spcBef>
-              <a:buNone/>
-              <a:defRPr/>
+            <a:lvl4pPr indent="0" lvl="3" marL="0" marR="0" algn="r">
+              <a:lnSpc>
+                <a:spcPct val="100000"/>
+              </a:lnSpc>
+              <a:spcBef>
+                <a:spcPts val="0"/>
+              </a:spcBef>
+              <a:spcAft>
+                <a:spcPts val="0"/>
+              </a:spcAft>
+              <a:buClr>
+                <a:srgbClr val="000000"/>
+              </a:buClr>
+              <a:buSzPts val="1200"/>
+              <a:buFont typeface="Arial"/>
+              <a:buNone/>
+              <a:defRPr b="0" i="0" sz="1200" u="none" cap="none" strike="noStrike">
+                <a:solidFill>
+                  <a:srgbClr val="888888"/>
+                </a:solidFill>
+                <a:latin typeface="Calibri"/>
+                <a:ea typeface="Calibri"/>
+                <a:cs typeface="Calibri"/>
+                <a:sym typeface="Calibri"/>
+              </a:defRPr>
             </a:lvl4pPr>
-            <a:lvl5pPr indent="0" lvl="4" marL="0" algn="r">
-              <a:spcBef>
-                <a:spcPts val="0"/>
-              </a:spcBef>
-              <a:buNone/>
-              <a:defRPr/>
+            <a:lvl5pPr indent="0" lvl="4" marL="0" marR="0" algn="r">
+              <a:lnSpc>
+                <a:spcPct val="100000"/>
+              </a:lnSpc>
+              <a:spcBef>
+                <a:spcPts val="0"/>
+              </a:spcBef>
+              <a:spcAft>
+                <a:spcPts val="0"/>
+              </a:spcAft>
+              <a:buClr>
+                <a:srgbClr val="000000"/>
+              </a:buClr>
+              <a:buSzPts val="1200"/>
+              <a:buFont typeface="Arial"/>
+              <a:buNone/>
+              <a:defRPr b="0" i="0" sz="1200" u="none" cap="none" strike="noStrike">
+                <a:solidFill>
+                  <a:srgbClr val="888888"/>
+                </a:solidFill>
+                <a:latin typeface="Calibri"/>
+                <a:ea typeface="Calibri"/>
+                <a:cs typeface="Calibri"/>
+                <a:sym typeface="Calibri"/>
+              </a:defRPr>
             </a:lvl5pPr>
-            <a:lvl6pPr indent="0" lvl="5" marL="0" algn="r">
-              <a:spcBef>
-                <a:spcPts val="0"/>
-              </a:spcBef>
-              <a:buNone/>
-              <a:defRPr/>
+            <a:lvl6pPr indent="0" lvl="5" marL="0" marR="0" algn="r">
+              <a:lnSpc>
+                <a:spcPct val="100000"/>
+              </a:lnSpc>
+              <a:spcBef>
+                <a:spcPts val="0"/>
+              </a:spcBef>
+              <a:spcAft>
+                <a:spcPts val="0"/>
+              </a:spcAft>
+              <a:buClr>
+                <a:srgbClr val="000000"/>
+              </a:buClr>
+              <a:buSzPts val="1200"/>
+              <a:buFont typeface="Arial"/>
+              <a:buNone/>
+              <a:defRPr b="0" i="0" sz="1200" u="none" cap="none" strike="noStrike">
+                <a:solidFill>
+                  <a:srgbClr val="888888"/>
+                </a:solidFill>
+                <a:latin typeface="Calibri"/>
+                <a:ea typeface="Calibri"/>
+                <a:cs typeface="Calibri"/>
+                <a:sym typeface="Calibri"/>
+              </a:defRPr>
             </a:lvl6pPr>
-            <a:lvl7pPr indent="0" lvl="6" marL="0" algn="r">
-              <a:spcBef>
-                <a:spcPts val="0"/>
-              </a:spcBef>
-              <a:buNone/>
-              <a:defRPr/>
+            <a:lvl7pPr indent="0" lvl="6" marL="0" marR="0" algn="r">
+              <a:lnSpc>
+                <a:spcPct val="100000"/>
+              </a:lnSpc>
+              <a:spcBef>
+                <a:spcPts val="0"/>
+              </a:spcBef>
+              <a:spcAft>
+                <a:spcPts val="0"/>
+              </a:spcAft>
+              <a:buClr>
+                <a:srgbClr val="000000"/>
+              </a:buClr>
+              <a:buSzPts val="1200"/>
+              <a:buFont typeface="Arial"/>
+              <a:buNone/>
+              <a:defRPr b="0" i="0" sz="1200" u="none" cap="none" strike="noStrike">
+                <a:solidFill>
+                  <a:srgbClr val="888888"/>
+                </a:solidFill>
+                <a:latin typeface="Calibri"/>
+                <a:ea typeface="Calibri"/>
+                <a:cs typeface="Calibri"/>
+                <a:sym typeface="Calibri"/>
+              </a:defRPr>
             </a:lvl7pPr>
-            <a:lvl8pPr indent="0" lvl="7" marL="0" algn="r">
-              <a:spcBef>
-                <a:spcPts val="0"/>
-              </a:spcBef>
-              <a:buNone/>
-              <a:defRPr/>
+            <a:lvl8pPr indent="0" lvl="7" marL="0" marR="0" algn="r">
+              <a:lnSpc>
+                <a:spcPct val="100000"/>
+              </a:lnSpc>
+              <a:spcBef>
+                <a:spcPts val="0"/>
+              </a:spcBef>
+              <a:spcAft>
+                <a:spcPts val="0"/>
+              </a:spcAft>
+              <a:buClr>
+                <a:srgbClr val="000000"/>
+              </a:buClr>
+              <a:buSzPts val="1200"/>
+              <a:buFont typeface="Arial"/>
+              <a:buNone/>
+              <a:defRPr b="0" i="0" sz="1200" u="none" cap="none" strike="noStrike">
+                <a:solidFill>
+                  <a:srgbClr val="888888"/>
+                </a:solidFill>
+                <a:latin typeface="Calibri"/>
+                <a:ea typeface="Calibri"/>
+                <a:cs typeface="Calibri"/>
+                <a:sym typeface="Calibri"/>
+              </a:defRPr>
             </a:lvl8pPr>
-            <a:lvl9pPr indent="0" lvl="8" marL="0" algn="r">
-              <a:spcBef>
-                <a:spcPts val="0"/>
-              </a:spcBef>
-              <a:buNone/>
-              <a:defRPr/>
+            <a:lvl9pPr indent="0" lvl="8" marL="0" marR="0" algn="r">
+              <a:lnSpc>
+                <a:spcPct val="100000"/>
+              </a:lnSpc>
+              <a:spcBef>
+                <a:spcPts val="0"/>
+              </a:spcBef>
+              <a:spcAft>
+                <a:spcPts val="0"/>
+              </a:spcAft>
+              <a:buClr>
+                <a:srgbClr val="000000"/>
+              </a:buClr>
+              <a:buSzPts val="1200"/>
+              <a:buFont typeface="Arial"/>
+              <a:buNone/>
+              <a:defRPr b="0" i="0" sz="1200" u="none" cap="none" strike="noStrike">
+                <a:solidFill>
+                  <a:srgbClr val="888888"/>
+                </a:solidFill>
+                <a:latin typeface="Calibri"/>
+                <a:ea typeface="Calibri"/>
+                <a:cs typeface="Calibri"/>
+                <a:sym typeface="Calibri"/>
+              </a:defRPr>
             </a:lvl9pPr>
           </a:lstStyle>
           <a:p>
@@ -4272,7 +5529,10 @@
               <a:buNone/>
               <a:defRPr sz="6000"/>
             </a:lvl1pPr>
-            <a:lvl2pPr lvl="1">
+            <a:lvl2pPr lvl="1" algn="l">
+              <a:lnSpc>
+                <a:spcPct val="100000"/>
+              </a:lnSpc>
               <a:spcBef>
                 <a:spcPts val="0"/>
               </a:spcBef>
@@ -4283,7 +5543,10 @@
               <a:buNone/>
               <a:defRPr/>
             </a:lvl2pPr>
-            <a:lvl3pPr lvl="2">
+            <a:lvl3pPr lvl="2" algn="l">
+              <a:lnSpc>
+                <a:spcPct val="100000"/>
+              </a:lnSpc>
               <a:spcBef>
                 <a:spcPts val="0"/>
               </a:spcBef>
@@ -4294,7 +5557,10 @@
               <a:buNone/>
               <a:defRPr/>
             </a:lvl3pPr>
-            <a:lvl4pPr lvl="3">
+            <a:lvl4pPr lvl="3" algn="l">
+              <a:lnSpc>
+                <a:spcPct val="100000"/>
+              </a:lnSpc>
               <a:spcBef>
                 <a:spcPts val="0"/>
               </a:spcBef>
@@ -4305,7 +5571,10 @@
               <a:buNone/>
               <a:defRPr/>
             </a:lvl4pPr>
-            <a:lvl5pPr lvl="4">
+            <a:lvl5pPr lvl="4" algn="l">
+              <a:lnSpc>
+                <a:spcPct val="100000"/>
+              </a:lnSpc>
               <a:spcBef>
                 <a:spcPts val="0"/>
               </a:spcBef>
@@ -4316,7 +5585,10 @@
               <a:buNone/>
               <a:defRPr/>
             </a:lvl5pPr>
-            <a:lvl6pPr lvl="5">
+            <a:lvl6pPr lvl="5" algn="l">
+              <a:lnSpc>
+                <a:spcPct val="100000"/>
+              </a:lnSpc>
               <a:spcBef>
                 <a:spcPts val="0"/>
               </a:spcBef>
@@ -4327,7 +5599,10 @@
               <a:buNone/>
               <a:defRPr/>
             </a:lvl6pPr>
-            <a:lvl7pPr lvl="6">
+            <a:lvl7pPr lvl="6" algn="l">
+              <a:lnSpc>
+                <a:spcPct val="100000"/>
+              </a:lnSpc>
               <a:spcBef>
                 <a:spcPts val="0"/>
               </a:spcBef>
@@ -4338,7 +5613,10 @@
               <a:buNone/>
               <a:defRPr/>
             </a:lvl7pPr>
-            <a:lvl8pPr lvl="7">
+            <a:lvl8pPr lvl="7" algn="l">
+              <a:lnSpc>
+                <a:spcPct val="100000"/>
+              </a:lnSpc>
               <a:spcBef>
                 <a:spcPts val="0"/>
               </a:spcBef>
@@ -4349,7 +5627,10 @@
               <a:buNone/>
               <a:defRPr/>
             </a:lvl8pPr>
-            <a:lvl9pPr lvl="8">
+            <a:lvl9pPr lvl="8" algn="l">
+              <a:lnSpc>
+                <a:spcPct val="100000"/>
+              </a:lnSpc>
               <a:spcBef>
                 <a:spcPts val="0"/>
               </a:spcBef>
@@ -4610,6 +5891,9 @@
           </a:bodyPr>
           <a:lstStyle>
             <a:lvl1pPr lvl="0" algn="l">
+              <a:lnSpc>
+                <a:spcPct val="100000"/>
+              </a:lnSpc>
               <a:spcBef>
                 <a:spcPts val="0"/>
               </a:spcBef>
@@ -4621,6 +5905,9 @@
               <a:defRPr/>
             </a:lvl1pPr>
             <a:lvl2pPr lvl="1" algn="l">
+              <a:lnSpc>
+                <a:spcPct val="100000"/>
+              </a:lnSpc>
               <a:spcBef>
                 <a:spcPts val="0"/>
               </a:spcBef>
@@ -4632,6 +5919,9 @@
               <a:defRPr/>
             </a:lvl2pPr>
             <a:lvl3pPr lvl="2" algn="l">
+              <a:lnSpc>
+                <a:spcPct val="100000"/>
+              </a:lnSpc>
               <a:spcBef>
                 <a:spcPts val="0"/>
               </a:spcBef>
@@ -4643,6 +5933,9 @@
               <a:defRPr/>
             </a:lvl3pPr>
             <a:lvl4pPr lvl="3" algn="l">
+              <a:lnSpc>
+                <a:spcPct val="100000"/>
+              </a:lnSpc>
               <a:spcBef>
                 <a:spcPts val="0"/>
               </a:spcBef>
@@ -4654,6 +5947,9 @@
               <a:defRPr/>
             </a:lvl4pPr>
             <a:lvl5pPr lvl="4" algn="l">
+              <a:lnSpc>
+                <a:spcPct val="100000"/>
+              </a:lnSpc>
               <a:spcBef>
                 <a:spcPts val="0"/>
               </a:spcBef>
@@ -4665,6 +5961,9 @@
               <a:defRPr/>
             </a:lvl5pPr>
             <a:lvl6pPr lvl="5" algn="l">
+              <a:lnSpc>
+                <a:spcPct val="100000"/>
+              </a:lnSpc>
               <a:spcBef>
                 <a:spcPts val="0"/>
               </a:spcBef>
@@ -4676,6 +5975,9 @@
               <a:defRPr/>
             </a:lvl6pPr>
             <a:lvl7pPr lvl="6" algn="l">
+              <a:lnSpc>
+                <a:spcPct val="100000"/>
+              </a:lnSpc>
               <a:spcBef>
                 <a:spcPts val="0"/>
               </a:spcBef>
@@ -4687,6 +5989,9 @@
               <a:defRPr/>
             </a:lvl7pPr>
             <a:lvl8pPr lvl="7" algn="l">
+              <a:lnSpc>
+                <a:spcPct val="100000"/>
+              </a:lnSpc>
               <a:spcBef>
                 <a:spcPts val="0"/>
               </a:spcBef>
@@ -4698,6 +6003,9 @@
               <a:defRPr/>
             </a:lvl8pPr>
             <a:lvl9pPr lvl="8" algn="l">
+              <a:lnSpc>
+                <a:spcPct val="100000"/>
+              </a:lnSpc>
               <a:spcBef>
                 <a:spcPts val="0"/>
               </a:spcBef>
@@ -4739,6 +6047,9 @@
           </a:bodyPr>
           <a:lstStyle>
             <a:lvl1pPr lvl="0" algn="ctr">
+              <a:lnSpc>
+                <a:spcPct val="100000"/>
+              </a:lnSpc>
               <a:spcBef>
                 <a:spcPts val="0"/>
               </a:spcBef>
@@ -4750,6 +6061,9 @@
               <a:defRPr/>
             </a:lvl1pPr>
             <a:lvl2pPr lvl="1" algn="l">
+              <a:lnSpc>
+                <a:spcPct val="100000"/>
+              </a:lnSpc>
               <a:spcBef>
                 <a:spcPts val="0"/>
               </a:spcBef>
@@ -4761,6 +6075,9 @@
               <a:defRPr/>
             </a:lvl2pPr>
             <a:lvl3pPr lvl="2" algn="l">
+              <a:lnSpc>
+                <a:spcPct val="100000"/>
+              </a:lnSpc>
               <a:spcBef>
                 <a:spcPts val="0"/>
               </a:spcBef>
@@ -4772,6 +6089,9 @@
               <a:defRPr/>
             </a:lvl3pPr>
             <a:lvl4pPr lvl="3" algn="l">
+              <a:lnSpc>
+                <a:spcPct val="100000"/>
+              </a:lnSpc>
               <a:spcBef>
                 <a:spcPts val="0"/>
               </a:spcBef>
@@ -4783,6 +6103,9 @@
               <a:defRPr/>
             </a:lvl4pPr>
             <a:lvl5pPr lvl="4" algn="l">
+              <a:lnSpc>
+                <a:spcPct val="100000"/>
+              </a:lnSpc>
               <a:spcBef>
                 <a:spcPts val="0"/>
               </a:spcBef>
@@ -4794,6 +6117,9 @@
               <a:defRPr/>
             </a:lvl5pPr>
             <a:lvl6pPr lvl="5" algn="l">
+              <a:lnSpc>
+                <a:spcPct val="100000"/>
+              </a:lnSpc>
               <a:spcBef>
                 <a:spcPts val="0"/>
               </a:spcBef>
@@ -4805,6 +6131,9 @@
               <a:defRPr/>
             </a:lvl6pPr>
             <a:lvl7pPr lvl="6" algn="l">
+              <a:lnSpc>
+                <a:spcPct val="100000"/>
+              </a:lnSpc>
               <a:spcBef>
                 <a:spcPts val="0"/>
               </a:spcBef>
@@ -4816,6 +6145,9 @@
               <a:defRPr/>
             </a:lvl7pPr>
             <a:lvl8pPr lvl="7" algn="l">
+              <a:lnSpc>
+                <a:spcPct val="100000"/>
+              </a:lnSpc>
               <a:spcBef>
                 <a:spcPts val="0"/>
               </a:spcBef>
@@ -4827,6 +6159,9 @@
               <a:defRPr/>
             </a:lvl8pPr>
             <a:lvl9pPr lvl="8" algn="l">
+              <a:lnSpc>
+                <a:spcPct val="100000"/>
+              </a:lnSpc>
               <a:spcBef>
                 <a:spcPts val="0"/>
               </a:spcBef>
@@ -4867,68 +6202,239 @@
             <a:noAutofit/>
           </a:bodyPr>
           <a:lstStyle>
-            <a:lvl1pPr indent="0" lvl="0" marL="0" algn="r">
-              <a:spcBef>
-                <a:spcPts val="0"/>
-              </a:spcBef>
-              <a:buNone/>
-              <a:defRPr/>
+            <a:lvl1pPr indent="0" lvl="0" marL="0" marR="0" algn="r">
+              <a:lnSpc>
+                <a:spcPct val="100000"/>
+              </a:lnSpc>
+              <a:spcBef>
+                <a:spcPts val="0"/>
+              </a:spcBef>
+              <a:spcAft>
+                <a:spcPts val="0"/>
+              </a:spcAft>
+              <a:buClr>
+                <a:srgbClr val="000000"/>
+              </a:buClr>
+              <a:buSzPts val="1200"/>
+              <a:buFont typeface="Arial"/>
+              <a:buNone/>
+              <a:defRPr b="0" i="0" sz="1200" u="none" cap="none" strike="noStrike">
+                <a:solidFill>
+                  <a:srgbClr val="888888"/>
+                </a:solidFill>
+                <a:latin typeface="Calibri"/>
+                <a:ea typeface="Calibri"/>
+                <a:cs typeface="Calibri"/>
+                <a:sym typeface="Calibri"/>
+              </a:defRPr>
             </a:lvl1pPr>
-            <a:lvl2pPr indent="0" lvl="1" marL="0" algn="r">
-              <a:spcBef>
-                <a:spcPts val="0"/>
-              </a:spcBef>
-              <a:buNone/>
-              <a:defRPr/>
+            <a:lvl2pPr indent="0" lvl="1" marL="0" marR="0" algn="r">
+              <a:lnSpc>
+                <a:spcPct val="100000"/>
+              </a:lnSpc>
+              <a:spcBef>
+                <a:spcPts val="0"/>
+              </a:spcBef>
+              <a:spcAft>
+                <a:spcPts val="0"/>
+              </a:spcAft>
+              <a:buClr>
+                <a:srgbClr val="000000"/>
+              </a:buClr>
+              <a:buSzPts val="1200"/>
+              <a:buFont typeface="Arial"/>
+              <a:buNone/>
+              <a:defRPr b="0" i="0" sz="1200" u="none" cap="none" strike="noStrike">
+                <a:solidFill>
+                  <a:srgbClr val="888888"/>
+                </a:solidFill>
+                <a:latin typeface="Calibri"/>
+                <a:ea typeface="Calibri"/>
+                <a:cs typeface="Calibri"/>
+                <a:sym typeface="Calibri"/>
+              </a:defRPr>
             </a:lvl2pPr>
-            <a:lvl3pPr indent="0" lvl="2" marL="0" algn="r">
-              <a:spcBef>
-                <a:spcPts val="0"/>
-              </a:spcBef>
-              <a:buNone/>
-              <a:defRPr/>
+            <a:lvl3pPr indent="0" lvl="2" marL="0" marR="0" algn="r">
+              <a:lnSpc>
+                <a:spcPct val="100000"/>
+              </a:lnSpc>
+              <a:spcBef>
+                <a:spcPts val="0"/>
+              </a:spcBef>
+              <a:spcAft>
+                <a:spcPts val="0"/>
+              </a:spcAft>
+              <a:buClr>
+                <a:srgbClr val="000000"/>
+              </a:buClr>
+              <a:buSzPts val="1200"/>
+              <a:buFont typeface="Arial"/>
+              <a:buNone/>
+              <a:defRPr b="0" i="0" sz="1200" u="none" cap="none" strike="noStrike">
+                <a:solidFill>
+                  <a:srgbClr val="888888"/>
+                </a:solidFill>
+                <a:latin typeface="Calibri"/>
+                <a:ea typeface="Calibri"/>
+                <a:cs typeface="Calibri"/>
+                <a:sym typeface="Calibri"/>
+              </a:defRPr>
             </a:lvl3pPr>
-            <a:lvl4pPr indent="0" lvl="3" marL="0" algn="r">
-              <a:spcBef>
-                <a:spcPts val="0"/>
-              </a:spcBef>
-              <a:buNone/>
-              <a:defRPr/>
+            <a:lvl4pPr indent="0" lvl="3" marL="0" marR="0" algn="r">
+              <a:lnSpc>
+                <a:spcPct val="100000"/>
+              </a:lnSpc>
+              <a:spcBef>
+                <a:spcPts val="0"/>
+              </a:spcBef>
+              <a:spcAft>
+                <a:spcPts val="0"/>
+              </a:spcAft>
+              <a:buClr>
+                <a:srgbClr val="000000"/>
+              </a:buClr>
+              <a:buSzPts val="1200"/>
+              <a:buFont typeface="Arial"/>
+              <a:buNone/>
+              <a:defRPr b="0" i="0" sz="1200" u="none" cap="none" strike="noStrike">
+                <a:solidFill>
+                  <a:srgbClr val="888888"/>
+                </a:solidFill>
+                <a:latin typeface="Calibri"/>
+                <a:ea typeface="Calibri"/>
+                <a:cs typeface="Calibri"/>
+                <a:sym typeface="Calibri"/>
+              </a:defRPr>
             </a:lvl4pPr>
-            <a:lvl5pPr indent="0" lvl="4" marL="0" algn="r">
-              <a:spcBef>
-                <a:spcPts val="0"/>
-              </a:spcBef>
-              <a:buNone/>
-              <a:defRPr/>
+            <a:lvl5pPr indent="0" lvl="4" marL="0" marR="0" algn="r">
+              <a:lnSpc>
+                <a:spcPct val="100000"/>
+              </a:lnSpc>
+              <a:spcBef>
+                <a:spcPts val="0"/>
+              </a:spcBef>
+              <a:spcAft>
+                <a:spcPts val="0"/>
+              </a:spcAft>
+              <a:buClr>
+                <a:srgbClr val="000000"/>
+              </a:buClr>
+              <a:buSzPts val="1200"/>
+              <a:buFont typeface="Arial"/>
+              <a:buNone/>
+              <a:defRPr b="0" i="0" sz="1200" u="none" cap="none" strike="noStrike">
+                <a:solidFill>
+                  <a:srgbClr val="888888"/>
+                </a:solidFill>
+                <a:latin typeface="Calibri"/>
+                <a:ea typeface="Calibri"/>
+                <a:cs typeface="Calibri"/>
+                <a:sym typeface="Calibri"/>
+              </a:defRPr>
             </a:lvl5pPr>
-            <a:lvl6pPr indent="0" lvl="5" marL="0" algn="r">
-              <a:spcBef>
-                <a:spcPts val="0"/>
-              </a:spcBef>
-              <a:buNone/>
-              <a:defRPr/>
+            <a:lvl6pPr indent="0" lvl="5" marL="0" marR="0" algn="r">
+              <a:lnSpc>
+                <a:spcPct val="100000"/>
+              </a:lnSpc>
+              <a:spcBef>
+                <a:spcPts val="0"/>
+              </a:spcBef>
+              <a:spcAft>
+                <a:spcPts val="0"/>
+              </a:spcAft>
+              <a:buClr>
+                <a:srgbClr val="000000"/>
+              </a:buClr>
+              <a:buSzPts val="1200"/>
+              <a:buFont typeface="Arial"/>
+              <a:buNone/>
+              <a:defRPr b="0" i="0" sz="1200" u="none" cap="none" strike="noStrike">
+                <a:solidFill>
+                  <a:srgbClr val="888888"/>
+                </a:solidFill>
+                <a:latin typeface="Calibri"/>
+                <a:ea typeface="Calibri"/>
+                <a:cs typeface="Calibri"/>
+                <a:sym typeface="Calibri"/>
+              </a:defRPr>
             </a:lvl6pPr>
-            <a:lvl7pPr indent="0" lvl="6" marL="0" algn="r">
-              <a:spcBef>
-                <a:spcPts val="0"/>
-              </a:spcBef>
-              <a:buNone/>
-              <a:defRPr/>
+            <a:lvl7pPr indent="0" lvl="6" marL="0" marR="0" algn="r">
+              <a:lnSpc>
+                <a:spcPct val="100000"/>
+              </a:lnSpc>
+              <a:spcBef>
+                <a:spcPts val="0"/>
+              </a:spcBef>
+              <a:spcAft>
+                <a:spcPts val="0"/>
+              </a:spcAft>
+              <a:buClr>
+                <a:srgbClr val="000000"/>
+              </a:buClr>
+              <a:buSzPts val="1200"/>
+              <a:buFont typeface="Arial"/>
+              <a:buNone/>
+              <a:defRPr b="0" i="0" sz="1200" u="none" cap="none" strike="noStrike">
+                <a:solidFill>
+                  <a:srgbClr val="888888"/>
+                </a:solidFill>
+                <a:latin typeface="Calibri"/>
+                <a:ea typeface="Calibri"/>
+                <a:cs typeface="Calibri"/>
+                <a:sym typeface="Calibri"/>
+              </a:defRPr>
             </a:lvl7pPr>
-            <a:lvl8pPr indent="0" lvl="7" marL="0" algn="r">
-              <a:spcBef>
-                <a:spcPts val="0"/>
-              </a:spcBef>
-              <a:buNone/>
-              <a:defRPr/>
+            <a:lvl8pPr indent="0" lvl="7" marL="0" marR="0" algn="r">
+              <a:lnSpc>
+                <a:spcPct val="100000"/>
+              </a:lnSpc>
+              <a:spcBef>
+                <a:spcPts val="0"/>
+              </a:spcBef>
+              <a:spcAft>
+                <a:spcPts val="0"/>
+              </a:spcAft>
+              <a:buClr>
+                <a:srgbClr val="000000"/>
+              </a:buClr>
+              <a:buSzPts val="1200"/>
+              <a:buFont typeface="Arial"/>
+              <a:buNone/>
+              <a:defRPr b="0" i="0" sz="1200" u="none" cap="none" strike="noStrike">
+                <a:solidFill>
+                  <a:srgbClr val="888888"/>
+                </a:solidFill>
+                <a:latin typeface="Calibri"/>
+                <a:ea typeface="Calibri"/>
+                <a:cs typeface="Calibri"/>
+                <a:sym typeface="Calibri"/>
+              </a:defRPr>
             </a:lvl8pPr>
-            <a:lvl9pPr indent="0" lvl="8" marL="0" algn="r">
-              <a:spcBef>
-                <a:spcPts val="0"/>
-              </a:spcBef>
-              <a:buNone/>
-              <a:defRPr/>
+            <a:lvl9pPr indent="0" lvl="8" marL="0" marR="0" algn="r">
+              <a:lnSpc>
+                <a:spcPct val="100000"/>
+              </a:lnSpc>
+              <a:spcBef>
+                <a:spcPts val="0"/>
+              </a:spcBef>
+              <a:spcAft>
+                <a:spcPts val="0"/>
+              </a:spcAft>
+              <a:buClr>
+                <a:srgbClr val="000000"/>
+              </a:buClr>
+              <a:buSzPts val="1200"/>
+              <a:buFont typeface="Arial"/>
+              <a:buNone/>
+              <a:defRPr b="0" i="0" sz="1200" u="none" cap="none" strike="noStrike">
+                <a:solidFill>
+                  <a:srgbClr val="888888"/>
+                </a:solidFill>
+                <a:latin typeface="Calibri"/>
+                <a:ea typeface="Calibri"/>
+                <a:cs typeface="Calibri"/>
+                <a:sym typeface="Calibri"/>
+              </a:defRPr>
             </a:lvl9pPr>
           </a:lstStyle>
           <a:p>
@@ -5017,7 +6523,10 @@
               <a:buNone/>
               <a:defRPr/>
             </a:lvl1pPr>
-            <a:lvl2pPr lvl="1">
+            <a:lvl2pPr lvl="1" algn="l">
+              <a:lnSpc>
+                <a:spcPct val="100000"/>
+              </a:lnSpc>
               <a:spcBef>
                 <a:spcPts val="0"/>
               </a:spcBef>
@@ -5028,7 +6537,10 @@
               <a:buNone/>
               <a:defRPr/>
             </a:lvl2pPr>
-            <a:lvl3pPr lvl="2">
+            <a:lvl3pPr lvl="2" algn="l">
+              <a:lnSpc>
+                <a:spcPct val="100000"/>
+              </a:lnSpc>
               <a:spcBef>
                 <a:spcPts val="0"/>
               </a:spcBef>
@@ -5039,7 +6551,10 @@
               <a:buNone/>
               <a:defRPr/>
             </a:lvl3pPr>
-            <a:lvl4pPr lvl="3">
+            <a:lvl4pPr lvl="3" algn="l">
+              <a:lnSpc>
+                <a:spcPct val="100000"/>
+              </a:lnSpc>
               <a:spcBef>
                 <a:spcPts val="0"/>
               </a:spcBef>
@@ -5050,7 +6565,10 @@
               <a:buNone/>
               <a:defRPr/>
             </a:lvl4pPr>
-            <a:lvl5pPr lvl="4">
+            <a:lvl5pPr lvl="4" algn="l">
+              <a:lnSpc>
+                <a:spcPct val="100000"/>
+              </a:lnSpc>
               <a:spcBef>
                 <a:spcPts val="0"/>
               </a:spcBef>
@@ -5061,7 +6579,10 @@
               <a:buNone/>
               <a:defRPr/>
             </a:lvl5pPr>
-            <a:lvl6pPr lvl="5">
+            <a:lvl6pPr lvl="5" algn="l">
+              <a:lnSpc>
+                <a:spcPct val="100000"/>
+              </a:lnSpc>
               <a:spcBef>
                 <a:spcPts val="0"/>
               </a:spcBef>
@@ -5072,7 +6593,10 @@
               <a:buNone/>
               <a:defRPr/>
             </a:lvl6pPr>
-            <a:lvl7pPr lvl="6">
+            <a:lvl7pPr lvl="6" algn="l">
+              <a:lnSpc>
+                <a:spcPct val="100000"/>
+              </a:lnSpc>
               <a:spcBef>
                 <a:spcPts val="0"/>
               </a:spcBef>
@@ -5083,7 +6607,10 @@
               <a:buNone/>
               <a:defRPr/>
             </a:lvl7pPr>
-            <a:lvl8pPr lvl="7">
+            <a:lvl8pPr lvl="7" algn="l">
+              <a:lnSpc>
+                <a:spcPct val="100000"/>
+              </a:lnSpc>
               <a:spcBef>
                 <a:spcPts val="0"/>
               </a:spcBef>
@@ -5094,7 +6621,10 @@
               <a:buNone/>
               <a:defRPr/>
             </a:lvl8pPr>
-            <a:lvl9pPr lvl="8">
+            <a:lvl9pPr lvl="8" algn="l">
+              <a:lnSpc>
+                <a:spcPct val="100000"/>
+              </a:lnSpc>
               <a:spcBef>
                 <a:spcPts val="0"/>
               </a:spcBef>
@@ -5502,6 +7032,9 @@
           </a:bodyPr>
           <a:lstStyle>
             <a:lvl1pPr lvl="0" algn="l">
+              <a:lnSpc>
+                <a:spcPct val="100000"/>
+              </a:lnSpc>
               <a:spcBef>
                 <a:spcPts val="0"/>
               </a:spcBef>
@@ -5513,6 +7046,9 @@
               <a:defRPr/>
             </a:lvl1pPr>
             <a:lvl2pPr lvl="1" algn="l">
+              <a:lnSpc>
+                <a:spcPct val="100000"/>
+              </a:lnSpc>
               <a:spcBef>
                 <a:spcPts val="0"/>
               </a:spcBef>
@@ -5524,6 +7060,9 @@
               <a:defRPr/>
             </a:lvl2pPr>
             <a:lvl3pPr lvl="2" algn="l">
+              <a:lnSpc>
+                <a:spcPct val="100000"/>
+              </a:lnSpc>
               <a:spcBef>
                 <a:spcPts val="0"/>
               </a:spcBef>
@@ -5535,6 +7074,9 @@
               <a:defRPr/>
             </a:lvl3pPr>
             <a:lvl4pPr lvl="3" algn="l">
+              <a:lnSpc>
+                <a:spcPct val="100000"/>
+              </a:lnSpc>
               <a:spcBef>
                 <a:spcPts val="0"/>
               </a:spcBef>
@@ -5546,6 +7088,9 @@
               <a:defRPr/>
             </a:lvl4pPr>
             <a:lvl5pPr lvl="4" algn="l">
+              <a:lnSpc>
+                <a:spcPct val="100000"/>
+              </a:lnSpc>
               <a:spcBef>
                 <a:spcPts val="0"/>
               </a:spcBef>
@@ -5557,6 +7102,9 @@
               <a:defRPr/>
             </a:lvl5pPr>
             <a:lvl6pPr lvl="5" algn="l">
+              <a:lnSpc>
+                <a:spcPct val="100000"/>
+              </a:lnSpc>
               <a:spcBef>
                 <a:spcPts val="0"/>
               </a:spcBef>
@@ -5568,6 +7116,9 @@
               <a:defRPr/>
             </a:lvl6pPr>
             <a:lvl7pPr lvl="6" algn="l">
+              <a:lnSpc>
+                <a:spcPct val="100000"/>
+              </a:lnSpc>
               <a:spcBef>
                 <a:spcPts val="0"/>
               </a:spcBef>
@@ -5579,6 +7130,9 @@
               <a:defRPr/>
             </a:lvl7pPr>
             <a:lvl8pPr lvl="7" algn="l">
+              <a:lnSpc>
+                <a:spcPct val="100000"/>
+              </a:lnSpc>
               <a:spcBef>
                 <a:spcPts val="0"/>
               </a:spcBef>
@@ -5590,6 +7144,9 @@
               <a:defRPr/>
             </a:lvl8pPr>
             <a:lvl9pPr lvl="8" algn="l">
+              <a:lnSpc>
+                <a:spcPct val="100000"/>
+              </a:lnSpc>
               <a:spcBef>
                 <a:spcPts val="0"/>
               </a:spcBef>
@@ -5631,6 +7188,9 @@
           </a:bodyPr>
           <a:lstStyle>
             <a:lvl1pPr lvl="0" algn="ctr">
+              <a:lnSpc>
+                <a:spcPct val="100000"/>
+              </a:lnSpc>
               <a:spcBef>
                 <a:spcPts val="0"/>
               </a:spcBef>
@@ -5642,6 +7202,9 @@
               <a:defRPr/>
             </a:lvl1pPr>
             <a:lvl2pPr lvl="1" algn="l">
+              <a:lnSpc>
+                <a:spcPct val="100000"/>
+              </a:lnSpc>
               <a:spcBef>
                 <a:spcPts val="0"/>
               </a:spcBef>
@@ -5653,6 +7216,9 @@
               <a:defRPr/>
             </a:lvl2pPr>
             <a:lvl3pPr lvl="2" algn="l">
+              <a:lnSpc>
+                <a:spcPct val="100000"/>
+              </a:lnSpc>
               <a:spcBef>
                 <a:spcPts val="0"/>
               </a:spcBef>
@@ -5664,6 +7230,9 @@
               <a:defRPr/>
             </a:lvl3pPr>
             <a:lvl4pPr lvl="3" algn="l">
+              <a:lnSpc>
+                <a:spcPct val="100000"/>
+              </a:lnSpc>
               <a:spcBef>
                 <a:spcPts val="0"/>
               </a:spcBef>
@@ -5675,6 +7244,9 @@
               <a:defRPr/>
             </a:lvl4pPr>
             <a:lvl5pPr lvl="4" algn="l">
+              <a:lnSpc>
+                <a:spcPct val="100000"/>
+              </a:lnSpc>
               <a:spcBef>
                 <a:spcPts val="0"/>
               </a:spcBef>
@@ -5686,6 +7258,9 @@
               <a:defRPr/>
             </a:lvl5pPr>
             <a:lvl6pPr lvl="5" algn="l">
+              <a:lnSpc>
+                <a:spcPct val="100000"/>
+              </a:lnSpc>
               <a:spcBef>
                 <a:spcPts val="0"/>
               </a:spcBef>
@@ -5697,6 +7272,9 @@
               <a:defRPr/>
             </a:lvl6pPr>
             <a:lvl7pPr lvl="6" algn="l">
+              <a:lnSpc>
+                <a:spcPct val="100000"/>
+              </a:lnSpc>
               <a:spcBef>
                 <a:spcPts val="0"/>
               </a:spcBef>
@@ -5708,6 +7286,9 @@
               <a:defRPr/>
             </a:lvl7pPr>
             <a:lvl8pPr lvl="7" algn="l">
+              <a:lnSpc>
+                <a:spcPct val="100000"/>
+              </a:lnSpc>
               <a:spcBef>
                 <a:spcPts val="0"/>
               </a:spcBef>
@@ -5719,6 +7300,9 @@
               <a:defRPr/>
             </a:lvl8pPr>
             <a:lvl9pPr lvl="8" algn="l">
+              <a:lnSpc>
+                <a:spcPct val="100000"/>
+              </a:lnSpc>
               <a:spcBef>
                 <a:spcPts val="0"/>
               </a:spcBef>
@@ -5759,68 +7343,239 @@
             <a:noAutofit/>
           </a:bodyPr>
           <a:lstStyle>
-            <a:lvl1pPr indent="0" lvl="0" marL="0" algn="r">
-              <a:spcBef>
-                <a:spcPts val="0"/>
-              </a:spcBef>
-              <a:buNone/>
-              <a:defRPr/>
+            <a:lvl1pPr indent="0" lvl="0" marL="0" marR="0" algn="r">
+              <a:lnSpc>
+                <a:spcPct val="100000"/>
+              </a:lnSpc>
+              <a:spcBef>
+                <a:spcPts val="0"/>
+              </a:spcBef>
+              <a:spcAft>
+                <a:spcPts val="0"/>
+              </a:spcAft>
+              <a:buClr>
+                <a:srgbClr val="000000"/>
+              </a:buClr>
+              <a:buSzPts val="1200"/>
+              <a:buFont typeface="Arial"/>
+              <a:buNone/>
+              <a:defRPr b="0" i="0" sz="1200" u="none" cap="none" strike="noStrike">
+                <a:solidFill>
+                  <a:srgbClr val="888888"/>
+                </a:solidFill>
+                <a:latin typeface="Calibri"/>
+                <a:ea typeface="Calibri"/>
+                <a:cs typeface="Calibri"/>
+                <a:sym typeface="Calibri"/>
+              </a:defRPr>
             </a:lvl1pPr>
-            <a:lvl2pPr indent="0" lvl="1" marL="0" algn="r">
-              <a:spcBef>
-                <a:spcPts val="0"/>
-              </a:spcBef>
-              <a:buNone/>
-              <a:defRPr/>
+            <a:lvl2pPr indent="0" lvl="1" marL="0" marR="0" algn="r">
+              <a:lnSpc>
+                <a:spcPct val="100000"/>
+              </a:lnSpc>
+              <a:spcBef>
+                <a:spcPts val="0"/>
+              </a:spcBef>
+              <a:spcAft>
+                <a:spcPts val="0"/>
+              </a:spcAft>
+              <a:buClr>
+                <a:srgbClr val="000000"/>
+              </a:buClr>
+              <a:buSzPts val="1200"/>
+              <a:buFont typeface="Arial"/>
+              <a:buNone/>
+              <a:defRPr b="0" i="0" sz="1200" u="none" cap="none" strike="noStrike">
+                <a:solidFill>
+                  <a:srgbClr val="888888"/>
+                </a:solidFill>
+                <a:latin typeface="Calibri"/>
+                <a:ea typeface="Calibri"/>
+                <a:cs typeface="Calibri"/>
+                <a:sym typeface="Calibri"/>
+              </a:defRPr>
             </a:lvl2pPr>
-            <a:lvl3pPr indent="0" lvl="2" marL="0" algn="r">
-              <a:spcBef>
-                <a:spcPts val="0"/>
-              </a:spcBef>
-              <a:buNone/>
-              <a:defRPr/>
+            <a:lvl3pPr indent="0" lvl="2" marL="0" marR="0" algn="r">
+              <a:lnSpc>
+                <a:spcPct val="100000"/>
+              </a:lnSpc>
+              <a:spcBef>
+                <a:spcPts val="0"/>
+              </a:spcBef>
+              <a:spcAft>
+                <a:spcPts val="0"/>
+              </a:spcAft>
+              <a:buClr>
+                <a:srgbClr val="000000"/>
+              </a:buClr>
+              <a:buSzPts val="1200"/>
+              <a:buFont typeface="Arial"/>
+              <a:buNone/>
+              <a:defRPr b="0" i="0" sz="1200" u="none" cap="none" strike="noStrike">
+                <a:solidFill>
+                  <a:srgbClr val="888888"/>
+                </a:solidFill>
+                <a:latin typeface="Calibri"/>
+                <a:ea typeface="Calibri"/>
+                <a:cs typeface="Calibri"/>
+                <a:sym typeface="Calibri"/>
+              </a:defRPr>
             </a:lvl3pPr>
-            <a:lvl4pPr indent="0" lvl="3" marL="0" algn="r">
-              <a:spcBef>
-                <a:spcPts val="0"/>
-              </a:spcBef>
-              <a:buNone/>
-              <a:defRPr/>
+            <a:lvl4pPr indent="0" lvl="3" marL="0" marR="0" algn="r">
+              <a:lnSpc>
+                <a:spcPct val="100000"/>
+              </a:lnSpc>
+              <a:spcBef>
+                <a:spcPts val="0"/>
+              </a:spcBef>
+              <a:spcAft>
+                <a:spcPts val="0"/>
+              </a:spcAft>
+              <a:buClr>
+                <a:srgbClr val="000000"/>
+              </a:buClr>
+              <a:buSzPts val="1200"/>
+              <a:buFont typeface="Arial"/>
+              <a:buNone/>
+              <a:defRPr b="0" i="0" sz="1200" u="none" cap="none" strike="noStrike">
+                <a:solidFill>
+                  <a:srgbClr val="888888"/>
+                </a:solidFill>
+                <a:latin typeface="Calibri"/>
+                <a:ea typeface="Calibri"/>
+                <a:cs typeface="Calibri"/>
+                <a:sym typeface="Calibri"/>
+              </a:defRPr>
             </a:lvl4pPr>
-            <a:lvl5pPr indent="0" lvl="4" marL="0" algn="r">
-              <a:spcBef>
-                <a:spcPts val="0"/>
-              </a:spcBef>
-              <a:buNone/>
-              <a:defRPr/>
+            <a:lvl5pPr indent="0" lvl="4" marL="0" marR="0" algn="r">
+              <a:lnSpc>
+                <a:spcPct val="100000"/>
+              </a:lnSpc>
+              <a:spcBef>
+                <a:spcPts val="0"/>
+              </a:spcBef>
+              <a:spcAft>
+                <a:spcPts val="0"/>
+              </a:spcAft>
+              <a:buClr>
+                <a:srgbClr val="000000"/>
+              </a:buClr>
+              <a:buSzPts val="1200"/>
+              <a:buFont typeface="Arial"/>
+              <a:buNone/>
+              <a:defRPr b="0" i="0" sz="1200" u="none" cap="none" strike="noStrike">
+                <a:solidFill>
+                  <a:srgbClr val="888888"/>
+                </a:solidFill>
+                <a:latin typeface="Calibri"/>
+                <a:ea typeface="Calibri"/>
+                <a:cs typeface="Calibri"/>
+                <a:sym typeface="Calibri"/>
+              </a:defRPr>
             </a:lvl5pPr>
-            <a:lvl6pPr indent="0" lvl="5" marL="0" algn="r">
-              <a:spcBef>
-                <a:spcPts val="0"/>
-              </a:spcBef>
-              <a:buNone/>
-              <a:defRPr/>
+            <a:lvl6pPr indent="0" lvl="5" marL="0" marR="0" algn="r">
+              <a:lnSpc>
+                <a:spcPct val="100000"/>
+              </a:lnSpc>
+              <a:spcBef>
+                <a:spcPts val="0"/>
+              </a:spcBef>
+              <a:spcAft>
+                <a:spcPts val="0"/>
+              </a:spcAft>
+              <a:buClr>
+                <a:srgbClr val="000000"/>
+              </a:buClr>
+              <a:buSzPts val="1200"/>
+              <a:buFont typeface="Arial"/>
+              <a:buNone/>
+              <a:defRPr b="0" i="0" sz="1200" u="none" cap="none" strike="noStrike">
+                <a:solidFill>
+                  <a:srgbClr val="888888"/>
+                </a:solidFill>
+                <a:latin typeface="Calibri"/>
+                <a:ea typeface="Calibri"/>
+                <a:cs typeface="Calibri"/>
+                <a:sym typeface="Calibri"/>
+              </a:defRPr>
             </a:lvl6pPr>
-            <a:lvl7pPr indent="0" lvl="6" marL="0" algn="r">
-              <a:spcBef>
-                <a:spcPts val="0"/>
-              </a:spcBef>
-              <a:buNone/>
-              <a:defRPr/>
+            <a:lvl7pPr indent="0" lvl="6" marL="0" marR="0" algn="r">
+              <a:lnSpc>
+                <a:spcPct val="100000"/>
+              </a:lnSpc>
+              <a:spcBef>
+                <a:spcPts val="0"/>
+              </a:spcBef>
+              <a:spcAft>
+                <a:spcPts val="0"/>
+              </a:spcAft>
+              <a:buClr>
+                <a:srgbClr val="000000"/>
+              </a:buClr>
+              <a:buSzPts val="1200"/>
+              <a:buFont typeface="Arial"/>
+              <a:buNone/>
+              <a:defRPr b="0" i="0" sz="1200" u="none" cap="none" strike="noStrike">
+                <a:solidFill>
+                  <a:srgbClr val="888888"/>
+                </a:solidFill>
+                <a:latin typeface="Calibri"/>
+                <a:ea typeface="Calibri"/>
+                <a:cs typeface="Calibri"/>
+                <a:sym typeface="Calibri"/>
+              </a:defRPr>
             </a:lvl7pPr>
-            <a:lvl8pPr indent="0" lvl="7" marL="0" algn="r">
-              <a:spcBef>
-                <a:spcPts val="0"/>
-              </a:spcBef>
-              <a:buNone/>
-              <a:defRPr/>
+            <a:lvl8pPr indent="0" lvl="7" marL="0" marR="0" algn="r">
+              <a:lnSpc>
+                <a:spcPct val="100000"/>
+              </a:lnSpc>
+              <a:spcBef>
+                <a:spcPts val="0"/>
+              </a:spcBef>
+              <a:spcAft>
+                <a:spcPts val="0"/>
+              </a:spcAft>
+              <a:buClr>
+                <a:srgbClr val="000000"/>
+              </a:buClr>
+              <a:buSzPts val="1200"/>
+              <a:buFont typeface="Arial"/>
+              <a:buNone/>
+              <a:defRPr b="0" i="0" sz="1200" u="none" cap="none" strike="noStrike">
+                <a:solidFill>
+                  <a:srgbClr val="888888"/>
+                </a:solidFill>
+                <a:latin typeface="Calibri"/>
+                <a:ea typeface="Calibri"/>
+                <a:cs typeface="Calibri"/>
+                <a:sym typeface="Calibri"/>
+              </a:defRPr>
             </a:lvl8pPr>
-            <a:lvl9pPr indent="0" lvl="8" marL="0" algn="r">
-              <a:spcBef>
-                <a:spcPts val="0"/>
-              </a:spcBef>
-              <a:buNone/>
-              <a:defRPr/>
+            <a:lvl9pPr indent="0" lvl="8" marL="0" marR="0" algn="r">
+              <a:lnSpc>
+                <a:spcPct val="100000"/>
+              </a:lnSpc>
+              <a:spcBef>
+                <a:spcPts val="0"/>
+              </a:spcBef>
+              <a:spcAft>
+                <a:spcPts val="0"/>
+              </a:spcAft>
+              <a:buClr>
+                <a:srgbClr val="000000"/>
+              </a:buClr>
+              <a:buSzPts val="1200"/>
+              <a:buFont typeface="Arial"/>
+              <a:buNone/>
+              <a:defRPr b="0" i="0" sz="1200" u="none" cap="none" strike="noStrike">
+                <a:solidFill>
+                  <a:srgbClr val="888888"/>
+                </a:solidFill>
+                <a:latin typeface="Calibri"/>
+                <a:ea typeface="Calibri"/>
+                <a:cs typeface="Calibri"/>
+                <a:sym typeface="Calibri"/>
+              </a:defRPr>
             </a:lvl9pPr>
           </a:lstStyle>
           <a:p>
@@ -5909,7 +7664,10 @@
               <a:buNone/>
               <a:defRPr/>
             </a:lvl1pPr>
-            <a:lvl2pPr lvl="1">
+            <a:lvl2pPr lvl="1" algn="l">
+              <a:lnSpc>
+                <a:spcPct val="100000"/>
+              </a:lnSpc>
               <a:spcBef>
                 <a:spcPts val="0"/>
               </a:spcBef>
@@ -5920,7 +7678,10 @@
               <a:buNone/>
               <a:defRPr/>
             </a:lvl2pPr>
-            <a:lvl3pPr lvl="2">
+            <a:lvl3pPr lvl="2" algn="l">
+              <a:lnSpc>
+                <a:spcPct val="100000"/>
+              </a:lnSpc>
               <a:spcBef>
                 <a:spcPts val="0"/>
               </a:spcBef>
@@ -5931,7 +7692,10 @@
               <a:buNone/>
               <a:defRPr/>
             </a:lvl3pPr>
-            <a:lvl4pPr lvl="3">
+            <a:lvl4pPr lvl="3" algn="l">
+              <a:lnSpc>
+                <a:spcPct val="100000"/>
+              </a:lnSpc>
               <a:spcBef>
                 <a:spcPts val="0"/>
               </a:spcBef>
@@ -5942,7 +7706,10 @@
               <a:buNone/>
               <a:defRPr/>
             </a:lvl4pPr>
-            <a:lvl5pPr lvl="4">
+            <a:lvl5pPr lvl="4" algn="l">
+              <a:lnSpc>
+                <a:spcPct val="100000"/>
+              </a:lnSpc>
               <a:spcBef>
                 <a:spcPts val="0"/>
               </a:spcBef>
@@ -5953,7 +7720,10 @@
               <a:buNone/>
               <a:defRPr/>
             </a:lvl5pPr>
-            <a:lvl6pPr lvl="5">
+            <a:lvl6pPr lvl="5" algn="l">
+              <a:lnSpc>
+                <a:spcPct val="100000"/>
+              </a:lnSpc>
               <a:spcBef>
                 <a:spcPts val="0"/>
               </a:spcBef>
@@ -5964,7 +7734,10 @@
               <a:buNone/>
               <a:defRPr/>
             </a:lvl6pPr>
-            <a:lvl7pPr lvl="6">
+            <a:lvl7pPr lvl="6" algn="l">
+              <a:lnSpc>
+                <a:spcPct val="100000"/>
+              </a:lnSpc>
               <a:spcBef>
                 <a:spcPts val="0"/>
               </a:spcBef>
@@ -5975,7 +7748,10 @@
               <a:buNone/>
               <a:defRPr/>
             </a:lvl7pPr>
-            <a:lvl8pPr lvl="7">
+            <a:lvl8pPr lvl="7" algn="l">
+              <a:lnSpc>
+                <a:spcPct val="100000"/>
+              </a:lnSpc>
               <a:spcBef>
                 <a:spcPts val="0"/>
               </a:spcBef>
@@ -5986,7 +7762,10 @@
               <a:buNone/>
               <a:defRPr/>
             </a:lvl8pPr>
-            <a:lvl9pPr lvl="8">
+            <a:lvl9pPr lvl="8" algn="l">
+              <a:lnSpc>
+                <a:spcPct val="100000"/>
+              </a:lnSpc>
               <a:spcBef>
                 <a:spcPts val="0"/>
               </a:spcBef>
@@ -6760,6 +8539,9 @@
           </a:bodyPr>
           <a:lstStyle>
             <a:lvl1pPr lvl="0" algn="l">
+              <a:lnSpc>
+                <a:spcPct val="100000"/>
+              </a:lnSpc>
               <a:spcBef>
                 <a:spcPts val="0"/>
               </a:spcBef>
@@ -6771,6 +8553,9 @@
               <a:defRPr/>
             </a:lvl1pPr>
             <a:lvl2pPr lvl="1" algn="l">
+              <a:lnSpc>
+                <a:spcPct val="100000"/>
+              </a:lnSpc>
               <a:spcBef>
                 <a:spcPts val="0"/>
               </a:spcBef>
@@ -6782,6 +8567,9 @@
               <a:defRPr/>
             </a:lvl2pPr>
             <a:lvl3pPr lvl="2" algn="l">
+              <a:lnSpc>
+                <a:spcPct val="100000"/>
+              </a:lnSpc>
               <a:spcBef>
                 <a:spcPts val="0"/>
               </a:spcBef>
@@ -6793,6 +8581,9 @@
               <a:defRPr/>
             </a:lvl3pPr>
             <a:lvl4pPr lvl="3" algn="l">
+              <a:lnSpc>
+                <a:spcPct val="100000"/>
+              </a:lnSpc>
               <a:spcBef>
                 <a:spcPts val="0"/>
               </a:spcBef>
@@ -6804,6 +8595,9 @@
               <a:defRPr/>
             </a:lvl4pPr>
             <a:lvl5pPr lvl="4" algn="l">
+              <a:lnSpc>
+                <a:spcPct val="100000"/>
+              </a:lnSpc>
               <a:spcBef>
                 <a:spcPts val="0"/>
               </a:spcBef>
@@ -6815,6 +8609,9 @@
               <a:defRPr/>
             </a:lvl5pPr>
             <a:lvl6pPr lvl="5" algn="l">
+              <a:lnSpc>
+                <a:spcPct val="100000"/>
+              </a:lnSpc>
               <a:spcBef>
                 <a:spcPts val="0"/>
               </a:spcBef>
@@ -6826,6 +8623,9 @@
               <a:defRPr/>
             </a:lvl6pPr>
             <a:lvl7pPr lvl="6" algn="l">
+              <a:lnSpc>
+                <a:spcPct val="100000"/>
+              </a:lnSpc>
               <a:spcBef>
                 <a:spcPts val="0"/>
               </a:spcBef>
@@ -6837,6 +8637,9 @@
               <a:defRPr/>
             </a:lvl7pPr>
             <a:lvl8pPr lvl="7" algn="l">
+              <a:lnSpc>
+                <a:spcPct val="100000"/>
+              </a:lnSpc>
               <a:spcBef>
                 <a:spcPts val="0"/>
               </a:spcBef>
@@ -6848,6 +8651,9 @@
               <a:defRPr/>
             </a:lvl8pPr>
             <a:lvl9pPr lvl="8" algn="l">
+              <a:lnSpc>
+                <a:spcPct val="100000"/>
+              </a:lnSpc>
               <a:spcBef>
                 <a:spcPts val="0"/>
               </a:spcBef>
@@ -6889,6 +8695,9 @@
           </a:bodyPr>
           <a:lstStyle>
             <a:lvl1pPr lvl="0" algn="ctr">
+              <a:lnSpc>
+                <a:spcPct val="100000"/>
+              </a:lnSpc>
               <a:spcBef>
                 <a:spcPts val="0"/>
               </a:spcBef>
@@ -6900,6 +8709,9 @@
               <a:defRPr/>
             </a:lvl1pPr>
             <a:lvl2pPr lvl="1" algn="l">
+              <a:lnSpc>
+                <a:spcPct val="100000"/>
+              </a:lnSpc>
               <a:spcBef>
                 <a:spcPts val="0"/>
               </a:spcBef>
@@ -6911,6 +8723,9 @@
               <a:defRPr/>
             </a:lvl2pPr>
             <a:lvl3pPr lvl="2" algn="l">
+              <a:lnSpc>
+                <a:spcPct val="100000"/>
+              </a:lnSpc>
               <a:spcBef>
                 <a:spcPts val="0"/>
               </a:spcBef>
@@ -6922,6 +8737,9 @@
               <a:defRPr/>
             </a:lvl3pPr>
             <a:lvl4pPr lvl="3" algn="l">
+              <a:lnSpc>
+                <a:spcPct val="100000"/>
+              </a:lnSpc>
               <a:spcBef>
                 <a:spcPts val="0"/>
               </a:spcBef>
@@ -6933,6 +8751,9 @@
               <a:defRPr/>
             </a:lvl4pPr>
             <a:lvl5pPr lvl="4" algn="l">
+              <a:lnSpc>
+                <a:spcPct val="100000"/>
+              </a:lnSpc>
               <a:spcBef>
                 <a:spcPts val="0"/>
               </a:spcBef>
@@ -6944,6 +8765,9 @@
               <a:defRPr/>
             </a:lvl5pPr>
             <a:lvl6pPr lvl="5" algn="l">
+              <a:lnSpc>
+                <a:spcPct val="100000"/>
+              </a:lnSpc>
               <a:spcBef>
                 <a:spcPts val="0"/>
               </a:spcBef>
@@ -6955,6 +8779,9 @@
               <a:defRPr/>
             </a:lvl6pPr>
             <a:lvl7pPr lvl="6" algn="l">
+              <a:lnSpc>
+                <a:spcPct val="100000"/>
+              </a:lnSpc>
               <a:spcBef>
                 <a:spcPts val="0"/>
               </a:spcBef>
@@ -6966,6 +8793,9 @@
               <a:defRPr/>
             </a:lvl7pPr>
             <a:lvl8pPr lvl="7" algn="l">
+              <a:lnSpc>
+                <a:spcPct val="100000"/>
+              </a:lnSpc>
               <a:spcBef>
                 <a:spcPts val="0"/>
               </a:spcBef>
@@ -6977,6 +8807,9 @@
               <a:defRPr/>
             </a:lvl8pPr>
             <a:lvl9pPr lvl="8" algn="l">
+              <a:lnSpc>
+                <a:spcPct val="100000"/>
+              </a:lnSpc>
               <a:spcBef>
                 <a:spcPts val="0"/>
               </a:spcBef>
@@ -7017,68 +8850,239 @@
             <a:noAutofit/>
           </a:bodyPr>
           <a:lstStyle>
-            <a:lvl1pPr indent="0" lvl="0" marL="0" algn="r">
-              <a:spcBef>
-                <a:spcPts val="0"/>
-              </a:spcBef>
-              <a:buNone/>
-              <a:defRPr/>
+            <a:lvl1pPr indent="0" lvl="0" marL="0" marR="0" algn="r">
+              <a:lnSpc>
+                <a:spcPct val="100000"/>
+              </a:lnSpc>
+              <a:spcBef>
+                <a:spcPts val="0"/>
+              </a:spcBef>
+              <a:spcAft>
+                <a:spcPts val="0"/>
+              </a:spcAft>
+              <a:buClr>
+                <a:srgbClr val="000000"/>
+              </a:buClr>
+              <a:buSzPts val="1200"/>
+              <a:buFont typeface="Arial"/>
+              <a:buNone/>
+              <a:defRPr b="0" i="0" sz="1200" u="none" cap="none" strike="noStrike">
+                <a:solidFill>
+                  <a:srgbClr val="888888"/>
+                </a:solidFill>
+                <a:latin typeface="Calibri"/>
+                <a:ea typeface="Calibri"/>
+                <a:cs typeface="Calibri"/>
+                <a:sym typeface="Calibri"/>
+              </a:defRPr>
             </a:lvl1pPr>
-            <a:lvl2pPr indent="0" lvl="1" marL="0" algn="r">
-              <a:spcBef>
-                <a:spcPts val="0"/>
-              </a:spcBef>
-              <a:buNone/>
-              <a:defRPr/>
+            <a:lvl2pPr indent="0" lvl="1" marL="0" marR="0" algn="r">
+              <a:lnSpc>
+                <a:spcPct val="100000"/>
+              </a:lnSpc>
+              <a:spcBef>
+                <a:spcPts val="0"/>
+              </a:spcBef>
+              <a:spcAft>
+                <a:spcPts val="0"/>
+              </a:spcAft>
+              <a:buClr>
+                <a:srgbClr val="000000"/>
+              </a:buClr>
+              <a:buSzPts val="1200"/>
+              <a:buFont typeface="Arial"/>
+              <a:buNone/>
+              <a:defRPr b="0" i="0" sz="1200" u="none" cap="none" strike="noStrike">
+                <a:solidFill>
+                  <a:srgbClr val="888888"/>
+                </a:solidFill>
+                <a:latin typeface="Calibri"/>
+                <a:ea typeface="Calibri"/>
+                <a:cs typeface="Calibri"/>
+                <a:sym typeface="Calibri"/>
+              </a:defRPr>
             </a:lvl2pPr>
-            <a:lvl3pPr indent="0" lvl="2" marL="0" algn="r">
-              <a:spcBef>
-                <a:spcPts val="0"/>
-              </a:spcBef>
-              <a:buNone/>
-              <a:defRPr/>
+            <a:lvl3pPr indent="0" lvl="2" marL="0" marR="0" algn="r">
+              <a:lnSpc>
+                <a:spcPct val="100000"/>
+              </a:lnSpc>
+              <a:spcBef>
+                <a:spcPts val="0"/>
+              </a:spcBef>
+              <a:spcAft>
+                <a:spcPts val="0"/>
+              </a:spcAft>
+              <a:buClr>
+                <a:srgbClr val="000000"/>
+              </a:buClr>
+              <a:buSzPts val="1200"/>
+              <a:buFont typeface="Arial"/>
+              <a:buNone/>
+              <a:defRPr b="0" i="0" sz="1200" u="none" cap="none" strike="noStrike">
+                <a:solidFill>
+                  <a:srgbClr val="888888"/>
+                </a:solidFill>
+                <a:latin typeface="Calibri"/>
+                <a:ea typeface="Calibri"/>
+                <a:cs typeface="Calibri"/>
+                <a:sym typeface="Calibri"/>
+              </a:defRPr>
             </a:lvl3pPr>
-            <a:lvl4pPr indent="0" lvl="3" marL="0" algn="r">
-              <a:spcBef>
-                <a:spcPts val="0"/>
-              </a:spcBef>
-              <a:buNone/>
-              <a:defRPr/>
+            <a:lvl4pPr indent="0" lvl="3" marL="0" marR="0" algn="r">
+              <a:lnSpc>
+                <a:spcPct val="100000"/>
+              </a:lnSpc>
+              <a:spcBef>
+                <a:spcPts val="0"/>
+              </a:spcBef>
+              <a:spcAft>
+                <a:spcPts val="0"/>
+              </a:spcAft>
+              <a:buClr>
+                <a:srgbClr val="000000"/>
+              </a:buClr>
+              <a:buSzPts val="1200"/>
+              <a:buFont typeface="Arial"/>
+              <a:buNone/>
+              <a:defRPr b="0" i="0" sz="1200" u="none" cap="none" strike="noStrike">
+                <a:solidFill>
+                  <a:srgbClr val="888888"/>
+                </a:solidFill>
+                <a:latin typeface="Calibri"/>
+                <a:ea typeface="Calibri"/>
+                <a:cs typeface="Calibri"/>
+                <a:sym typeface="Calibri"/>
+              </a:defRPr>
             </a:lvl4pPr>
-            <a:lvl5pPr indent="0" lvl="4" marL="0" algn="r">
-              <a:spcBef>
-                <a:spcPts val="0"/>
-              </a:spcBef>
-              <a:buNone/>
-              <a:defRPr/>
+            <a:lvl5pPr indent="0" lvl="4" marL="0" marR="0" algn="r">
+              <a:lnSpc>
+                <a:spcPct val="100000"/>
+              </a:lnSpc>
+              <a:spcBef>
+                <a:spcPts val="0"/>
+              </a:spcBef>
+              <a:spcAft>
+                <a:spcPts val="0"/>
+              </a:spcAft>
+              <a:buClr>
+                <a:srgbClr val="000000"/>
+              </a:buClr>
+              <a:buSzPts val="1200"/>
+              <a:buFont typeface="Arial"/>
+              <a:buNone/>
+              <a:defRPr b="0" i="0" sz="1200" u="none" cap="none" strike="noStrike">
+                <a:solidFill>
+                  <a:srgbClr val="888888"/>
+                </a:solidFill>
+                <a:latin typeface="Calibri"/>
+                <a:ea typeface="Calibri"/>
+                <a:cs typeface="Calibri"/>
+                <a:sym typeface="Calibri"/>
+              </a:defRPr>
             </a:lvl5pPr>
-            <a:lvl6pPr indent="0" lvl="5" marL="0" algn="r">
-              <a:spcBef>
-                <a:spcPts val="0"/>
-              </a:spcBef>
-              <a:buNone/>
-              <a:defRPr/>
+            <a:lvl6pPr indent="0" lvl="5" marL="0" marR="0" algn="r">
+              <a:lnSpc>
+                <a:spcPct val="100000"/>
+              </a:lnSpc>
+              <a:spcBef>
+                <a:spcPts val="0"/>
+              </a:spcBef>
+              <a:spcAft>
+                <a:spcPts val="0"/>
+              </a:spcAft>
+              <a:buClr>
+                <a:srgbClr val="000000"/>
+              </a:buClr>
+              <a:buSzPts val="1200"/>
+              <a:buFont typeface="Arial"/>
+              <a:buNone/>
+              <a:defRPr b="0" i="0" sz="1200" u="none" cap="none" strike="noStrike">
+                <a:solidFill>
+                  <a:srgbClr val="888888"/>
+                </a:solidFill>
+                <a:latin typeface="Calibri"/>
+                <a:ea typeface="Calibri"/>
+                <a:cs typeface="Calibri"/>
+                <a:sym typeface="Calibri"/>
+              </a:defRPr>
             </a:lvl6pPr>
-            <a:lvl7pPr indent="0" lvl="6" marL="0" algn="r">
-              <a:spcBef>
-                <a:spcPts val="0"/>
-              </a:spcBef>
-              <a:buNone/>
-              <a:defRPr/>
+            <a:lvl7pPr indent="0" lvl="6" marL="0" marR="0" algn="r">
+              <a:lnSpc>
+                <a:spcPct val="100000"/>
+              </a:lnSpc>
+              <a:spcBef>
+                <a:spcPts val="0"/>
+              </a:spcBef>
+              <a:spcAft>
+                <a:spcPts val="0"/>
+              </a:spcAft>
+              <a:buClr>
+                <a:srgbClr val="000000"/>
+              </a:buClr>
+              <a:buSzPts val="1200"/>
+              <a:buFont typeface="Arial"/>
+              <a:buNone/>
+              <a:defRPr b="0" i="0" sz="1200" u="none" cap="none" strike="noStrike">
+                <a:solidFill>
+                  <a:srgbClr val="888888"/>
+                </a:solidFill>
+                <a:latin typeface="Calibri"/>
+                <a:ea typeface="Calibri"/>
+                <a:cs typeface="Calibri"/>
+                <a:sym typeface="Calibri"/>
+              </a:defRPr>
             </a:lvl7pPr>
-            <a:lvl8pPr indent="0" lvl="7" marL="0" algn="r">
-              <a:spcBef>
-                <a:spcPts val="0"/>
-              </a:spcBef>
-              <a:buNone/>
-              <a:defRPr/>
+            <a:lvl8pPr indent="0" lvl="7" marL="0" marR="0" algn="r">
+              <a:lnSpc>
+                <a:spcPct val="100000"/>
+              </a:lnSpc>
+              <a:spcBef>
+                <a:spcPts val="0"/>
+              </a:spcBef>
+              <a:spcAft>
+                <a:spcPts val="0"/>
+              </a:spcAft>
+              <a:buClr>
+                <a:srgbClr val="000000"/>
+              </a:buClr>
+              <a:buSzPts val="1200"/>
+              <a:buFont typeface="Arial"/>
+              <a:buNone/>
+              <a:defRPr b="0" i="0" sz="1200" u="none" cap="none" strike="noStrike">
+                <a:solidFill>
+                  <a:srgbClr val="888888"/>
+                </a:solidFill>
+                <a:latin typeface="Calibri"/>
+                <a:ea typeface="Calibri"/>
+                <a:cs typeface="Calibri"/>
+                <a:sym typeface="Calibri"/>
+              </a:defRPr>
             </a:lvl8pPr>
-            <a:lvl9pPr indent="0" lvl="8" marL="0" algn="r">
-              <a:spcBef>
-                <a:spcPts val="0"/>
-              </a:spcBef>
-              <a:buNone/>
-              <a:defRPr/>
+            <a:lvl9pPr indent="0" lvl="8" marL="0" marR="0" algn="r">
+              <a:lnSpc>
+                <a:spcPct val="100000"/>
+              </a:lnSpc>
+              <a:spcBef>
+                <a:spcPts val="0"/>
+              </a:spcBef>
+              <a:spcAft>
+                <a:spcPts val="0"/>
+              </a:spcAft>
+              <a:buClr>
+                <a:srgbClr val="000000"/>
+              </a:buClr>
+              <a:buSzPts val="1200"/>
+              <a:buFont typeface="Arial"/>
+              <a:buNone/>
+              <a:defRPr b="0" i="0" sz="1200" u="none" cap="none" strike="noStrike">
+                <a:solidFill>
+                  <a:srgbClr val="888888"/>
+                </a:solidFill>
+                <a:latin typeface="Calibri"/>
+                <a:ea typeface="Calibri"/>
+                <a:cs typeface="Calibri"/>
+                <a:sym typeface="Calibri"/>
+              </a:defRPr>
             </a:lvl9pPr>
           </a:lstStyle>
           <a:p>
@@ -7167,7 +9171,10 @@
               <a:buNone/>
               <a:defRPr/>
             </a:lvl1pPr>
-            <a:lvl2pPr lvl="1">
+            <a:lvl2pPr lvl="1" algn="l">
+              <a:lnSpc>
+                <a:spcPct val="100000"/>
+              </a:lnSpc>
               <a:spcBef>
                 <a:spcPts val="0"/>
               </a:spcBef>
@@ -7178,7 +9185,10 @@
               <a:buNone/>
               <a:defRPr/>
             </a:lvl2pPr>
-            <a:lvl3pPr lvl="2">
+            <a:lvl3pPr lvl="2" algn="l">
+              <a:lnSpc>
+                <a:spcPct val="100000"/>
+              </a:lnSpc>
               <a:spcBef>
                 <a:spcPts val="0"/>
               </a:spcBef>
@@ -7189,7 +9199,10 @@
               <a:buNone/>
               <a:defRPr/>
             </a:lvl3pPr>
-            <a:lvl4pPr lvl="3">
+            <a:lvl4pPr lvl="3" algn="l">
+              <a:lnSpc>
+                <a:spcPct val="100000"/>
+              </a:lnSpc>
               <a:spcBef>
                 <a:spcPts val="0"/>
               </a:spcBef>
@@ -7200,7 +9213,10 @@
               <a:buNone/>
               <a:defRPr/>
             </a:lvl4pPr>
-            <a:lvl5pPr lvl="4">
+            <a:lvl5pPr lvl="4" algn="l">
+              <a:lnSpc>
+                <a:spcPct val="100000"/>
+              </a:lnSpc>
               <a:spcBef>
                 <a:spcPts val="0"/>
               </a:spcBef>
@@ -7211,7 +9227,10 @@
               <a:buNone/>
               <a:defRPr/>
             </a:lvl5pPr>
-            <a:lvl6pPr lvl="5">
+            <a:lvl6pPr lvl="5" algn="l">
+              <a:lnSpc>
+                <a:spcPct val="100000"/>
+              </a:lnSpc>
               <a:spcBef>
                 <a:spcPts val="0"/>
               </a:spcBef>
@@ -7222,7 +9241,10 @@
               <a:buNone/>
               <a:defRPr/>
             </a:lvl6pPr>
-            <a:lvl7pPr lvl="6">
+            <a:lvl7pPr lvl="6" algn="l">
+              <a:lnSpc>
+                <a:spcPct val="100000"/>
+              </a:lnSpc>
               <a:spcBef>
                 <a:spcPts val="0"/>
               </a:spcBef>
@@ -7233,7 +9255,10 @@
               <a:buNone/>
               <a:defRPr/>
             </a:lvl7pPr>
-            <a:lvl8pPr lvl="7">
+            <a:lvl8pPr lvl="7" algn="l">
+              <a:lnSpc>
+                <a:spcPct val="100000"/>
+              </a:lnSpc>
               <a:spcBef>
                 <a:spcPts val="0"/>
               </a:spcBef>
@@ -7244,7 +9269,10 @@
               <a:buNone/>
               <a:defRPr/>
             </a:lvl8pPr>
-            <a:lvl9pPr lvl="8">
+            <a:lvl9pPr lvl="8" algn="l">
+              <a:lnSpc>
+                <a:spcPct val="100000"/>
+              </a:lnSpc>
               <a:spcBef>
                 <a:spcPts val="0"/>
               </a:spcBef>
@@ -7286,6 +9314,9 @@
           </a:bodyPr>
           <a:lstStyle>
             <a:lvl1pPr lvl="0" algn="l">
+              <a:lnSpc>
+                <a:spcPct val="100000"/>
+              </a:lnSpc>
               <a:spcBef>
                 <a:spcPts val="0"/>
               </a:spcBef>
@@ -7297,6 +9328,9 @@
               <a:defRPr/>
             </a:lvl1pPr>
             <a:lvl2pPr lvl="1" algn="l">
+              <a:lnSpc>
+                <a:spcPct val="100000"/>
+              </a:lnSpc>
               <a:spcBef>
                 <a:spcPts val="0"/>
               </a:spcBef>
@@ -7308,6 +9342,9 @@
               <a:defRPr/>
             </a:lvl2pPr>
             <a:lvl3pPr lvl="2" algn="l">
+              <a:lnSpc>
+                <a:spcPct val="100000"/>
+              </a:lnSpc>
               <a:spcBef>
                 <a:spcPts val="0"/>
               </a:spcBef>
@@ -7319,6 +9356,9 @@
               <a:defRPr/>
             </a:lvl3pPr>
             <a:lvl4pPr lvl="3" algn="l">
+              <a:lnSpc>
+                <a:spcPct val="100000"/>
+              </a:lnSpc>
               <a:spcBef>
                 <a:spcPts val="0"/>
               </a:spcBef>
@@ -7330,6 +9370,9 @@
               <a:defRPr/>
             </a:lvl4pPr>
             <a:lvl5pPr lvl="4" algn="l">
+              <a:lnSpc>
+                <a:spcPct val="100000"/>
+              </a:lnSpc>
               <a:spcBef>
                 <a:spcPts val="0"/>
               </a:spcBef>
@@ -7341,6 +9384,9 @@
               <a:defRPr/>
             </a:lvl5pPr>
             <a:lvl6pPr lvl="5" algn="l">
+              <a:lnSpc>
+                <a:spcPct val="100000"/>
+              </a:lnSpc>
               <a:spcBef>
                 <a:spcPts val="0"/>
               </a:spcBef>
@@ -7352,6 +9398,9 @@
               <a:defRPr/>
             </a:lvl6pPr>
             <a:lvl7pPr lvl="6" algn="l">
+              <a:lnSpc>
+                <a:spcPct val="100000"/>
+              </a:lnSpc>
               <a:spcBef>
                 <a:spcPts val="0"/>
               </a:spcBef>
@@ -7363,6 +9412,9 @@
               <a:defRPr/>
             </a:lvl7pPr>
             <a:lvl8pPr lvl="7" algn="l">
+              <a:lnSpc>
+                <a:spcPct val="100000"/>
+              </a:lnSpc>
               <a:spcBef>
                 <a:spcPts val="0"/>
               </a:spcBef>
@@ -7374,6 +9426,9 @@
               <a:defRPr/>
             </a:lvl8pPr>
             <a:lvl9pPr lvl="8" algn="l">
+              <a:lnSpc>
+                <a:spcPct val="100000"/>
+              </a:lnSpc>
               <a:spcBef>
                 <a:spcPts val="0"/>
               </a:spcBef>
@@ -7415,6 +9470,9 @@
           </a:bodyPr>
           <a:lstStyle>
             <a:lvl1pPr lvl="0" algn="ctr">
+              <a:lnSpc>
+                <a:spcPct val="100000"/>
+              </a:lnSpc>
               <a:spcBef>
                 <a:spcPts val="0"/>
               </a:spcBef>
@@ -7426,6 +9484,9 @@
               <a:defRPr/>
             </a:lvl1pPr>
             <a:lvl2pPr lvl="1" algn="l">
+              <a:lnSpc>
+                <a:spcPct val="100000"/>
+              </a:lnSpc>
               <a:spcBef>
                 <a:spcPts val="0"/>
               </a:spcBef>
@@ -7437,6 +9498,9 @@
               <a:defRPr/>
             </a:lvl2pPr>
             <a:lvl3pPr lvl="2" algn="l">
+              <a:lnSpc>
+                <a:spcPct val="100000"/>
+              </a:lnSpc>
               <a:spcBef>
                 <a:spcPts val="0"/>
               </a:spcBef>
@@ -7448,6 +9512,9 @@
               <a:defRPr/>
             </a:lvl3pPr>
             <a:lvl4pPr lvl="3" algn="l">
+              <a:lnSpc>
+                <a:spcPct val="100000"/>
+              </a:lnSpc>
               <a:spcBef>
                 <a:spcPts val="0"/>
               </a:spcBef>
@@ -7459,6 +9526,9 @@
               <a:defRPr/>
             </a:lvl4pPr>
             <a:lvl5pPr lvl="4" algn="l">
+              <a:lnSpc>
+                <a:spcPct val="100000"/>
+              </a:lnSpc>
               <a:spcBef>
                 <a:spcPts val="0"/>
               </a:spcBef>
@@ -7470,6 +9540,9 @@
               <a:defRPr/>
             </a:lvl5pPr>
             <a:lvl6pPr lvl="5" algn="l">
+              <a:lnSpc>
+                <a:spcPct val="100000"/>
+              </a:lnSpc>
               <a:spcBef>
                 <a:spcPts val="0"/>
               </a:spcBef>
@@ -7481,6 +9554,9 @@
               <a:defRPr/>
             </a:lvl6pPr>
             <a:lvl7pPr lvl="6" algn="l">
+              <a:lnSpc>
+                <a:spcPct val="100000"/>
+              </a:lnSpc>
               <a:spcBef>
                 <a:spcPts val="0"/>
               </a:spcBef>
@@ -7492,6 +9568,9 @@
               <a:defRPr/>
             </a:lvl7pPr>
             <a:lvl8pPr lvl="7" algn="l">
+              <a:lnSpc>
+                <a:spcPct val="100000"/>
+              </a:lnSpc>
               <a:spcBef>
                 <a:spcPts val="0"/>
               </a:spcBef>
@@ -7503,6 +9582,9 @@
               <a:defRPr/>
             </a:lvl8pPr>
             <a:lvl9pPr lvl="8" algn="l">
+              <a:lnSpc>
+                <a:spcPct val="100000"/>
+              </a:lnSpc>
               <a:spcBef>
                 <a:spcPts val="0"/>
               </a:spcBef>
@@ -7543,68 +9625,239 @@
             <a:noAutofit/>
           </a:bodyPr>
           <a:lstStyle>
-            <a:lvl1pPr indent="0" lvl="0" marL="0" algn="r">
-              <a:spcBef>
-                <a:spcPts val="0"/>
-              </a:spcBef>
-              <a:buNone/>
-              <a:defRPr/>
+            <a:lvl1pPr indent="0" lvl="0" marL="0" marR="0" algn="r">
+              <a:lnSpc>
+                <a:spcPct val="100000"/>
+              </a:lnSpc>
+              <a:spcBef>
+                <a:spcPts val="0"/>
+              </a:spcBef>
+              <a:spcAft>
+                <a:spcPts val="0"/>
+              </a:spcAft>
+              <a:buClr>
+                <a:srgbClr val="000000"/>
+              </a:buClr>
+              <a:buSzPts val="1200"/>
+              <a:buFont typeface="Arial"/>
+              <a:buNone/>
+              <a:defRPr b="0" i="0" sz="1200" u="none" cap="none" strike="noStrike">
+                <a:solidFill>
+                  <a:srgbClr val="888888"/>
+                </a:solidFill>
+                <a:latin typeface="Calibri"/>
+                <a:ea typeface="Calibri"/>
+                <a:cs typeface="Calibri"/>
+                <a:sym typeface="Calibri"/>
+              </a:defRPr>
             </a:lvl1pPr>
-            <a:lvl2pPr indent="0" lvl="1" marL="0" algn="r">
-              <a:spcBef>
-                <a:spcPts val="0"/>
-              </a:spcBef>
-              <a:buNone/>
-              <a:defRPr/>
+            <a:lvl2pPr indent="0" lvl="1" marL="0" marR="0" algn="r">
+              <a:lnSpc>
+                <a:spcPct val="100000"/>
+              </a:lnSpc>
+              <a:spcBef>
+                <a:spcPts val="0"/>
+              </a:spcBef>
+              <a:spcAft>
+                <a:spcPts val="0"/>
+              </a:spcAft>
+              <a:buClr>
+                <a:srgbClr val="000000"/>
+              </a:buClr>
+              <a:buSzPts val="1200"/>
+              <a:buFont typeface="Arial"/>
+              <a:buNone/>
+              <a:defRPr b="0" i="0" sz="1200" u="none" cap="none" strike="noStrike">
+                <a:solidFill>
+                  <a:srgbClr val="888888"/>
+                </a:solidFill>
+                <a:latin typeface="Calibri"/>
+                <a:ea typeface="Calibri"/>
+                <a:cs typeface="Calibri"/>
+                <a:sym typeface="Calibri"/>
+              </a:defRPr>
             </a:lvl2pPr>
-            <a:lvl3pPr indent="0" lvl="2" marL="0" algn="r">
-              <a:spcBef>
-                <a:spcPts val="0"/>
-              </a:spcBef>
-              <a:buNone/>
-              <a:defRPr/>
+            <a:lvl3pPr indent="0" lvl="2" marL="0" marR="0" algn="r">
+              <a:lnSpc>
+                <a:spcPct val="100000"/>
+              </a:lnSpc>
+              <a:spcBef>
+                <a:spcPts val="0"/>
+              </a:spcBef>
+              <a:spcAft>
+                <a:spcPts val="0"/>
+              </a:spcAft>
+              <a:buClr>
+                <a:srgbClr val="000000"/>
+              </a:buClr>
+              <a:buSzPts val="1200"/>
+              <a:buFont typeface="Arial"/>
+              <a:buNone/>
+              <a:defRPr b="0" i="0" sz="1200" u="none" cap="none" strike="noStrike">
+                <a:solidFill>
+                  <a:srgbClr val="888888"/>
+                </a:solidFill>
+                <a:latin typeface="Calibri"/>
+                <a:ea typeface="Calibri"/>
+                <a:cs typeface="Calibri"/>
+                <a:sym typeface="Calibri"/>
+              </a:defRPr>
             </a:lvl3pPr>
-            <a:lvl4pPr indent="0" lvl="3" marL="0" algn="r">
-              <a:spcBef>
-                <a:spcPts val="0"/>
-              </a:spcBef>
-              <a:buNone/>
-              <a:defRPr/>
+            <a:lvl4pPr indent="0" lvl="3" marL="0" marR="0" algn="r">
+              <a:lnSpc>
+                <a:spcPct val="100000"/>
+              </a:lnSpc>
+              <a:spcBef>
+                <a:spcPts val="0"/>
+              </a:spcBef>
+              <a:spcAft>
+                <a:spcPts val="0"/>
+              </a:spcAft>
+              <a:buClr>
+                <a:srgbClr val="000000"/>
+              </a:buClr>
+              <a:buSzPts val="1200"/>
+              <a:buFont typeface="Arial"/>
+              <a:buNone/>
+              <a:defRPr b="0" i="0" sz="1200" u="none" cap="none" strike="noStrike">
+                <a:solidFill>
+                  <a:srgbClr val="888888"/>
+                </a:solidFill>
+                <a:latin typeface="Calibri"/>
+                <a:ea typeface="Calibri"/>
+                <a:cs typeface="Calibri"/>
+                <a:sym typeface="Calibri"/>
+              </a:defRPr>
             </a:lvl4pPr>
-            <a:lvl5pPr indent="0" lvl="4" marL="0" algn="r">
-              <a:spcBef>
-                <a:spcPts val="0"/>
-              </a:spcBef>
-              <a:buNone/>
-              <a:defRPr/>
+            <a:lvl5pPr indent="0" lvl="4" marL="0" marR="0" algn="r">
+              <a:lnSpc>
+                <a:spcPct val="100000"/>
+              </a:lnSpc>
+              <a:spcBef>
+                <a:spcPts val="0"/>
+              </a:spcBef>
+              <a:spcAft>
+                <a:spcPts val="0"/>
+              </a:spcAft>
+              <a:buClr>
+                <a:srgbClr val="000000"/>
+              </a:buClr>
+              <a:buSzPts val="1200"/>
+              <a:buFont typeface="Arial"/>
+              <a:buNone/>
+              <a:defRPr b="0" i="0" sz="1200" u="none" cap="none" strike="noStrike">
+                <a:solidFill>
+                  <a:srgbClr val="888888"/>
+                </a:solidFill>
+                <a:latin typeface="Calibri"/>
+                <a:ea typeface="Calibri"/>
+                <a:cs typeface="Calibri"/>
+                <a:sym typeface="Calibri"/>
+              </a:defRPr>
             </a:lvl5pPr>
-            <a:lvl6pPr indent="0" lvl="5" marL="0" algn="r">
-              <a:spcBef>
-                <a:spcPts val="0"/>
-              </a:spcBef>
-              <a:buNone/>
-              <a:defRPr/>
+            <a:lvl6pPr indent="0" lvl="5" marL="0" marR="0" algn="r">
+              <a:lnSpc>
+                <a:spcPct val="100000"/>
+              </a:lnSpc>
+              <a:spcBef>
+                <a:spcPts val="0"/>
+              </a:spcBef>
+              <a:spcAft>
+                <a:spcPts val="0"/>
+              </a:spcAft>
+              <a:buClr>
+                <a:srgbClr val="000000"/>
+              </a:buClr>
+              <a:buSzPts val="1200"/>
+              <a:buFont typeface="Arial"/>
+              <a:buNone/>
+              <a:defRPr b="0" i="0" sz="1200" u="none" cap="none" strike="noStrike">
+                <a:solidFill>
+                  <a:srgbClr val="888888"/>
+                </a:solidFill>
+                <a:latin typeface="Calibri"/>
+                <a:ea typeface="Calibri"/>
+                <a:cs typeface="Calibri"/>
+                <a:sym typeface="Calibri"/>
+              </a:defRPr>
             </a:lvl6pPr>
-            <a:lvl7pPr indent="0" lvl="6" marL="0" algn="r">
-              <a:spcBef>
-                <a:spcPts val="0"/>
-              </a:spcBef>
-              <a:buNone/>
-              <a:defRPr/>
+            <a:lvl7pPr indent="0" lvl="6" marL="0" marR="0" algn="r">
+              <a:lnSpc>
+                <a:spcPct val="100000"/>
+              </a:lnSpc>
+              <a:spcBef>
+                <a:spcPts val="0"/>
+              </a:spcBef>
+              <a:spcAft>
+                <a:spcPts val="0"/>
+              </a:spcAft>
+              <a:buClr>
+                <a:srgbClr val="000000"/>
+              </a:buClr>
+              <a:buSzPts val="1200"/>
+              <a:buFont typeface="Arial"/>
+              <a:buNone/>
+              <a:defRPr b="0" i="0" sz="1200" u="none" cap="none" strike="noStrike">
+                <a:solidFill>
+                  <a:srgbClr val="888888"/>
+                </a:solidFill>
+                <a:latin typeface="Calibri"/>
+                <a:ea typeface="Calibri"/>
+                <a:cs typeface="Calibri"/>
+                <a:sym typeface="Calibri"/>
+              </a:defRPr>
             </a:lvl7pPr>
-            <a:lvl8pPr indent="0" lvl="7" marL="0" algn="r">
-              <a:spcBef>
-                <a:spcPts val="0"/>
-              </a:spcBef>
-              <a:buNone/>
-              <a:defRPr/>
+            <a:lvl8pPr indent="0" lvl="7" marL="0" marR="0" algn="r">
+              <a:lnSpc>
+                <a:spcPct val="100000"/>
+              </a:lnSpc>
+              <a:spcBef>
+                <a:spcPts val="0"/>
+              </a:spcBef>
+              <a:spcAft>
+                <a:spcPts val="0"/>
+              </a:spcAft>
+              <a:buClr>
+                <a:srgbClr val="000000"/>
+              </a:buClr>
+              <a:buSzPts val="1200"/>
+              <a:buFont typeface="Arial"/>
+              <a:buNone/>
+              <a:defRPr b="0" i="0" sz="1200" u="none" cap="none" strike="noStrike">
+                <a:solidFill>
+                  <a:srgbClr val="888888"/>
+                </a:solidFill>
+                <a:latin typeface="Calibri"/>
+                <a:ea typeface="Calibri"/>
+                <a:cs typeface="Calibri"/>
+                <a:sym typeface="Calibri"/>
+              </a:defRPr>
             </a:lvl8pPr>
-            <a:lvl9pPr indent="0" lvl="8" marL="0" algn="r">
-              <a:spcBef>
-                <a:spcPts val="0"/>
-              </a:spcBef>
-              <a:buNone/>
-              <a:defRPr/>
+            <a:lvl9pPr indent="0" lvl="8" marL="0" marR="0" algn="r">
+              <a:lnSpc>
+                <a:spcPct val="100000"/>
+              </a:lnSpc>
+              <a:spcBef>
+                <a:spcPts val="0"/>
+              </a:spcBef>
+              <a:spcAft>
+                <a:spcPts val="0"/>
+              </a:spcAft>
+              <a:buClr>
+                <a:srgbClr val="000000"/>
+              </a:buClr>
+              <a:buSzPts val="1200"/>
+              <a:buFont typeface="Arial"/>
+              <a:buNone/>
+              <a:defRPr b="0" i="0" sz="1200" u="none" cap="none" strike="noStrike">
+                <a:solidFill>
+                  <a:srgbClr val="888888"/>
+                </a:solidFill>
+                <a:latin typeface="Calibri"/>
+                <a:ea typeface="Calibri"/>
+                <a:cs typeface="Calibri"/>
+                <a:sym typeface="Calibri"/>
+              </a:defRPr>
             </a:lvl9pPr>
           </a:lstStyle>
           <a:p>
@@ -7677,6 +9930,9 @@
           </a:bodyPr>
           <a:lstStyle>
             <a:lvl1pPr lvl="0" algn="l">
+              <a:lnSpc>
+                <a:spcPct val="100000"/>
+              </a:lnSpc>
               <a:spcBef>
                 <a:spcPts val="0"/>
               </a:spcBef>
@@ -7688,6 +9944,9 @@
               <a:defRPr/>
             </a:lvl1pPr>
             <a:lvl2pPr lvl="1" algn="l">
+              <a:lnSpc>
+                <a:spcPct val="100000"/>
+              </a:lnSpc>
               <a:spcBef>
                 <a:spcPts val="0"/>
               </a:spcBef>
@@ -7699,6 +9958,9 @@
               <a:defRPr/>
             </a:lvl2pPr>
             <a:lvl3pPr lvl="2" algn="l">
+              <a:lnSpc>
+                <a:spcPct val="100000"/>
+              </a:lnSpc>
               <a:spcBef>
                 <a:spcPts val="0"/>
               </a:spcBef>
@@ -7710,6 +9972,9 @@
               <a:defRPr/>
             </a:lvl3pPr>
             <a:lvl4pPr lvl="3" algn="l">
+              <a:lnSpc>
+                <a:spcPct val="100000"/>
+              </a:lnSpc>
               <a:spcBef>
                 <a:spcPts val="0"/>
               </a:spcBef>
@@ -7721,6 +9986,9 @@
               <a:defRPr/>
             </a:lvl4pPr>
             <a:lvl5pPr lvl="4" algn="l">
+              <a:lnSpc>
+                <a:spcPct val="100000"/>
+              </a:lnSpc>
               <a:spcBef>
                 <a:spcPts val="0"/>
               </a:spcBef>
@@ -7732,6 +10000,9 @@
               <a:defRPr/>
             </a:lvl5pPr>
             <a:lvl6pPr lvl="5" algn="l">
+              <a:lnSpc>
+                <a:spcPct val="100000"/>
+              </a:lnSpc>
               <a:spcBef>
                 <a:spcPts val="0"/>
               </a:spcBef>
@@ -7743,6 +10014,9 @@
               <a:defRPr/>
             </a:lvl6pPr>
             <a:lvl7pPr lvl="6" algn="l">
+              <a:lnSpc>
+                <a:spcPct val="100000"/>
+              </a:lnSpc>
               <a:spcBef>
                 <a:spcPts val="0"/>
               </a:spcBef>
@@ -7754,6 +10028,9 @@
               <a:defRPr/>
             </a:lvl7pPr>
             <a:lvl8pPr lvl="7" algn="l">
+              <a:lnSpc>
+                <a:spcPct val="100000"/>
+              </a:lnSpc>
               <a:spcBef>
                 <a:spcPts val="0"/>
               </a:spcBef>
@@ -7765,6 +10042,9 @@
               <a:defRPr/>
             </a:lvl8pPr>
             <a:lvl9pPr lvl="8" algn="l">
+              <a:lnSpc>
+                <a:spcPct val="100000"/>
+              </a:lnSpc>
               <a:spcBef>
                 <a:spcPts val="0"/>
               </a:spcBef>
@@ -7806,6 +10086,9 @@
           </a:bodyPr>
           <a:lstStyle>
             <a:lvl1pPr lvl="0" algn="ctr">
+              <a:lnSpc>
+                <a:spcPct val="100000"/>
+              </a:lnSpc>
               <a:spcBef>
                 <a:spcPts val="0"/>
               </a:spcBef>
@@ -7817,6 +10100,9 @@
               <a:defRPr/>
             </a:lvl1pPr>
             <a:lvl2pPr lvl="1" algn="l">
+              <a:lnSpc>
+                <a:spcPct val="100000"/>
+              </a:lnSpc>
               <a:spcBef>
                 <a:spcPts val="0"/>
               </a:spcBef>
@@ -7828,6 +10114,9 @@
               <a:defRPr/>
             </a:lvl2pPr>
             <a:lvl3pPr lvl="2" algn="l">
+              <a:lnSpc>
+                <a:spcPct val="100000"/>
+              </a:lnSpc>
               <a:spcBef>
                 <a:spcPts val="0"/>
               </a:spcBef>
@@ -7839,6 +10128,9 @@
               <a:defRPr/>
             </a:lvl3pPr>
             <a:lvl4pPr lvl="3" algn="l">
+              <a:lnSpc>
+                <a:spcPct val="100000"/>
+              </a:lnSpc>
               <a:spcBef>
                 <a:spcPts val="0"/>
               </a:spcBef>
@@ -7850,6 +10142,9 @@
               <a:defRPr/>
             </a:lvl4pPr>
             <a:lvl5pPr lvl="4" algn="l">
+              <a:lnSpc>
+                <a:spcPct val="100000"/>
+              </a:lnSpc>
               <a:spcBef>
                 <a:spcPts val="0"/>
               </a:spcBef>
@@ -7861,6 +10156,9 @@
               <a:defRPr/>
             </a:lvl5pPr>
             <a:lvl6pPr lvl="5" algn="l">
+              <a:lnSpc>
+                <a:spcPct val="100000"/>
+              </a:lnSpc>
               <a:spcBef>
                 <a:spcPts val="0"/>
               </a:spcBef>
@@ -7872,6 +10170,9 @@
               <a:defRPr/>
             </a:lvl6pPr>
             <a:lvl7pPr lvl="6" algn="l">
+              <a:lnSpc>
+                <a:spcPct val="100000"/>
+              </a:lnSpc>
               <a:spcBef>
                 <a:spcPts val="0"/>
               </a:spcBef>
@@ -7883,6 +10184,9 @@
               <a:defRPr/>
             </a:lvl7pPr>
             <a:lvl8pPr lvl="7" algn="l">
+              <a:lnSpc>
+                <a:spcPct val="100000"/>
+              </a:lnSpc>
               <a:spcBef>
                 <a:spcPts val="0"/>
               </a:spcBef>
@@ -7894,6 +10198,9 @@
               <a:defRPr/>
             </a:lvl8pPr>
             <a:lvl9pPr lvl="8" algn="l">
+              <a:lnSpc>
+                <a:spcPct val="100000"/>
+              </a:lnSpc>
               <a:spcBef>
                 <a:spcPts val="0"/>
               </a:spcBef>
@@ -7934,68 +10241,239 @@
             <a:noAutofit/>
           </a:bodyPr>
           <a:lstStyle>
-            <a:lvl1pPr indent="0" lvl="0" marL="0" algn="r">
-              <a:spcBef>
-                <a:spcPts val="0"/>
-              </a:spcBef>
-              <a:buNone/>
-              <a:defRPr/>
+            <a:lvl1pPr indent="0" lvl="0" marL="0" marR="0" algn="r">
+              <a:lnSpc>
+                <a:spcPct val="100000"/>
+              </a:lnSpc>
+              <a:spcBef>
+                <a:spcPts val="0"/>
+              </a:spcBef>
+              <a:spcAft>
+                <a:spcPts val="0"/>
+              </a:spcAft>
+              <a:buClr>
+                <a:srgbClr val="000000"/>
+              </a:buClr>
+              <a:buSzPts val="1200"/>
+              <a:buFont typeface="Arial"/>
+              <a:buNone/>
+              <a:defRPr b="0" i="0" sz="1200" u="none" cap="none" strike="noStrike">
+                <a:solidFill>
+                  <a:srgbClr val="888888"/>
+                </a:solidFill>
+                <a:latin typeface="Calibri"/>
+                <a:ea typeface="Calibri"/>
+                <a:cs typeface="Calibri"/>
+                <a:sym typeface="Calibri"/>
+              </a:defRPr>
             </a:lvl1pPr>
-            <a:lvl2pPr indent="0" lvl="1" marL="0" algn="r">
-              <a:spcBef>
-                <a:spcPts val="0"/>
-              </a:spcBef>
-              <a:buNone/>
-              <a:defRPr/>
+            <a:lvl2pPr indent="0" lvl="1" marL="0" marR="0" algn="r">
+              <a:lnSpc>
+                <a:spcPct val="100000"/>
+              </a:lnSpc>
+              <a:spcBef>
+                <a:spcPts val="0"/>
+              </a:spcBef>
+              <a:spcAft>
+                <a:spcPts val="0"/>
+              </a:spcAft>
+              <a:buClr>
+                <a:srgbClr val="000000"/>
+              </a:buClr>
+              <a:buSzPts val="1200"/>
+              <a:buFont typeface="Arial"/>
+              <a:buNone/>
+              <a:defRPr b="0" i="0" sz="1200" u="none" cap="none" strike="noStrike">
+                <a:solidFill>
+                  <a:srgbClr val="888888"/>
+                </a:solidFill>
+                <a:latin typeface="Calibri"/>
+                <a:ea typeface="Calibri"/>
+                <a:cs typeface="Calibri"/>
+                <a:sym typeface="Calibri"/>
+              </a:defRPr>
             </a:lvl2pPr>
-            <a:lvl3pPr indent="0" lvl="2" marL="0" algn="r">
-              <a:spcBef>
-                <a:spcPts val="0"/>
-              </a:spcBef>
-              <a:buNone/>
-              <a:defRPr/>
+            <a:lvl3pPr indent="0" lvl="2" marL="0" marR="0" algn="r">
+              <a:lnSpc>
+                <a:spcPct val="100000"/>
+              </a:lnSpc>
+              <a:spcBef>
+                <a:spcPts val="0"/>
+              </a:spcBef>
+              <a:spcAft>
+                <a:spcPts val="0"/>
+              </a:spcAft>
+              <a:buClr>
+                <a:srgbClr val="000000"/>
+              </a:buClr>
+              <a:buSzPts val="1200"/>
+              <a:buFont typeface="Arial"/>
+              <a:buNone/>
+              <a:defRPr b="0" i="0" sz="1200" u="none" cap="none" strike="noStrike">
+                <a:solidFill>
+                  <a:srgbClr val="888888"/>
+                </a:solidFill>
+                <a:latin typeface="Calibri"/>
+                <a:ea typeface="Calibri"/>
+                <a:cs typeface="Calibri"/>
+                <a:sym typeface="Calibri"/>
+              </a:defRPr>
             </a:lvl3pPr>
-            <a:lvl4pPr indent="0" lvl="3" marL="0" algn="r">
-              <a:spcBef>
-                <a:spcPts val="0"/>
-              </a:spcBef>
-              <a:buNone/>
-              <a:defRPr/>
+            <a:lvl4pPr indent="0" lvl="3" marL="0" marR="0" algn="r">
+              <a:lnSpc>
+                <a:spcPct val="100000"/>
+              </a:lnSpc>
+              <a:spcBef>
+                <a:spcPts val="0"/>
+              </a:spcBef>
+              <a:spcAft>
+                <a:spcPts val="0"/>
+              </a:spcAft>
+              <a:buClr>
+                <a:srgbClr val="000000"/>
+              </a:buClr>
+              <a:buSzPts val="1200"/>
+              <a:buFont typeface="Arial"/>
+              <a:buNone/>
+              <a:defRPr b="0" i="0" sz="1200" u="none" cap="none" strike="noStrike">
+                <a:solidFill>
+                  <a:srgbClr val="888888"/>
+                </a:solidFill>
+                <a:latin typeface="Calibri"/>
+                <a:ea typeface="Calibri"/>
+                <a:cs typeface="Calibri"/>
+                <a:sym typeface="Calibri"/>
+              </a:defRPr>
             </a:lvl4pPr>
-            <a:lvl5pPr indent="0" lvl="4" marL="0" algn="r">
-              <a:spcBef>
-                <a:spcPts val="0"/>
-              </a:spcBef>
-              <a:buNone/>
-              <a:defRPr/>
+            <a:lvl5pPr indent="0" lvl="4" marL="0" marR="0" algn="r">
+              <a:lnSpc>
+                <a:spcPct val="100000"/>
+              </a:lnSpc>
+              <a:spcBef>
+                <a:spcPts val="0"/>
+              </a:spcBef>
+              <a:spcAft>
+                <a:spcPts val="0"/>
+              </a:spcAft>
+              <a:buClr>
+                <a:srgbClr val="000000"/>
+              </a:buClr>
+              <a:buSzPts val="1200"/>
+              <a:buFont typeface="Arial"/>
+              <a:buNone/>
+              <a:defRPr b="0" i="0" sz="1200" u="none" cap="none" strike="noStrike">
+                <a:solidFill>
+                  <a:srgbClr val="888888"/>
+                </a:solidFill>
+                <a:latin typeface="Calibri"/>
+                <a:ea typeface="Calibri"/>
+                <a:cs typeface="Calibri"/>
+                <a:sym typeface="Calibri"/>
+              </a:defRPr>
             </a:lvl5pPr>
-            <a:lvl6pPr indent="0" lvl="5" marL="0" algn="r">
-              <a:spcBef>
-                <a:spcPts val="0"/>
-              </a:spcBef>
-              <a:buNone/>
-              <a:defRPr/>
+            <a:lvl6pPr indent="0" lvl="5" marL="0" marR="0" algn="r">
+              <a:lnSpc>
+                <a:spcPct val="100000"/>
+              </a:lnSpc>
+              <a:spcBef>
+                <a:spcPts val="0"/>
+              </a:spcBef>
+              <a:spcAft>
+                <a:spcPts val="0"/>
+              </a:spcAft>
+              <a:buClr>
+                <a:srgbClr val="000000"/>
+              </a:buClr>
+              <a:buSzPts val="1200"/>
+              <a:buFont typeface="Arial"/>
+              <a:buNone/>
+              <a:defRPr b="0" i="0" sz="1200" u="none" cap="none" strike="noStrike">
+                <a:solidFill>
+                  <a:srgbClr val="888888"/>
+                </a:solidFill>
+                <a:latin typeface="Calibri"/>
+                <a:ea typeface="Calibri"/>
+                <a:cs typeface="Calibri"/>
+                <a:sym typeface="Calibri"/>
+              </a:defRPr>
             </a:lvl6pPr>
-            <a:lvl7pPr indent="0" lvl="6" marL="0" algn="r">
-              <a:spcBef>
-                <a:spcPts val="0"/>
-              </a:spcBef>
-              <a:buNone/>
-              <a:defRPr/>
+            <a:lvl7pPr indent="0" lvl="6" marL="0" marR="0" algn="r">
+              <a:lnSpc>
+                <a:spcPct val="100000"/>
+              </a:lnSpc>
+              <a:spcBef>
+                <a:spcPts val="0"/>
+              </a:spcBef>
+              <a:spcAft>
+                <a:spcPts val="0"/>
+              </a:spcAft>
+              <a:buClr>
+                <a:srgbClr val="000000"/>
+              </a:buClr>
+              <a:buSzPts val="1200"/>
+              <a:buFont typeface="Arial"/>
+              <a:buNone/>
+              <a:defRPr b="0" i="0" sz="1200" u="none" cap="none" strike="noStrike">
+                <a:solidFill>
+                  <a:srgbClr val="888888"/>
+                </a:solidFill>
+                <a:latin typeface="Calibri"/>
+                <a:ea typeface="Calibri"/>
+                <a:cs typeface="Calibri"/>
+                <a:sym typeface="Calibri"/>
+              </a:defRPr>
             </a:lvl7pPr>
-            <a:lvl8pPr indent="0" lvl="7" marL="0" algn="r">
-              <a:spcBef>
-                <a:spcPts val="0"/>
-              </a:spcBef>
-              <a:buNone/>
-              <a:defRPr/>
+            <a:lvl8pPr indent="0" lvl="7" marL="0" marR="0" algn="r">
+              <a:lnSpc>
+                <a:spcPct val="100000"/>
+              </a:lnSpc>
+              <a:spcBef>
+                <a:spcPts val="0"/>
+              </a:spcBef>
+              <a:spcAft>
+                <a:spcPts val="0"/>
+              </a:spcAft>
+              <a:buClr>
+                <a:srgbClr val="000000"/>
+              </a:buClr>
+              <a:buSzPts val="1200"/>
+              <a:buFont typeface="Arial"/>
+              <a:buNone/>
+              <a:defRPr b="0" i="0" sz="1200" u="none" cap="none" strike="noStrike">
+                <a:solidFill>
+                  <a:srgbClr val="888888"/>
+                </a:solidFill>
+                <a:latin typeface="Calibri"/>
+                <a:ea typeface="Calibri"/>
+                <a:cs typeface="Calibri"/>
+                <a:sym typeface="Calibri"/>
+              </a:defRPr>
             </a:lvl8pPr>
-            <a:lvl9pPr indent="0" lvl="8" marL="0" algn="r">
-              <a:spcBef>
-                <a:spcPts val="0"/>
-              </a:spcBef>
-              <a:buNone/>
-              <a:defRPr/>
+            <a:lvl9pPr indent="0" lvl="8" marL="0" marR="0" algn="r">
+              <a:lnSpc>
+                <a:spcPct val="100000"/>
+              </a:lnSpc>
+              <a:spcBef>
+                <a:spcPts val="0"/>
+              </a:spcBef>
+              <a:spcAft>
+                <a:spcPts val="0"/>
+              </a:spcAft>
+              <a:buClr>
+                <a:srgbClr val="000000"/>
+              </a:buClr>
+              <a:buSzPts val="1200"/>
+              <a:buFont typeface="Arial"/>
+              <a:buNone/>
+              <a:defRPr b="0" i="0" sz="1200" u="none" cap="none" strike="noStrike">
+                <a:solidFill>
+                  <a:srgbClr val="888888"/>
+                </a:solidFill>
+                <a:latin typeface="Calibri"/>
+                <a:ea typeface="Calibri"/>
+                <a:cs typeface="Calibri"/>
+                <a:sym typeface="Calibri"/>
+              </a:defRPr>
             </a:lvl9pPr>
           </a:lstStyle>
           <a:p>
@@ -8085,7 +10563,10 @@
               <a:buNone/>
               <a:defRPr sz="3200"/>
             </a:lvl1pPr>
-            <a:lvl2pPr lvl="1">
+            <a:lvl2pPr lvl="1" algn="l">
+              <a:lnSpc>
+                <a:spcPct val="100000"/>
+              </a:lnSpc>
               <a:spcBef>
                 <a:spcPts val="0"/>
               </a:spcBef>
@@ -8096,7 +10577,10 @@
               <a:buNone/>
               <a:defRPr/>
             </a:lvl2pPr>
-            <a:lvl3pPr lvl="2">
+            <a:lvl3pPr lvl="2" algn="l">
+              <a:lnSpc>
+                <a:spcPct val="100000"/>
+              </a:lnSpc>
               <a:spcBef>
                 <a:spcPts val="0"/>
               </a:spcBef>
@@ -8107,7 +10591,10 @@
               <a:buNone/>
               <a:defRPr/>
             </a:lvl3pPr>
-            <a:lvl4pPr lvl="3">
+            <a:lvl4pPr lvl="3" algn="l">
+              <a:lnSpc>
+                <a:spcPct val="100000"/>
+              </a:lnSpc>
               <a:spcBef>
                 <a:spcPts val="0"/>
               </a:spcBef>
@@ -8118,7 +10605,10 @@
               <a:buNone/>
               <a:defRPr/>
             </a:lvl4pPr>
-            <a:lvl5pPr lvl="4">
+            <a:lvl5pPr lvl="4" algn="l">
+              <a:lnSpc>
+                <a:spcPct val="100000"/>
+              </a:lnSpc>
               <a:spcBef>
                 <a:spcPts val="0"/>
               </a:spcBef>
@@ -8129,7 +10619,10 @@
               <a:buNone/>
               <a:defRPr/>
             </a:lvl5pPr>
-            <a:lvl6pPr lvl="5">
+            <a:lvl6pPr lvl="5" algn="l">
+              <a:lnSpc>
+                <a:spcPct val="100000"/>
+              </a:lnSpc>
               <a:spcBef>
                 <a:spcPts val="0"/>
               </a:spcBef>
@@ -8140,7 +10633,10 @@
               <a:buNone/>
               <a:defRPr/>
             </a:lvl6pPr>
-            <a:lvl7pPr lvl="6">
+            <a:lvl7pPr lvl="6" algn="l">
+              <a:lnSpc>
+                <a:spcPct val="100000"/>
+              </a:lnSpc>
               <a:spcBef>
                 <a:spcPts val="0"/>
               </a:spcBef>
@@ -8151,7 +10647,10 @@
               <a:buNone/>
               <a:defRPr/>
             </a:lvl7pPr>
-            <a:lvl8pPr lvl="7">
+            <a:lvl8pPr lvl="7" algn="l">
+              <a:lnSpc>
+                <a:spcPct val="100000"/>
+              </a:lnSpc>
               <a:spcBef>
                 <a:spcPts val="0"/>
               </a:spcBef>
@@ -8162,7 +10661,10 @@
               <a:buNone/>
               <a:defRPr/>
             </a:lvl8pPr>
-            <a:lvl9pPr lvl="8">
+            <a:lvl9pPr lvl="8" algn="l">
+              <a:lnSpc>
+                <a:spcPct val="100000"/>
+              </a:lnSpc>
               <a:spcBef>
                 <a:spcPts val="0"/>
               </a:spcBef>
@@ -8570,6 +11072,9 @@
           </a:bodyPr>
           <a:lstStyle>
             <a:lvl1pPr lvl="0" algn="l">
+              <a:lnSpc>
+                <a:spcPct val="100000"/>
+              </a:lnSpc>
               <a:spcBef>
                 <a:spcPts val="0"/>
               </a:spcBef>
@@ -8581,6 +11086,9 @@
               <a:defRPr/>
             </a:lvl1pPr>
             <a:lvl2pPr lvl="1" algn="l">
+              <a:lnSpc>
+                <a:spcPct val="100000"/>
+              </a:lnSpc>
               <a:spcBef>
                 <a:spcPts val="0"/>
               </a:spcBef>
@@ -8592,6 +11100,9 @@
               <a:defRPr/>
             </a:lvl2pPr>
             <a:lvl3pPr lvl="2" algn="l">
+              <a:lnSpc>
+                <a:spcPct val="100000"/>
+              </a:lnSpc>
               <a:spcBef>
                 <a:spcPts val="0"/>
               </a:spcBef>
@@ -8603,6 +11114,9 @@
               <a:defRPr/>
             </a:lvl3pPr>
             <a:lvl4pPr lvl="3" algn="l">
+              <a:lnSpc>
+                <a:spcPct val="100000"/>
+              </a:lnSpc>
               <a:spcBef>
                 <a:spcPts val="0"/>
               </a:spcBef>
@@ -8614,6 +11128,9 @@
               <a:defRPr/>
             </a:lvl4pPr>
             <a:lvl5pPr lvl="4" algn="l">
+              <a:lnSpc>
+                <a:spcPct val="100000"/>
+              </a:lnSpc>
               <a:spcBef>
                 <a:spcPts val="0"/>
               </a:spcBef>
@@ -8625,6 +11142,9 @@
               <a:defRPr/>
             </a:lvl5pPr>
             <a:lvl6pPr lvl="5" algn="l">
+              <a:lnSpc>
+                <a:spcPct val="100000"/>
+              </a:lnSpc>
               <a:spcBef>
                 <a:spcPts val="0"/>
               </a:spcBef>
@@ -8636,6 +11156,9 @@
               <a:defRPr/>
             </a:lvl6pPr>
             <a:lvl7pPr lvl="6" algn="l">
+              <a:lnSpc>
+                <a:spcPct val="100000"/>
+              </a:lnSpc>
               <a:spcBef>
                 <a:spcPts val="0"/>
               </a:spcBef>
@@ -8647,6 +11170,9 @@
               <a:defRPr/>
             </a:lvl7pPr>
             <a:lvl8pPr lvl="7" algn="l">
+              <a:lnSpc>
+                <a:spcPct val="100000"/>
+              </a:lnSpc>
               <a:spcBef>
                 <a:spcPts val="0"/>
               </a:spcBef>
@@ -8658,6 +11184,9 @@
               <a:defRPr/>
             </a:lvl8pPr>
             <a:lvl9pPr lvl="8" algn="l">
+              <a:lnSpc>
+                <a:spcPct val="100000"/>
+              </a:lnSpc>
               <a:spcBef>
                 <a:spcPts val="0"/>
               </a:spcBef>
@@ -8699,6 +11228,9 @@
           </a:bodyPr>
           <a:lstStyle>
             <a:lvl1pPr lvl="0" algn="ctr">
+              <a:lnSpc>
+                <a:spcPct val="100000"/>
+              </a:lnSpc>
               <a:spcBef>
                 <a:spcPts val="0"/>
               </a:spcBef>
@@ -8710,6 +11242,9 @@
               <a:defRPr/>
             </a:lvl1pPr>
             <a:lvl2pPr lvl="1" algn="l">
+              <a:lnSpc>
+                <a:spcPct val="100000"/>
+              </a:lnSpc>
               <a:spcBef>
                 <a:spcPts val="0"/>
               </a:spcBef>
@@ -8721,6 +11256,9 @@
               <a:defRPr/>
             </a:lvl2pPr>
             <a:lvl3pPr lvl="2" algn="l">
+              <a:lnSpc>
+                <a:spcPct val="100000"/>
+              </a:lnSpc>
               <a:spcBef>
                 <a:spcPts val="0"/>
               </a:spcBef>
@@ -8732,6 +11270,9 @@
               <a:defRPr/>
             </a:lvl3pPr>
             <a:lvl4pPr lvl="3" algn="l">
+              <a:lnSpc>
+                <a:spcPct val="100000"/>
+              </a:lnSpc>
               <a:spcBef>
                 <a:spcPts val="0"/>
               </a:spcBef>
@@ -8743,6 +11284,9 @@
               <a:defRPr/>
             </a:lvl4pPr>
             <a:lvl5pPr lvl="4" algn="l">
+              <a:lnSpc>
+                <a:spcPct val="100000"/>
+              </a:lnSpc>
               <a:spcBef>
                 <a:spcPts val="0"/>
               </a:spcBef>
@@ -8754,6 +11298,9 @@
               <a:defRPr/>
             </a:lvl5pPr>
             <a:lvl6pPr lvl="5" algn="l">
+              <a:lnSpc>
+                <a:spcPct val="100000"/>
+              </a:lnSpc>
               <a:spcBef>
                 <a:spcPts val="0"/>
               </a:spcBef>
@@ -8765,6 +11312,9 @@
               <a:defRPr/>
             </a:lvl6pPr>
             <a:lvl7pPr lvl="6" algn="l">
+              <a:lnSpc>
+                <a:spcPct val="100000"/>
+              </a:lnSpc>
               <a:spcBef>
                 <a:spcPts val="0"/>
               </a:spcBef>
@@ -8776,6 +11326,9 @@
               <a:defRPr/>
             </a:lvl7pPr>
             <a:lvl8pPr lvl="7" algn="l">
+              <a:lnSpc>
+                <a:spcPct val="100000"/>
+              </a:lnSpc>
               <a:spcBef>
                 <a:spcPts val="0"/>
               </a:spcBef>
@@ -8787,6 +11340,9 @@
               <a:defRPr/>
             </a:lvl8pPr>
             <a:lvl9pPr lvl="8" algn="l">
+              <a:lnSpc>
+                <a:spcPct val="100000"/>
+              </a:lnSpc>
               <a:spcBef>
                 <a:spcPts val="0"/>
               </a:spcBef>
@@ -8827,68 +11383,239 @@
             <a:noAutofit/>
           </a:bodyPr>
           <a:lstStyle>
-            <a:lvl1pPr indent="0" lvl="0" marL="0" algn="r">
-              <a:spcBef>
-                <a:spcPts val="0"/>
-              </a:spcBef>
-              <a:buNone/>
-              <a:defRPr/>
+            <a:lvl1pPr indent="0" lvl="0" marL="0" marR="0" algn="r">
+              <a:lnSpc>
+                <a:spcPct val="100000"/>
+              </a:lnSpc>
+              <a:spcBef>
+                <a:spcPts val="0"/>
+              </a:spcBef>
+              <a:spcAft>
+                <a:spcPts val="0"/>
+              </a:spcAft>
+              <a:buClr>
+                <a:srgbClr val="000000"/>
+              </a:buClr>
+              <a:buSzPts val="1200"/>
+              <a:buFont typeface="Arial"/>
+              <a:buNone/>
+              <a:defRPr b="0" i="0" sz="1200" u="none" cap="none" strike="noStrike">
+                <a:solidFill>
+                  <a:srgbClr val="888888"/>
+                </a:solidFill>
+                <a:latin typeface="Calibri"/>
+                <a:ea typeface="Calibri"/>
+                <a:cs typeface="Calibri"/>
+                <a:sym typeface="Calibri"/>
+              </a:defRPr>
             </a:lvl1pPr>
-            <a:lvl2pPr indent="0" lvl="1" marL="0" algn="r">
-              <a:spcBef>
-                <a:spcPts val="0"/>
-              </a:spcBef>
-              <a:buNone/>
-              <a:defRPr/>
+            <a:lvl2pPr indent="0" lvl="1" marL="0" marR="0" algn="r">
+              <a:lnSpc>
+                <a:spcPct val="100000"/>
+              </a:lnSpc>
+              <a:spcBef>
+                <a:spcPts val="0"/>
+              </a:spcBef>
+              <a:spcAft>
+                <a:spcPts val="0"/>
+              </a:spcAft>
+              <a:buClr>
+                <a:srgbClr val="000000"/>
+              </a:buClr>
+              <a:buSzPts val="1200"/>
+              <a:buFont typeface="Arial"/>
+              <a:buNone/>
+              <a:defRPr b="0" i="0" sz="1200" u="none" cap="none" strike="noStrike">
+                <a:solidFill>
+                  <a:srgbClr val="888888"/>
+                </a:solidFill>
+                <a:latin typeface="Calibri"/>
+                <a:ea typeface="Calibri"/>
+                <a:cs typeface="Calibri"/>
+                <a:sym typeface="Calibri"/>
+              </a:defRPr>
             </a:lvl2pPr>
-            <a:lvl3pPr indent="0" lvl="2" marL="0" algn="r">
-              <a:spcBef>
-                <a:spcPts val="0"/>
-              </a:spcBef>
-              <a:buNone/>
-              <a:defRPr/>
+            <a:lvl3pPr indent="0" lvl="2" marL="0" marR="0" algn="r">
+              <a:lnSpc>
+                <a:spcPct val="100000"/>
+              </a:lnSpc>
+              <a:spcBef>
+                <a:spcPts val="0"/>
+              </a:spcBef>
+              <a:spcAft>
+                <a:spcPts val="0"/>
+              </a:spcAft>
+              <a:buClr>
+                <a:srgbClr val="000000"/>
+              </a:buClr>
+              <a:buSzPts val="1200"/>
+              <a:buFont typeface="Arial"/>
+              <a:buNone/>
+              <a:defRPr b="0" i="0" sz="1200" u="none" cap="none" strike="noStrike">
+                <a:solidFill>
+                  <a:srgbClr val="888888"/>
+                </a:solidFill>
+                <a:latin typeface="Calibri"/>
+                <a:ea typeface="Calibri"/>
+                <a:cs typeface="Calibri"/>
+                <a:sym typeface="Calibri"/>
+              </a:defRPr>
             </a:lvl3pPr>
-            <a:lvl4pPr indent="0" lvl="3" marL="0" algn="r">
-              <a:spcBef>
-                <a:spcPts val="0"/>
-              </a:spcBef>
-              <a:buNone/>
-              <a:defRPr/>
+            <a:lvl4pPr indent="0" lvl="3" marL="0" marR="0" algn="r">
+              <a:lnSpc>
+                <a:spcPct val="100000"/>
+              </a:lnSpc>
+              <a:spcBef>
+                <a:spcPts val="0"/>
+              </a:spcBef>
+              <a:spcAft>
+                <a:spcPts val="0"/>
+              </a:spcAft>
+              <a:buClr>
+                <a:srgbClr val="000000"/>
+              </a:buClr>
+              <a:buSzPts val="1200"/>
+              <a:buFont typeface="Arial"/>
+              <a:buNone/>
+              <a:defRPr b="0" i="0" sz="1200" u="none" cap="none" strike="noStrike">
+                <a:solidFill>
+                  <a:srgbClr val="888888"/>
+                </a:solidFill>
+                <a:latin typeface="Calibri"/>
+                <a:ea typeface="Calibri"/>
+                <a:cs typeface="Calibri"/>
+                <a:sym typeface="Calibri"/>
+              </a:defRPr>
             </a:lvl4pPr>
-            <a:lvl5pPr indent="0" lvl="4" marL="0" algn="r">
-              <a:spcBef>
-                <a:spcPts val="0"/>
-              </a:spcBef>
-              <a:buNone/>
-              <a:defRPr/>
+            <a:lvl5pPr indent="0" lvl="4" marL="0" marR="0" algn="r">
+              <a:lnSpc>
+                <a:spcPct val="100000"/>
+              </a:lnSpc>
+              <a:spcBef>
+                <a:spcPts val="0"/>
+              </a:spcBef>
+              <a:spcAft>
+                <a:spcPts val="0"/>
+              </a:spcAft>
+              <a:buClr>
+                <a:srgbClr val="000000"/>
+              </a:buClr>
+              <a:buSzPts val="1200"/>
+              <a:buFont typeface="Arial"/>
+              <a:buNone/>
+              <a:defRPr b="0" i="0" sz="1200" u="none" cap="none" strike="noStrike">
+                <a:solidFill>
+                  <a:srgbClr val="888888"/>
+                </a:solidFill>
+                <a:latin typeface="Calibri"/>
+                <a:ea typeface="Calibri"/>
+                <a:cs typeface="Calibri"/>
+                <a:sym typeface="Calibri"/>
+              </a:defRPr>
             </a:lvl5pPr>
-            <a:lvl6pPr indent="0" lvl="5" marL="0" algn="r">
-              <a:spcBef>
-                <a:spcPts val="0"/>
-              </a:spcBef>
-              <a:buNone/>
-              <a:defRPr/>
+            <a:lvl6pPr indent="0" lvl="5" marL="0" marR="0" algn="r">
+              <a:lnSpc>
+                <a:spcPct val="100000"/>
+              </a:lnSpc>
+              <a:spcBef>
+                <a:spcPts val="0"/>
+              </a:spcBef>
+              <a:spcAft>
+                <a:spcPts val="0"/>
+              </a:spcAft>
+              <a:buClr>
+                <a:srgbClr val="000000"/>
+              </a:buClr>
+              <a:buSzPts val="1200"/>
+              <a:buFont typeface="Arial"/>
+              <a:buNone/>
+              <a:defRPr b="0" i="0" sz="1200" u="none" cap="none" strike="noStrike">
+                <a:solidFill>
+                  <a:srgbClr val="888888"/>
+                </a:solidFill>
+                <a:latin typeface="Calibri"/>
+                <a:ea typeface="Calibri"/>
+                <a:cs typeface="Calibri"/>
+                <a:sym typeface="Calibri"/>
+              </a:defRPr>
             </a:lvl6pPr>
-            <a:lvl7pPr indent="0" lvl="6" marL="0" algn="r">
-              <a:spcBef>
-                <a:spcPts val="0"/>
-              </a:spcBef>
-              <a:buNone/>
-              <a:defRPr/>
+            <a:lvl7pPr indent="0" lvl="6" marL="0" marR="0" algn="r">
+              <a:lnSpc>
+                <a:spcPct val="100000"/>
+              </a:lnSpc>
+              <a:spcBef>
+                <a:spcPts val="0"/>
+              </a:spcBef>
+              <a:spcAft>
+                <a:spcPts val="0"/>
+              </a:spcAft>
+              <a:buClr>
+                <a:srgbClr val="000000"/>
+              </a:buClr>
+              <a:buSzPts val="1200"/>
+              <a:buFont typeface="Arial"/>
+              <a:buNone/>
+              <a:defRPr b="0" i="0" sz="1200" u="none" cap="none" strike="noStrike">
+                <a:solidFill>
+                  <a:srgbClr val="888888"/>
+                </a:solidFill>
+                <a:latin typeface="Calibri"/>
+                <a:ea typeface="Calibri"/>
+                <a:cs typeface="Calibri"/>
+                <a:sym typeface="Calibri"/>
+              </a:defRPr>
             </a:lvl7pPr>
-            <a:lvl8pPr indent="0" lvl="7" marL="0" algn="r">
-              <a:spcBef>
-                <a:spcPts val="0"/>
-              </a:spcBef>
-              <a:buNone/>
-              <a:defRPr/>
+            <a:lvl8pPr indent="0" lvl="7" marL="0" marR="0" algn="r">
+              <a:lnSpc>
+                <a:spcPct val="100000"/>
+              </a:lnSpc>
+              <a:spcBef>
+                <a:spcPts val="0"/>
+              </a:spcBef>
+              <a:spcAft>
+                <a:spcPts val="0"/>
+              </a:spcAft>
+              <a:buClr>
+                <a:srgbClr val="000000"/>
+              </a:buClr>
+              <a:buSzPts val="1200"/>
+              <a:buFont typeface="Arial"/>
+              <a:buNone/>
+              <a:defRPr b="0" i="0" sz="1200" u="none" cap="none" strike="noStrike">
+                <a:solidFill>
+                  <a:srgbClr val="888888"/>
+                </a:solidFill>
+                <a:latin typeface="Calibri"/>
+                <a:ea typeface="Calibri"/>
+                <a:cs typeface="Calibri"/>
+                <a:sym typeface="Calibri"/>
+              </a:defRPr>
             </a:lvl8pPr>
-            <a:lvl9pPr indent="0" lvl="8" marL="0" algn="r">
-              <a:spcBef>
-                <a:spcPts val="0"/>
-              </a:spcBef>
-              <a:buNone/>
-              <a:defRPr/>
+            <a:lvl9pPr indent="0" lvl="8" marL="0" marR="0" algn="r">
+              <a:lnSpc>
+                <a:spcPct val="100000"/>
+              </a:lnSpc>
+              <a:spcBef>
+                <a:spcPts val="0"/>
+              </a:spcBef>
+              <a:spcAft>
+                <a:spcPts val="0"/>
+              </a:spcAft>
+              <a:buClr>
+                <a:srgbClr val="000000"/>
+              </a:buClr>
+              <a:buSzPts val="1200"/>
+              <a:buFont typeface="Arial"/>
+              <a:buNone/>
+              <a:defRPr b="0" i="0" sz="1200" u="none" cap="none" strike="noStrike">
+                <a:solidFill>
+                  <a:srgbClr val="888888"/>
+                </a:solidFill>
+                <a:latin typeface="Calibri"/>
+                <a:ea typeface="Calibri"/>
+                <a:cs typeface="Calibri"/>
+                <a:sym typeface="Calibri"/>
+              </a:defRPr>
             </a:lvl9pPr>
           </a:lstStyle>
           <a:p>
@@ -8978,7 +11705,10 @@
               <a:buNone/>
               <a:defRPr sz="3200"/>
             </a:lvl1pPr>
-            <a:lvl2pPr lvl="1">
+            <a:lvl2pPr lvl="1" algn="l">
+              <a:lnSpc>
+                <a:spcPct val="100000"/>
+              </a:lnSpc>
               <a:spcBef>
                 <a:spcPts val="0"/>
               </a:spcBef>
@@ -8989,7 +11719,10 @@
               <a:buNone/>
               <a:defRPr/>
             </a:lvl2pPr>
-            <a:lvl3pPr lvl="2">
+            <a:lvl3pPr lvl="2" algn="l">
+              <a:lnSpc>
+                <a:spcPct val="100000"/>
+              </a:lnSpc>
               <a:spcBef>
                 <a:spcPts val="0"/>
               </a:spcBef>
@@ -9000,7 +11733,10 @@
               <a:buNone/>
               <a:defRPr/>
             </a:lvl3pPr>
-            <a:lvl4pPr lvl="3">
+            <a:lvl4pPr lvl="3" algn="l">
+              <a:lnSpc>
+                <a:spcPct val="100000"/>
+              </a:lnSpc>
               <a:spcBef>
                 <a:spcPts val="0"/>
               </a:spcBef>
@@ -9011,7 +11747,10 @@
               <a:buNone/>
               <a:defRPr/>
             </a:lvl4pPr>
-            <a:lvl5pPr lvl="4">
+            <a:lvl5pPr lvl="4" algn="l">
+              <a:lnSpc>
+                <a:spcPct val="100000"/>
+              </a:lnSpc>
               <a:spcBef>
                 <a:spcPts val="0"/>
               </a:spcBef>
@@ -9022,7 +11761,10 @@
               <a:buNone/>
               <a:defRPr/>
             </a:lvl5pPr>
-            <a:lvl6pPr lvl="5">
+            <a:lvl6pPr lvl="5" algn="l">
+              <a:lnSpc>
+                <a:spcPct val="100000"/>
+              </a:lnSpc>
               <a:spcBef>
                 <a:spcPts val="0"/>
               </a:spcBef>
@@ -9033,7 +11775,10 @@
               <a:buNone/>
               <a:defRPr/>
             </a:lvl6pPr>
-            <a:lvl7pPr lvl="6">
+            <a:lvl7pPr lvl="6" algn="l">
+              <a:lnSpc>
+                <a:spcPct val="100000"/>
+              </a:lnSpc>
               <a:spcBef>
                 <a:spcPts val="0"/>
               </a:spcBef>
@@ -9044,7 +11789,10 @@
               <a:buNone/>
               <a:defRPr/>
             </a:lvl7pPr>
-            <a:lvl8pPr lvl="7">
+            <a:lvl8pPr lvl="7" algn="l">
+              <a:lnSpc>
+                <a:spcPct val="100000"/>
+              </a:lnSpc>
               <a:spcBef>
                 <a:spcPts val="0"/>
               </a:spcBef>
@@ -9055,7 +11803,10 @@
               <a:buNone/>
               <a:defRPr/>
             </a:lvl8pPr>
-            <a:lvl9pPr lvl="8">
+            <a:lvl9pPr lvl="8" algn="l">
+              <a:lnSpc>
+                <a:spcPct val="100000"/>
+              </a:lnSpc>
               <a:spcBef>
                 <a:spcPts val="0"/>
               </a:spcBef>
@@ -9302,6 +12053,9 @@
           </a:bodyPr>
           <a:lstStyle>
             <a:lvl1pPr lvl="0" algn="l">
+              <a:lnSpc>
+                <a:spcPct val="100000"/>
+              </a:lnSpc>
               <a:spcBef>
                 <a:spcPts val="0"/>
               </a:spcBef>
@@ -9313,6 +12067,9 @@
               <a:defRPr/>
             </a:lvl1pPr>
             <a:lvl2pPr lvl="1" algn="l">
+              <a:lnSpc>
+                <a:spcPct val="100000"/>
+              </a:lnSpc>
               <a:spcBef>
                 <a:spcPts val="0"/>
               </a:spcBef>
@@ -9324,6 +12081,9 @@
               <a:defRPr/>
             </a:lvl2pPr>
             <a:lvl3pPr lvl="2" algn="l">
+              <a:lnSpc>
+                <a:spcPct val="100000"/>
+              </a:lnSpc>
               <a:spcBef>
                 <a:spcPts val="0"/>
               </a:spcBef>
@@ -9335,6 +12095,9 @@
               <a:defRPr/>
             </a:lvl3pPr>
             <a:lvl4pPr lvl="3" algn="l">
+              <a:lnSpc>
+                <a:spcPct val="100000"/>
+              </a:lnSpc>
               <a:spcBef>
                 <a:spcPts val="0"/>
               </a:spcBef>
@@ -9346,6 +12109,9 @@
               <a:defRPr/>
             </a:lvl4pPr>
             <a:lvl5pPr lvl="4" algn="l">
+              <a:lnSpc>
+                <a:spcPct val="100000"/>
+              </a:lnSpc>
               <a:spcBef>
                 <a:spcPts val="0"/>
               </a:spcBef>
@@ -9357,6 +12123,9 @@
               <a:defRPr/>
             </a:lvl5pPr>
             <a:lvl6pPr lvl="5" algn="l">
+              <a:lnSpc>
+                <a:spcPct val="100000"/>
+              </a:lnSpc>
               <a:spcBef>
                 <a:spcPts val="0"/>
               </a:spcBef>
@@ -9368,6 +12137,9 @@
               <a:defRPr/>
             </a:lvl6pPr>
             <a:lvl7pPr lvl="6" algn="l">
+              <a:lnSpc>
+                <a:spcPct val="100000"/>
+              </a:lnSpc>
               <a:spcBef>
                 <a:spcPts val="0"/>
               </a:spcBef>
@@ -9379,6 +12151,9 @@
               <a:defRPr/>
             </a:lvl7pPr>
             <a:lvl8pPr lvl="7" algn="l">
+              <a:lnSpc>
+                <a:spcPct val="100000"/>
+              </a:lnSpc>
               <a:spcBef>
                 <a:spcPts val="0"/>
               </a:spcBef>
@@ -9390,6 +12165,9 @@
               <a:defRPr/>
             </a:lvl8pPr>
             <a:lvl9pPr lvl="8" algn="l">
+              <a:lnSpc>
+                <a:spcPct val="100000"/>
+              </a:lnSpc>
               <a:spcBef>
                 <a:spcPts val="0"/>
               </a:spcBef>
@@ -9431,6 +12209,9 @@
           </a:bodyPr>
           <a:lstStyle>
             <a:lvl1pPr lvl="0" algn="ctr">
+              <a:lnSpc>
+                <a:spcPct val="100000"/>
+              </a:lnSpc>
               <a:spcBef>
                 <a:spcPts val="0"/>
               </a:spcBef>
@@ -9442,6 +12223,9 @@
               <a:defRPr/>
             </a:lvl1pPr>
             <a:lvl2pPr lvl="1" algn="l">
+              <a:lnSpc>
+                <a:spcPct val="100000"/>
+              </a:lnSpc>
               <a:spcBef>
                 <a:spcPts val="0"/>
               </a:spcBef>
@@ -9453,6 +12237,9 @@
               <a:defRPr/>
             </a:lvl2pPr>
             <a:lvl3pPr lvl="2" algn="l">
+              <a:lnSpc>
+                <a:spcPct val="100000"/>
+              </a:lnSpc>
               <a:spcBef>
                 <a:spcPts val="0"/>
               </a:spcBef>
@@ -9464,6 +12251,9 @@
               <a:defRPr/>
             </a:lvl3pPr>
             <a:lvl4pPr lvl="3" algn="l">
+              <a:lnSpc>
+                <a:spcPct val="100000"/>
+              </a:lnSpc>
               <a:spcBef>
                 <a:spcPts val="0"/>
               </a:spcBef>
@@ -9475,6 +12265,9 @@
               <a:defRPr/>
             </a:lvl4pPr>
             <a:lvl5pPr lvl="4" algn="l">
+              <a:lnSpc>
+                <a:spcPct val="100000"/>
+              </a:lnSpc>
               <a:spcBef>
                 <a:spcPts val="0"/>
               </a:spcBef>
@@ -9486,6 +12279,9 @@
               <a:defRPr/>
             </a:lvl5pPr>
             <a:lvl6pPr lvl="5" algn="l">
+              <a:lnSpc>
+                <a:spcPct val="100000"/>
+              </a:lnSpc>
               <a:spcBef>
                 <a:spcPts val="0"/>
               </a:spcBef>
@@ -9497,6 +12293,9 @@
               <a:defRPr/>
             </a:lvl6pPr>
             <a:lvl7pPr lvl="6" algn="l">
+              <a:lnSpc>
+                <a:spcPct val="100000"/>
+              </a:lnSpc>
               <a:spcBef>
                 <a:spcPts val="0"/>
               </a:spcBef>
@@ -9508,6 +12307,9 @@
               <a:defRPr/>
             </a:lvl7pPr>
             <a:lvl8pPr lvl="7" algn="l">
+              <a:lnSpc>
+                <a:spcPct val="100000"/>
+              </a:lnSpc>
               <a:spcBef>
                 <a:spcPts val="0"/>
               </a:spcBef>
@@ -9519,6 +12321,9 @@
               <a:defRPr/>
             </a:lvl8pPr>
             <a:lvl9pPr lvl="8" algn="l">
+              <a:lnSpc>
+                <a:spcPct val="100000"/>
+              </a:lnSpc>
               <a:spcBef>
                 <a:spcPts val="0"/>
               </a:spcBef>
@@ -9559,68 +12364,239 @@
             <a:noAutofit/>
           </a:bodyPr>
           <a:lstStyle>
-            <a:lvl1pPr indent="0" lvl="0" marL="0" algn="r">
-              <a:spcBef>
-                <a:spcPts val="0"/>
-              </a:spcBef>
-              <a:buNone/>
-              <a:defRPr/>
+            <a:lvl1pPr indent="0" lvl="0" marL="0" marR="0" algn="r">
+              <a:lnSpc>
+                <a:spcPct val="100000"/>
+              </a:lnSpc>
+              <a:spcBef>
+                <a:spcPts val="0"/>
+              </a:spcBef>
+              <a:spcAft>
+                <a:spcPts val="0"/>
+              </a:spcAft>
+              <a:buClr>
+                <a:srgbClr val="000000"/>
+              </a:buClr>
+              <a:buSzPts val="1200"/>
+              <a:buFont typeface="Arial"/>
+              <a:buNone/>
+              <a:defRPr b="0" i="0" sz="1200" u="none" cap="none" strike="noStrike">
+                <a:solidFill>
+                  <a:srgbClr val="888888"/>
+                </a:solidFill>
+                <a:latin typeface="Calibri"/>
+                <a:ea typeface="Calibri"/>
+                <a:cs typeface="Calibri"/>
+                <a:sym typeface="Calibri"/>
+              </a:defRPr>
             </a:lvl1pPr>
-            <a:lvl2pPr indent="0" lvl="1" marL="0" algn="r">
-              <a:spcBef>
-                <a:spcPts val="0"/>
-              </a:spcBef>
-              <a:buNone/>
-              <a:defRPr/>
+            <a:lvl2pPr indent="0" lvl="1" marL="0" marR="0" algn="r">
+              <a:lnSpc>
+                <a:spcPct val="100000"/>
+              </a:lnSpc>
+              <a:spcBef>
+                <a:spcPts val="0"/>
+              </a:spcBef>
+              <a:spcAft>
+                <a:spcPts val="0"/>
+              </a:spcAft>
+              <a:buClr>
+                <a:srgbClr val="000000"/>
+              </a:buClr>
+              <a:buSzPts val="1200"/>
+              <a:buFont typeface="Arial"/>
+              <a:buNone/>
+              <a:defRPr b="0" i="0" sz="1200" u="none" cap="none" strike="noStrike">
+                <a:solidFill>
+                  <a:srgbClr val="888888"/>
+                </a:solidFill>
+                <a:latin typeface="Calibri"/>
+                <a:ea typeface="Calibri"/>
+                <a:cs typeface="Calibri"/>
+                <a:sym typeface="Calibri"/>
+              </a:defRPr>
             </a:lvl2pPr>
-            <a:lvl3pPr indent="0" lvl="2" marL="0" algn="r">
-              <a:spcBef>
-                <a:spcPts val="0"/>
-              </a:spcBef>
-              <a:buNone/>
-              <a:defRPr/>
+            <a:lvl3pPr indent="0" lvl="2" marL="0" marR="0" algn="r">
+              <a:lnSpc>
+                <a:spcPct val="100000"/>
+              </a:lnSpc>
+              <a:spcBef>
+                <a:spcPts val="0"/>
+              </a:spcBef>
+              <a:spcAft>
+                <a:spcPts val="0"/>
+              </a:spcAft>
+              <a:buClr>
+                <a:srgbClr val="000000"/>
+              </a:buClr>
+              <a:buSzPts val="1200"/>
+              <a:buFont typeface="Arial"/>
+              <a:buNone/>
+              <a:defRPr b="0" i="0" sz="1200" u="none" cap="none" strike="noStrike">
+                <a:solidFill>
+                  <a:srgbClr val="888888"/>
+                </a:solidFill>
+                <a:latin typeface="Calibri"/>
+                <a:ea typeface="Calibri"/>
+                <a:cs typeface="Calibri"/>
+                <a:sym typeface="Calibri"/>
+              </a:defRPr>
             </a:lvl3pPr>
-            <a:lvl4pPr indent="0" lvl="3" marL="0" algn="r">
-              <a:spcBef>
-                <a:spcPts val="0"/>
-              </a:spcBef>
-              <a:buNone/>
-              <a:defRPr/>
+            <a:lvl4pPr indent="0" lvl="3" marL="0" marR="0" algn="r">
+              <a:lnSpc>
+                <a:spcPct val="100000"/>
+              </a:lnSpc>
+              <a:spcBef>
+                <a:spcPts val="0"/>
+              </a:spcBef>
+              <a:spcAft>
+                <a:spcPts val="0"/>
+              </a:spcAft>
+              <a:buClr>
+                <a:srgbClr val="000000"/>
+              </a:buClr>
+              <a:buSzPts val="1200"/>
+              <a:buFont typeface="Arial"/>
+              <a:buNone/>
+              <a:defRPr b="0" i="0" sz="1200" u="none" cap="none" strike="noStrike">
+                <a:solidFill>
+                  <a:srgbClr val="888888"/>
+                </a:solidFill>
+                <a:latin typeface="Calibri"/>
+                <a:ea typeface="Calibri"/>
+                <a:cs typeface="Calibri"/>
+                <a:sym typeface="Calibri"/>
+              </a:defRPr>
             </a:lvl4pPr>
-            <a:lvl5pPr indent="0" lvl="4" marL="0" algn="r">
-              <a:spcBef>
-                <a:spcPts val="0"/>
-              </a:spcBef>
-              <a:buNone/>
-              <a:defRPr/>
+            <a:lvl5pPr indent="0" lvl="4" marL="0" marR="0" algn="r">
+              <a:lnSpc>
+                <a:spcPct val="100000"/>
+              </a:lnSpc>
+              <a:spcBef>
+                <a:spcPts val="0"/>
+              </a:spcBef>
+              <a:spcAft>
+                <a:spcPts val="0"/>
+              </a:spcAft>
+              <a:buClr>
+                <a:srgbClr val="000000"/>
+              </a:buClr>
+              <a:buSzPts val="1200"/>
+              <a:buFont typeface="Arial"/>
+              <a:buNone/>
+              <a:defRPr b="0" i="0" sz="1200" u="none" cap="none" strike="noStrike">
+                <a:solidFill>
+                  <a:srgbClr val="888888"/>
+                </a:solidFill>
+                <a:latin typeface="Calibri"/>
+                <a:ea typeface="Calibri"/>
+                <a:cs typeface="Calibri"/>
+                <a:sym typeface="Calibri"/>
+              </a:defRPr>
             </a:lvl5pPr>
-            <a:lvl6pPr indent="0" lvl="5" marL="0" algn="r">
-              <a:spcBef>
-                <a:spcPts val="0"/>
-              </a:spcBef>
-              <a:buNone/>
-              <a:defRPr/>
+            <a:lvl6pPr indent="0" lvl="5" marL="0" marR="0" algn="r">
+              <a:lnSpc>
+                <a:spcPct val="100000"/>
+              </a:lnSpc>
+              <a:spcBef>
+                <a:spcPts val="0"/>
+              </a:spcBef>
+              <a:spcAft>
+                <a:spcPts val="0"/>
+              </a:spcAft>
+              <a:buClr>
+                <a:srgbClr val="000000"/>
+              </a:buClr>
+              <a:buSzPts val="1200"/>
+              <a:buFont typeface="Arial"/>
+              <a:buNone/>
+              <a:defRPr b="0" i="0" sz="1200" u="none" cap="none" strike="noStrike">
+                <a:solidFill>
+                  <a:srgbClr val="888888"/>
+                </a:solidFill>
+                <a:latin typeface="Calibri"/>
+                <a:ea typeface="Calibri"/>
+                <a:cs typeface="Calibri"/>
+                <a:sym typeface="Calibri"/>
+              </a:defRPr>
             </a:lvl6pPr>
-            <a:lvl7pPr indent="0" lvl="6" marL="0" algn="r">
-              <a:spcBef>
-                <a:spcPts val="0"/>
-              </a:spcBef>
-              <a:buNone/>
-              <a:defRPr/>
+            <a:lvl7pPr indent="0" lvl="6" marL="0" marR="0" algn="r">
+              <a:lnSpc>
+                <a:spcPct val="100000"/>
+              </a:lnSpc>
+              <a:spcBef>
+                <a:spcPts val="0"/>
+              </a:spcBef>
+              <a:spcAft>
+                <a:spcPts val="0"/>
+              </a:spcAft>
+              <a:buClr>
+                <a:srgbClr val="000000"/>
+              </a:buClr>
+              <a:buSzPts val="1200"/>
+              <a:buFont typeface="Arial"/>
+              <a:buNone/>
+              <a:defRPr b="0" i="0" sz="1200" u="none" cap="none" strike="noStrike">
+                <a:solidFill>
+                  <a:srgbClr val="888888"/>
+                </a:solidFill>
+                <a:latin typeface="Calibri"/>
+                <a:ea typeface="Calibri"/>
+                <a:cs typeface="Calibri"/>
+                <a:sym typeface="Calibri"/>
+              </a:defRPr>
             </a:lvl7pPr>
-            <a:lvl8pPr indent="0" lvl="7" marL="0" algn="r">
-              <a:spcBef>
-                <a:spcPts val="0"/>
-              </a:spcBef>
-              <a:buNone/>
-              <a:defRPr/>
+            <a:lvl8pPr indent="0" lvl="7" marL="0" marR="0" algn="r">
+              <a:lnSpc>
+                <a:spcPct val="100000"/>
+              </a:lnSpc>
+              <a:spcBef>
+                <a:spcPts val="0"/>
+              </a:spcBef>
+              <a:spcAft>
+                <a:spcPts val="0"/>
+              </a:spcAft>
+              <a:buClr>
+                <a:srgbClr val="000000"/>
+              </a:buClr>
+              <a:buSzPts val="1200"/>
+              <a:buFont typeface="Arial"/>
+              <a:buNone/>
+              <a:defRPr b="0" i="0" sz="1200" u="none" cap="none" strike="noStrike">
+                <a:solidFill>
+                  <a:srgbClr val="888888"/>
+                </a:solidFill>
+                <a:latin typeface="Calibri"/>
+                <a:ea typeface="Calibri"/>
+                <a:cs typeface="Calibri"/>
+                <a:sym typeface="Calibri"/>
+              </a:defRPr>
             </a:lvl8pPr>
-            <a:lvl9pPr indent="0" lvl="8" marL="0" algn="r">
-              <a:spcBef>
-                <a:spcPts val="0"/>
-              </a:spcBef>
-              <a:buNone/>
-              <a:defRPr/>
+            <a:lvl9pPr indent="0" lvl="8" marL="0" marR="0" algn="r">
+              <a:lnSpc>
+                <a:spcPct val="100000"/>
+              </a:lnSpc>
+              <a:spcBef>
+                <a:spcPts val="0"/>
+              </a:spcBef>
+              <a:spcAft>
+                <a:spcPts val="0"/>
+              </a:spcAft>
+              <a:buClr>
+                <a:srgbClr val="000000"/>
+              </a:buClr>
+              <a:buSzPts val="1200"/>
+              <a:buFont typeface="Arial"/>
+              <a:buNone/>
+              <a:defRPr b="0" i="0" sz="1200" u="none" cap="none" strike="noStrike">
+                <a:solidFill>
+                  <a:srgbClr val="888888"/>
+                </a:solidFill>
+                <a:latin typeface="Calibri"/>
+                <a:ea typeface="Calibri"/>
+                <a:cs typeface="Calibri"/>
+                <a:sym typeface="Calibri"/>
+              </a:defRPr>
             </a:lvl9pPr>
           </a:lstStyle>
           <a:p>
@@ -9725,93 +12701,213 @@
                 <a:sym typeface="Calibri"/>
               </a:defRPr>
             </a:lvl1pPr>
-            <a:lvl2pPr lvl="1">
-              <a:spcBef>
-                <a:spcPts val="0"/>
-              </a:spcBef>
-              <a:spcAft>
-                <a:spcPts val="0"/>
-              </a:spcAft>
-              <a:buSzPts val="1400"/>
-              <a:buNone/>
-              <a:defRPr sz="1800"/>
+            <a:lvl2pPr lvl="1" marR="0" rtl="0" algn="l">
+              <a:lnSpc>
+                <a:spcPct val="100000"/>
+              </a:lnSpc>
+              <a:spcBef>
+                <a:spcPts val="0"/>
+              </a:spcBef>
+              <a:spcAft>
+                <a:spcPts val="0"/>
+              </a:spcAft>
+              <a:buClr>
+                <a:srgbClr val="000000"/>
+              </a:buClr>
+              <a:buSzPts val="1400"/>
+              <a:buFont typeface="Arial"/>
+              <a:buNone/>
+              <a:defRPr b="0" i="0" sz="1800" u="none" cap="none" strike="noStrike">
+                <a:solidFill>
+                  <a:srgbClr val="000000"/>
+                </a:solidFill>
+                <a:latin typeface="Arial"/>
+                <a:ea typeface="Arial"/>
+                <a:cs typeface="Arial"/>
+                <a:sym typeface="Arial"/>
+              </a:defRPr>
             </a:lvl2pPr>
-            <a:lvl3pPr lvl="2">
-              <a:spcBef>
-                <a:spcPts val="0"/>
-              </a:spcBef>
-              <a:spcAft>
-                <a:spcPts val="0"/>
-              </a:spcAft>
-              <a:buSzPts val="1400"/>
-              <a:buNone/>
-              <a:defRPr sz="1800"/>
+            <a:lvl3pPr lvl="2" marR="0" rtl="0" algn="l">
+              <a:lnSpc>
+                <a:spcPct val="100000"/>
+              </a:lnSpc>
+              <a:spcBef>
+                <a:spcPts val="0"/>
+              </a:spcBef>
+              <a:spcAft>
+                <a:spcPts val="0"/>
+              </a:spcAft>
+              <a:buClr>
+                <a:srgbClr val="000000"/>
+              </a:buClr>
+              <a:buSzPts val="1400"/>
+              <a:buFont typeface="Arial"/>
+              <a:buNone/>
+              <a:defRPr b="0" i="0" sz="1800" u="none" cap="none" strike="noStrike">
+                <a:solidFill>
+                  <a:srgbClr val="000000"/>
+                </a:solidFill>
+                <a:latin typeface="Arial"/>
+                <a:ea typeface="Arial"/>
+                <a:cs typeface="Arial"/>
+                <a:sym typeface="Arial"/>
+              </a:defRPr>
             </a:lvl3pPr>
-            <a:lvl4pPr lvl="3">
-              <a:spcBef>
-                <a:spcPts val="0"/>
-              </a:spcBef>
-              <a:spcAft>
-                <a:spcPts val="0"/>
-              </a:spcAft>
-              <a:buSzPts val="1400"/>
-              <a:buNone/>
-              <a:defRPr sz="1800"/>
+            <a:lvl4pPr lvl="3" marR="0" rtl="0" algn="l">
+              <a:lnSpc>
+                <a:spcPct val="100000"/>
+              </a:lnSpc>
+              <a:spcBef>
+                <a:spcPts val="0"/>
+              </a:spcBef>
+              <a:spcAft>
+                <a:spcPts val="0"/>
+              </a:spcAft>
+              <a:buClr>
+                <a:srgbClr val="000000"/>
+              </a:buClr>
+              <a:buSzPts val="1400"/>
+              <a:buFont typeface="Arial"/>
+              <a:buNone/>
+              <a:defRPr b="0" i="0" sz="1800" u="none" cap="none" strike="noStrike">
+                <a:solidFill>
+                  <a:srgbClr val="000000"/>
+                </a:solidFill>
+                <a:latin typeface="Arial"/>
+                <a:ea typeface="Arial"/>
+                <a:cs typeface="Arial"/>
+                <a:sym typeface="Arial"/>
+              </a:defRPr>
             </a:lvl4pPr>
-            <a:lvl5pPr lvl="4">
-              <a:spcBef>
-                <a:spcPts val="0"/>
-              </a:spcBef>
-              <a:spcAft>
-                <a:spcPts val="0"/>
-              </a:spcAft>
-              <a:buSzPts val="1400"/>
-              <a:buNone/>
-              <a:defRPr sz="1800"/>
+            <a:lvl5pPr lvl="4" marR="0" rtl="0" algn="l">
+              <a:lnSpc>
+                <a:spcPct val="100000"/>
+              </a:lnSpc>
+              <a:spcBef>
+                <a:spcPts val="0"/>
+              </a:spcBef>
+              <a:spcAft>
+                <a:spcPts val="0"/>
+              </a:spcAft>
+              <a:buClr>
+                <a:srgbClr val="000000"/>
+              </a:buClr>
+              <a:buSzPts val="1400"/>
+              <a:buFont typeface="Arial"/>
+              <a:buNone/>
+              <a:defRPr b="0" i="0" sz="1800" u="none" cap="none" strike="noStrike">
+                <a:solidFill>
+                  <a:srgbClr val="000000"/>
+                </a:solidFill>
+                <a:latin typeface="Arial"/>
+                <a:ea typeface="Arial"/>
+                <a:cs typeface="Arial"/>
+                <a:sym typeface="Arial"/>
+              </a:defRPr>
             </a:lvl5pPr>
-            <a:lvl6pPr lvl="5">
-              <a:spcBef>
-                <a:spcPts val="0"/>
-              </a:spcBef>
-              <a:spcAft>
-                <a:spcPts val="0"/>
-              </a:spcAft>
-              <a:buSzPts val="1400"/>
-              <a:buNone/>
-              <a:defRPr sz="1800"/>
+            <a:lvl6pPr lvl="5" marR="0" rtl="0" algn="l">
+              <a:lnSpc>
+                <a:spcPct val="100000"/>
+              </a:lnSpc>
+              <a:spcBef>
+                <a:spcPts val="0"/>
+              </a:spcBef>
+              <a:spcAft>
+                <a:spcPts val="0"/>
+              </a:spcAft>
+              <a:buClr>
+                <a:srgbClr val="000000"/>
+              </a:buClr>
+              <a:buSzPts val="1400"/>
+              <a:buFont typeface="Arial"/>
+              <a:buNone/>
+              <a:defRPr b="0" i="0" sz="1800" u="none" cap="none" strike="noStrike">
+                <a:solidFill>
+                  <a:srgbClr val="000000"/>
+                </a:solidFill>
+                <a:latin typeface="Arial"/>
+                <a:ea typeface="Arial"/>
+                <a:cs typeface="Arial"/>
+                <a:sym typeface="Arial"/>
+              </a:defRPr>
             </a:lvl6pPr>
-            <a:lvl7pPr lvl="6">
-              <a:spcBef>
-                <a:spcPts val="0"/>
-              </a:spcBef>
-              <a:spcAft>
-                <a:spcPts val="0"/>
-              </a:spcAft>
-              <a:buSzPts val="1400"/>
-              <a:buNone/>
-              <a:defRPr sz="1800"/>
+            <a:lvl7pPr lvl="6" marR="0" rtl="0" algn="l">
+              <a:lnSpc>
+                <a:spcPct val="100000"/>
+              </a:lnSpc>
+              <a:spcBef>
+                <a:spcPts val="0"/>
+              </a:spcBef>
+              <a:spcAft>
+                <a:spcPts val="0"/>
+              </a:spcAft>
+              <a:buClr>
+                <a:srgbClr val="000000"/>
+              </a:buClr>
+              <a:buSzPts val="1400"/>
+              <a:buFont typeface="Arial"/>
+              <a:buNone/>
+              <a:defRPr b="0" i="0" sz="1800" u="none" cap="none" strike="noStrike">
+                <a:solidFill>
+                  <a:srgbClr val="000000"/>
+                </a:solidFill>
+                <a:latin typeface="Arial"/>
+                <a:ea typeface="Arial"/>
+                <a:cs typeface="Arial"/>
+                <a:sym typeface="Arial"/>
+              </a:defRPr>
             </a:lvl7pPr>
-            <a:lvl8pPr lvl="7">
-              <a:spcBef>
-                <a:spcPts val="0"/>
-              </a:spcBef>
-              <a:spcAft>
-                <a:spcPts val="0"/>
-              </a:spcAft>
-              <a:buSzPts val="1400"/>
-              <a:buNone/>
-              <a:defRPr sz="1800"/>
+            <a:lvl8pPr lvl="7" marR="0" rtl="0" algn="l">
+              <a:lnSpc>
+                <a:spcPct val="100000"/>
+              </a:lnSpc>
+              <a:spcBef>
+                <a:spcPts val="0"/>
+              </a:spcBef>
+              <a:spcAft>
+                <a:spcPts val="0"/>
+              </a:spcAft>
+              <a:buClr>
+                <a:srgbClr val="000000"/>
+              </a:buClr>
+              <a:buSzPts val="1400"/>
+              <a:buFont typeface="Arial"/>
+              <a:buNone/>
+              <a:defRPr b="0" i="0" sz="1800" u="none" cap="none" strike="noStrike">
+                <a:solidFill>
+                  <a:srgbClr val="000000"/>
+                </a:solidFill>
+                <a:latin typeface="Arial"/>
+                <a:ea typeface="Arial"/>
+                <a:cs typeface="Arial"/>
+                <a:sym typeface="Arial"/>
+              </a:defRPr>
             </a:lvl8pPr>
-            <a:lvl9pPr lvl="8">
-              <a:spcBef>
-                <a:spcPts val="0"/>
-              </a:spcBef>
-              <a:spcAft>
-                <a:spcPts val="0"/>
-              </a:spcAft>
-              <a:buSzPts val="1400"/>
-              <a:buNone/>
-              <a:defRPr sz="1800"/>
+            <a:lvl9pPr lvl="8" marR="0" rtl="0" algn="l">
+              <a:lnSpc>
+                <a:spcPct val="100000"/>
+              </a:lnSpc>
+              <a:spcBef>
+                <a:spcPts val="0"/>
+              </a:spcBef>
+              <a:spcAft>
+                <a:spcPts val="0"/>
+              </a:spcAft>
+              <a:buClr>
+                <a:srgbClr val="000000"/>
+              </a:buClr>
+              <a:buSzPts val="1400"/>
+              <a:buFont typeface="Arial"/>
+              <a:buNone/>
+              <a:defRPr b="0" i="0" sz="1800" u="none" cap="none" strike="noStrike">
+                <a:solidFill>
+                  <a:srgbClr val="000000"/>
+                </a:solidFill>
+                <a:latin typeface="Arial"/>
+                <a:ea typeface="Arial"/>
+                <a:cs typeface="Arial"/>
+                <a:sym typeface="Arial"/>
+              </a:defRPr>
             </a:lvl9pPr>
           </a:lstStyle>
           <a:p/>
@@ -10108,13 +13204,20 @@
           </a:bodyPr>
           <a:lstStyle>
             <a:lvl1pPr lvl="0" marR="0" rtl="0" algn="l">
-              <a:spcBef>
-                <a:spcPts val="0"/>
-              </a:spcBef>
-              <a:spcAft>
-                <a:spcPts val="0"/>
-              </a:spcAft>
-              <a:buSzPts val="1400"/>
+              <a:lnSpc>
+                <a:spcPct val="100000"/>
+              </a:lnSpc>
+              <a:spcBef>
+                <a:spcPts val="0"/>
+              </a:spcBef>
+              <a:spcAft>
+                <a:spcPts val="0"/>
+              </a:spcAft>
+              <a:buClr>
+                <a:srgbClr val="000000"/>
+              </a:buClr>
+              <a:buSzPts val="1400"/>
+              <a:buFont typeface="Arial"/>
               <a:buNone/>
               <a:defRPr b="0" i="0" sz="1200" u="none" cap="none" strike="noStrike">
                 <a:solidFill>
@@ -10127,13 +13230,20 @@
               </a:defRPr>
             </a:lvl1pPr>
             <a:lvl2pPr lvl="1" marR="0" rtl="0" algn="l">
-              <a:spcBef>
-                <a:spcPts val="0"/>
-              </a:spcBef>
-              <a:spcAft>
-                <a:spcPts val="0"/>
-              </a:spcAft>
-              <a:buSzPts val="1400"/>
+              <a:lnSpc>
+                <a:spcPct val="100000"/>
+              </a:lnSpc>
+              <a:spcBef>
+                <a:spcPts val="0"/>
+              </a:spcBef>
+              <a:spcAft>
+                <a:spcPts val="0"/>
+              </a:spcAft>
+              <a:buClr>
+                <a:srgbClr val="000000"/>
+              </a:buClr>
+              <a:buSzPts val="1400"/>
+              <a:buFont typeface="Arial"/>
               <a:buNone/>
               <a:defRPr b="0" i="0" sz="1800" u="none" cap="none" strike="noStrike">
                 <a:solidFill>
@@ -10146,13 +13256,20 @@
               </a:defRPr>
             </a:lvl2pPr>
             <a:lvl3pPr lvl="2" marR="0" rtl="0" algn="l">
-              <a:spcBef>
-                <a:spcPts val="0"/>
-              </a:spcBef>
-              <a:spcAft>
-                <a:spcPts val="0"/>
-              </a:spcAft>
-              <a:buSzPts val="1400"/>
+              <a:lnSpc>
+                <a:spcPct val="100000"/>
+              </a:lnSpc>
+              <a:spcBef>
+                <a:spcPts val="0"/>
+              </a:spcBef>
+              <a:spcAft>
+                <a:spcPts val="0"/>
+              </a:spcAft>
+              <a:buClr>
+                <a:srgbClr val="000000"/>
+              </a:buClr>
+              <a:buSzPts val="1400"/>
+              <a:buFont typeface="Arial"/>
               <a:buNone/>
               <a:defRPr b="0" i="0" sz="1800" u="none" cap="none" strike="noStrike">
                 <a:solidFill>
@@ -10165,13 +13282,20 @@
               </a:defRPr>
             </a:lvl3pPr>
             <a:lvl4pPr lvl="3" marR="0" rtl="0" algn="l">
-              <a:spcBef>
-                <a:spcPts val="0"/>
-              </a:spcBef>
-              <a:spcAft>
-                <a:spcPts val="0"/>
-              </a:spcAft>
-              <a:buSzPts val="1400"/>
+              <a:lnSpc>
+                <a:spcPct val="100000"/>
+              </a:lnSpc>
+              <a:spcBef>
+                <a:spcPts val="0"/>
+              </a:spcBef>
+              <a:spcAft>
+                <a:spcPts val="0"/>
+              </a:spcAft>
+              <a:buClr>
+                <a:srgbClr val="000000"/>
+              </a:buClr>
+              <a:buSzPts val="1400"/>
+              <a:buFont typeface="Arial"/>
               <a:buNone/>
               <a:defRPr b="0" i="0" sz="1800" u="none" cap="none" strike="noStrike">
                 <a:solidFill>
@@ -10184,13 +13308,20 @@
               </a:defRPr>
             </a:lvl4pPr>
             <a:lvl5pPr lvl="4" marR="0" rtl="0" algn="l">
-              <a:spcBef>
-                <a:spcPts val="0"/>
-              </a:spcBef>
-              <a:spcAft>
-                <a:spcPts val="0"/>
-              </a:spcAft>
-              <a:buSzPts val="1400"/>
+              <a:lnSpc>
+                <a:spcPct val="100000"/>
+              </a:lnSpc>
+              <a:spcBef>
+                <a:spcPts val="0"/>
+              </a:spcBef>
+              <a:spcAft>
+                <a:spcPts val="0"/>
+              </a:spcAft>
+              <a:buClr>
+                <a:srgbClr val="000000"/>
+              </a:buClr>
+              <a:buSzPts val="1400"/>
+              <a:buFont typeface="Arial"/>
               <a:buNone/>
               <a:defRPr b="0" i="0" sz="1800" u="none" cap="none" strike="noStrike">
                 <a:solidFill>
@@ -10203,13 +13334,20 @@
               </a:defRPr>
             </a:lvl5pPr>
             <a:lvl6pPr lvl="5" marR="0" rtl="0" algn="l">
-              <a:spcBef>
-                <a:spcPts val="0"/>
-              </a:spcBef>
-              <a:spcAft>
-                <a:spcPts val="0"/>
-              </a:spcAft>
-              <a:buSzPts val="1400"/>
+              <a:lnSpc>
+                <a:spcPct val="100000"/>
+              </a:lnSpc>
+              <a:spcBef>
+                <a:spcPts val="0"/>
+              </a:spcBef>
+              <a:spcAft>
+                <a:spcPts val="0"/>
+              </a:spcAft>
+              <a:buClr>
+                <a:srgbClr val="000000"/>
+              </a:buClr>
+              <a:buSzPts val="1400"/>
+              <a:buFont typeface="Arial"/>
               <a:buNone/>
               <a:defRPr b="0" i="0" sz="1800" u="none" cap="none" strike="noStrike">
                 <a:solidFill>
@@ -10222,13 +13360,20 @@
               </a:defRPr>
             </a:lvl6pPr>
             <a:lvl7pPr lvl="6" marR="0" rtl="0" algn="l">
-              <a:spcBef>
-                <a:spcPts val="0"/>
-              </a:spcBef>
-              <a:spcAft>
-                <a:spcPts val="0"/>
-              </a:spcAft>
-              <a:buSzPts val="1400"/>
+              <a:lnSpc>
+                <a:spcPct val="100000"/>
+              </a:lnSpc>
+              <a:spcBef>
+                <a:spcPts val="0"/>
+              </a:spcBef>
+              <a:spcAft>
+                <a:spcPts val="0"/>
+              </a:spcAft>
+              <a:buClr>
+                <a:srgbClr val="000000"/>
+              </a:buClr>
+              <a:buSzPts val="1400"/>
+              <a:buFont typeface="Arial"/>
               <a:buNone/>
               <a:defRPr b="0" i="0" sz="1800" u="none" cap="none" strike="noStrike">
                 <a:solidFill>
@@ -10241,13 +13386,20 @@
               </a:defRPr>
             </a:lvl7pPr>
             <a:lvl8pPr lvl="7" marR="0" rtl="0" algn="l">
-              <a:spcBef>
-                <a:spcPts val="0"/>
-              </a:spcBef>
-              <a:spcAft>
-                <a:spcPts val="0"/>
-              </a:spcAft>
-              <a:buSzPts val="1400"/>
+              <a:lnSpc>
+                <a:spcPct val="100000"/>
+              </a:lnSpc>
+              <a:spcBef>
+                <a:spcPts val="0"/>
+              </a:spcBef>
+              <a:spcAft>
+                <a:spcPts val="0"/>
+              </a:spcAft>
+              <a:buClr>
+                <a:srgbClr val="000000"/>
+              </a:buClr>
+              <a:buSzPts val="1400"/>
+              <a:buFont typeface="Arial"/>
               <a:buNone/>
               <a:defRPr b="0" i="0" sz="1800" u="none" cap="none" strike="noStrike">
                 <a:solidFill>
@@ -10260,13 +13412,20 @@
               </a:defRPr>
             </a:lvl8pPr>
             <a:lvl9pPr lvl="8" marR="0" rtl="0" algn="l">
-              <a:spcBef>
-                <a:spcPts val="0"/>
-              </a:spcBef>
-              <a:spcAft>
-                <a:spcPts val="0"/>
-              </a:spcAft>
-              <a:buSzPts val="1400"/>
+              <a:lnSpc>
+                <a:spcPct val="100000"/>
+              </a:lnSpc>
+              <a:spcBef>
+                <a:spcPts val="0"/>
+              </a:spcBef>
+              <a:spcAft>
+                <a:spcPts val="0"/>
+              </a:spcAft>
+              <a:buClr>
+                <a:srgbClr val="000000"/>
+              </a:buClr>
+              <a:buSzPts val="1400"/>
+              <a:buFont typeface="Arial"/>
               <a:buNone/>
               <a:defRPr b="0" i="0" sz="1800" u="none" cap="none" strike="noStrike">
                 <a:solidFill>
@@ -10309,13 +13468,20 @@
           </a:bodyPr>
           <a:lstStyle>
             <a:lvl1pPr lvl="0" marR="0" rtl="0" algn="ctr">
-              <a:spcBef>
-                <a:spcPts val="0"/>
-              </a:spcBef>
-              <a:spcAft>
-                <a:spcPts val="0"/>
-              </a:spcAft>
-              <a:buSzPts val="1400"/>
+              <a:lnSpc>
+                <a:spcPct val="100000"/>
+              </a:lnSpc>
+              <a:spcBef>
+                <a:spcPts val="0"/>
+              </a:spcBef>
+              <a:spcAft>
+                <a:spcPts val="0"/>
+              </a:spcAft>
+              <a:buClr>
+                <a:srgbClr val="000000"/>
+              </a:buClr>
+              <a:buSzPts val="1400"/>
+              <a:buFont typeface="Arial"/>
               <a:buNone/>
               <a:defRPr b="0" i="0" sz="1200" u="none" cap="none" strike="noStrike">
                 <a:solidFill>
@@ -10328,13 +13494,20 @@
               </a:defRPr>
             </a:lvl1pPr>
             <a:lvl2pPr lvl="1" marR="0" rtl="0" algn="l">
-              <a:spcBef>
-                <a:spcPts val="0"/>
-              </a:spcBef>
-              <a:spcAft>
-                <a:spcPts val="0"/>
-              </a:spcAft>
-              <a:buSzPts val="1400"/>
+              <a:lnSpc>
+                <a:spcPct val="100000"/>
+              </a:lnSpc>
+              <a:spcBef>
+                <a:spcPts val="0"/>
+              </a:spcBef>
+              <a:spcAft>
+                <a:spcPts val="0"/>
+              </a:spcAft>
+              <a:buClr>
+                <a:srgbClr val="000000"/>
+              </a:buClr>
+              <a:buSzPts val="1400"/>
+              <a:buFont typeface="Arial"/>
               <a:buNone/>
               <a:defRPr b="0" i="0" sz="1800" u="none" cap="none" strike="noStrike">
                 <a:solidFill>
@@ -10347,13 +13520,20 @@
               </a:defRPr>
             </a:lvl2pPr>
             <a:lvl3pPr lvl="2" marR="0" rtl="0" algn="l">
-              <a:spcBef>
-                <a:spcPts val="0"/>
-              </a:spcBef>
-              <a:spcAft>
-                <a:spcPts val="0"/>
-              </a:spcAft>
-              <a:buSzPts val="1400"/>
+              <a:lnSpc>
+                <a:spcPct val="100000"/>
+              </a:lnSpc>
+              <a:spcBef>
+                <a:spcPts val="0"/>
+              </a:spcBef>
+              <a:spcAft>
+                <a:spcPts val="0"/>
+              </a:spcAft>
+              <a:buClr>
+                <a:srgbClr val="000000"/>
+              </a:buClr>
+              <a:buSzPts val="1400"/>
+              <a:buFont typeface="Arial"/>
               <a:buNone/>
               <a:defRPr b="0" i="0" sz="1800" u="none" cap="none" strike="noStrike">
                 <a:solidFill>
@@ -10366,13 +13546,20 @@
               </a:defRPr>
             </a:lvl3pPr>
             <a:lvl4pPr lvl="3" marR="0" rtl="0" algn="l">
-              <a:spcBef>
-                <a:spcPts val="0"/>
-              </a:spcBef>
-              <a:spcAft>
-                <a:spcPts val="0"/>
-              </a:spcAft>
-              <a:buSzPts val="1400"/>
+              <a:lnSpc>
+                <a:spcPct val="100000"/>
+              </a:lnSpc>
+              <a:spcBef>
+                <a:spcPts val="0"/>
+              </a:spcBef>
+              <a:spcAft>
+                <a:spcPts val="0"/>
+              </a:spcAft>
+              <a:buClr>
+                <a:srgbClr val="000000"/>
+              </a:buClr>
+              <a:buSzPts val="1400"/>
+              <a:buFont typeface="Arial"/>
               <a:buNone/>
               <a:defRPr b="0" i="0" sz="1800" u="none" cap="none" strike="noStrike">
                 <a:solidFill>
@@ -10385,13 +13572,20 @@
               </a:defRPr>
             </a:lvl4pPr>
             <a:lvl5pPr lvl="4" marR="0" rtl="0" algn="l">
-              <a:spcBef>
-                <a:spcPts val="0"/>
-              </a:spcBef>
-              <a:spcAft>
-                <a:spcPts val="0"/>
-              </a:spcAft>
-              <a:buSzPts val="1400"/>
+              <a:lnSpc>
+                <a:spcPct val="100000"/>
+              </a:lnSpc>
+              <a:spcBef>
+                <a:spcPts val="0"/>
+              </a:spcBef>
+              <a:spcAft>
+                <a:spcPts val="0"/>
+              </a:spcAft>
+              <a:buClr>
+                <a:srgbClr val="000000"/>
+              </a:buClr>
+              <a:buSzPts val="1400"/>
+              <a:buFont typeface="Arial"/>
               <a:buNone/>
               <a:defRPr b="0" i="0" sz="1800" u="none" cap="none" strike="noStrike">
                 <a:solidFill>
@@ -10404,13 +13598,20 @@
               </a:defRPr>
             </a:lvl5pPr>
             <a:lvl6pPr lvl="5" marR="0" rtl="0" algn="l">
-              <a:spcBef>
-                <a:spcPts val="0"/>
-              </a:spcBef>
-              <a:spcAft>
-                <a:spcPts val="0"/>
-              </a:spcAft>
-              <a:buSzPts val="1400"/>
+              <a:lnSpc>
+                <a:spcPct val="100000"/>
+              </a:lnSpc>
+              <a:spcBef>
+                <a:spcPts val="0"/>
+              </a:spcBef>
+              <a:spcAft>
+                <a:spcPts val="0"/>
+              </a:spcAft>
+              <a:buClr>
+                <a:srgbClr val="000000"/>
+              </a:buClr>
+              <a:buSzPts val="1400"/>
+              <a:buFont typeface="Arial"/>
               <a:buNone/>
               <a:defRPr b="0" i="0" sz="1800" u="none" cap="none" strike="noStrike">
                 <a:solidFill>
@@ -10423,13 +13624,20 @@
               </a:defRPr>
             </a:lvl6pPr>
             <a:lvl7pPr lvl="6" marR="0" rtl="0" algn="l">
-              <a:spcBef>
-                <a:spcPts val="0"/>
-              </a:spcBef>
-              <a:spcAft>
-                <a:spcPts val="0"/>
-              </a:spcAft>
-              <a:buSzPts val="1400"/>
+              <a:lnSpc>
+                <a:spcPct val="100000"/>
+              </a:lnSpc>
+              <a:spcBef>
+                <a:spcPts val="0"/>
+              </a:spcBef>
+              <a:spcAft>
+                <a:spcPts val="0"/>
+              </a:spcAft>
+              <a:buClr>
+                <a:srgbClr val="000000"/>
+              </a:buClr>
+              <a:buSzPts val="1400"/>
+              <a:buFont typeface="Arial"/>
               <a:buNone/>
               <a:defRPr b="0" i="0" sz="1800" u="none" cap="none" strike="noStrike">
                 <a:solidFill>
@@ -10442,13 +13650,20 @@
               </a:defRPr>
             </a:lvl7pPr>
             <a:lvl8pPr lvl="7" marR="0" rtl="0" algn="l">
-              <a:spcBef>
-                <a:spcPts val="0"/>
-              </a:spcBef>
-              <a:spcAft>
-                <a:spcPts val="0"/>
-              </a:spcAft>
-              <a:buSzPts val="1400"/>
+              <a:lnSpc>
+                <a:spcPct val="100000"/>
+              </a:lnSpc>
+              <a:spcBef>
+                <a:spcPts val="0"/>
+              </a:spcBef>
+              <a:spcAft>
+                <a:spcPts val="0"/>
+              </a:spcAft>
+              <a:buClr>
+                <a:srgbClr val="000000"/>
+              </a:buClr>
+              <a:buSzPts val="1400"/>
+              <a:buFont typeface="Arial"/>
               <a:buNone/>
               <a:defRPr b="0" i="0" sz="1800" u="none" cap="none" strike="noStrike">
                 <a:solidFill>
@@ -10461,13 +13676,20 @@
               </a:defRPr>
             </a:lvl8pPr>
             <a:lvl9pPr lvl="8" marR="0" rtl="0" algn="l">
-              <a:spcBef>
-                <a:spcPts val="0"/>
-              </a:spcBef>
-              <a:spcAft>
-                <a:spcPts val="0"/>
-              </a:spcAft>
-              <a:buSzPts val="1400"/>
+              <a:lnSpc>
+                <a:spcPct val="100000"/>
+              </a:lnSpc>
+              <a:spcBef>
+                <a:spcPts val="0"/>
+              </a:spcBef>
+              <a:spcAft>
+                <a:spcPts val="0"/>
+              </a:spcAft>
+              <a:buClr>
+                <a:srgbClr val="000000"/>
+              </a:buClr>
+              <a:buSzPts val="1400"/>
+              <a:buFont typeface="Arial"/>
               <a:buNone/>
               <a:defRPr b="0" i="0" sz="1800" u="none" cap="none" strike="noStrike">
                 <a:solidFill>
@@ -10510,9 +13732,20 @@
           </a:bodyPr>
           <a:lstStyle>
             <a:lvl1pPr indent="0" lvl="0" marL="0" marR="0" rtl="0" algn="r">
-              <a:spcBef>
-                <a:spcPts val="0"/>
-              </a:spcBef>
+              <a:lnSpc>
+                <a:spcPct val="100000"/>
+              </a:lnSpc>
+              <a:spcBef>
+                <a:spcPts val="0"/>
+              </a:spcBef>
+              <a:spcAft>
+                <a:spcPts val="0"/>
+              </a:spcAft>
+              <a:buClr>
+                <a:srgbClr val="000000"/>
+              </a:buClr>
+              <a:buSzPts val="1200"/>
+              <a:buFont typeface="Arial"/>
               <a:buNone/>
               <a:defRPr b="0" i="0" sz="1200" u="none" cap="none" strike="noStrike">
                 <a:solidFill>
@@ -10525,9 +13758,20 @@
               </a:defRPr>
             </a:lvl1pPr>
             <a:lvl2pPr indent="0" lvl="1" marL="0" marR="0" rtl="0" algn="r">
-              <a:spcBef>
-                <a:spcPts val="0"/>
-              </a:spcBef>
+              <a:lnSpc>
+                <a:spcPct val="100000"/>
+              </a:lnSpc>
+              <a:spcBef>
+                <a:spcPts val="0"/>
+              </a:spcBef>
+              <a:spcAft>
+                <a:spcPts val="0"/>
+              </a:spcAft>
+              <a:buClr>
+                <a:srgbClr val="000000"/>
+              </a:buClr>
+              <a:buSzPts val="1200"/>
+              <a:buFont typeface="Arial"/>
               <a:buNone/>
               <a:defRPr b="0" i="0" sz="1200" u="none" cap="none" strike="noStrike">
                 <a:solidFill>
@@ -10540,9 +13784,20 @@
               </a:defRPr>
             </a:lvl2pPr>
             <a:lvl3pPr indent="0" lvl="2" marL="0" marR="0" rtl="0" algn="r">
-              <a:spcBef>
-                <a:spcPts val="0"/>
-              </a:spcBef>
+              <a:lnSpc>
+                <a:spcPct val="100000"/>
+              </a:lnSpc>
+              <a:spcBef>
+                <a:spcPts val="0"/>
+              </a:spcBef>
+              <a:spcAft>
+                <a:spcPts val="0"/>
+              </a:spcAft>
+              <a:buClr>
+                <a:srgbClr val="000000"/>
+              </a:buClr>
+              <a:buSzPts val="1200"/>
+              <a:buFont typeface="Arial"/>
               <a:buNone/>
               <a:defRPr b="0" i="0" sz="1200" u="none" cap="none" strike="noStrike">
                 <a:solidFill>
@@ -10555,9 +13810,20 @@
               </a:defRPr>
             </a:lvl3pPr>
             <a:lvl4pPr indent="0" lvl="3" marL="0" marR="0" rtl="0" algn="r">
-              <a:spcBef>
-                <a:spcPts val="0"/>
-              </a:spcBef>
+              <a:lnSpc>
+                <a:spcPct val="100000"/>
+              </a:lnSpc>
+              <a:spcBef>
+                <a:spcPts val="0"/>
+              </a:spcBef>
+              <a:spcAft>
+                <a:spcPts val="0"/>
+              </a:spcAft>
+              <a:buClr>
+                <a:srgbClr val="000000"/>
+              </a:buClr>
+              <a:buSzPts val="1200"/>
+              <a:buFont typeface="Arial"/>
               <a:buNone/>
               <a:defRPr b="0" i="0" sz="1200" u="none" cap="none" strike="noStrike">
                 <a:solidFill>
@@ -10570,9 +13836,20 @@
               </a:defRPr>
             </a:lvl4pPr>
             <a:lvl5pPr indent="0" lvl="4" marL="0" marR="0" rtl="0" algn="r">
-              <a:spcBef>
-                <a:spcPts val="0"/>
-              </a:spcBef>
+              <a:lnSpc>
+                <a:spcPct val="100000"/>
+              </a:lnSpc>
+              <a:spcBef>
+                <a:spcPts val="0"/>
+              </a:spcBef>
+              <a:spcAft>
+                <a:spcPts val="0"/>
+              </a:spcAft>
+              <a:buClr>
+                <a:srgbClr val="000000"/>
+              </a:buClr>
+              <a:buSzPts val="1200"/>
+              <a:buFont typeface="Arial"/>
               <a:buNone/>
               <a:defRPr b="0" i="0" sz="1200" u="none" cap="none" strike="noStrike">
                 <a:solidFill>
@@ -10585,9 +13862,20 @@
               </a:defRPr>
             </a:lvl5pPr>
             <a:lvl6pPr indent="0" lvl="5" marL="0" marR="0" rtl="0" algn="r">
-              <a:spcBef>
-                <a:spcPts val="0"/>
-              </a:spcBef>
+              <a:lnSpc>
+                <a:spcPct val="100000"/>
+              </a:lnSpc>
+              <a:spcBef>
+                <a:spcPts val="0"/>
+              </a:spcBef>
+              <a:spcAft>
+                <a:spcPts val="0"/>
+              </a:spcAft>
+              <a:buClr>
+                <a:srgbClr val="000000"/>
+              </a:buClr>
+              <a:buSzPts val="1200"/>
+              <a:buFont typeface="Arial"/>
               <a:buNone/>
               <a:defRPr b="0" i="0" sz="1200" u="none" cap="none" strike="noStrike">
                 <a:solidFill>
@@ -10600,9 +13888,20 @@
               </a:defRPr>
             </a:lvl6pPr>
             <a:lvl7pPr indent="0" lvl="6" marL="0" marR="0" rtl="0" algn="r">
-              <a:spcBef>
-                <a:spcPts val="0"/>
-              </a:spcBef>
+              <a:lnSpc>
+                <a:spcPct val="100000"/>
+              </a:lnSpc>
+              <a:spcBef>
+                <a:spcPts val="0"/>
+              </a:spcBef>
+              <a:spcAft>
+                <a:spcPts val="0"/>
+              </a:spcAft>
+              <a:buClr>
+                <a:srgbClr val="000000"/>
+              </a:buClr>
+              <a:buSzPts val="1200"/>
+              <a:buFont typeface="Arial"/>
               <a:buNone/>
               <a:defRPr b="0" i="0" sz="1200" u="none" cap="none" strike="noStrike">
                 <a:solidFill>
@@ -10615,9 +13914,20 @@
               </a:defRPr>
             </a:lvl7pPr>
             <a:lvl8pPr indent="0" lvl="7" marL="0" marR="0" rtl="0" algn="r">
-              <a:spcBef>
-                <a:spcPts val="0"/>
-              </a:spcBef>
+              <a:lnSpc>
+                <a:spcPct val="100000"/>
+              </a:lnSpc>
+              <a:spcBef>
+                <a:spcPts val="0"/>
+              </a:spcBef>
+              <a:spcAft>
+                <a:spcPts val="0"/>
+              </a:spcAft>
+              <a:buClr>
+                <a:srgbClr val="000000"/>
+              </a:buClr>
+              <a:buSzPts val="1200"/>
+              <a:buFont typeface="Arial"/>
               <a:buNone/>
               <a:defRPr b="0" i="0" sz="1200" u="none" cap="none" strike="noStrike">
                 <a:solidFill>
@@ -10630,9 +13940,20 @@
               </a:defRPr>
             </a:lvl8pPr>
             <a:lvl9pPr indent="0" lvl="8" marL="0" marR="0" rtl="0" algn="r">
-              <a:spcBef>
-                <a:spcPts val="0"/>
-              </a:spcBef>
+              <a:lnSpc>
+                <a:spcPct val="100000"/>
+              </a:lnSpc>
+              <a:spcBef>
+                <a:spcPts val="0"/>
+              </a:spcBef>
+              <a:spcAft>
+                <a:spcPts val="0"/>
+              </a:spcAft>
+              <a:buClr>
+                <a:srgbClr val="000000"/>
+              </a:buClr>
+              <a:buSzPts val="1200"/>
+              <a:buFont typeface="Arial"/>
               <a:buNone/>
               <a:defRPr b="0" i="0" sz="1200" u="none" cap="none" strike="noStrike">
                 <a:solidFill>
@@ -11617,43 +14938,7 @@
                 <a:cs typeface="Arial"/>
                 <a:sym typeface="Arial"/>
               </a:rPr>
-              <a:t>Other surveillance, </a:t>
-            </a:r>
-            <a:r>
-              <a:rPr lang="en-US" sz="1500">
-                <a:latin typeface="Arial"/>
-                <a:ea typeface="Arial"/>
-                <a:cs typeface="Arial"/>
-                <a:sym typeface="Arial"/>
-              </a:rPr>
-              <a:t>w</a:t>
-            </a:r>
-            <a:r>
-              <a:rPr lang="en-US" sz="1500">
-                <a:latin typeface="Arial"/>
-                <a:ea typeface="Arial"/>
-                <a:cs typeface="Arial"/>
-                <a:sym typeface="Arial"/>
-              </a:rPr>
-              <a:t>ire, sender is in usa and is american, receiver </a:t>
-            </a:r>
-            <a:r>
-              <a:rPr lang="en-US" sz="1500">
-                <a:latin typeface="Arial"/>
-                <a:ea typeface="Arial"/>
-                <a:cs typeface="Arial"/>
-                <a:sym typeface="Arial"/>
-              </a:rPr>
-              <a:t>not in usa and is not american</a:t>
-            </a:r>
-            <a:r>
-              <a:rPr lang="en-US" sz="1500">
-                <a:latin typeface="Arial"/>
-                <a:ea typeface="Arial"/>
-                <a:cs typeface="Arial"/>
-                <a:sym typeface="Arial"/>
-              </a:rPr>
-              <a:t>, warrant is needed, expectation of privacy → true</a:t>
+              <a:t>Other surveillance, wire, sender is in usa and is american, receiver not in usa and is not american, warrant is needed, expectation of privacy, target person is american → true</a:t>
             </a:r>
             <a:endParaRPr sz="1500">
               <a:latin typeface="Arial"/>
@@ -11971,15 +15256,7 @@
             </a:pPr>
             <a:r>
               <a:rPr lang="en-US"/>
-              <a:t>Intentional </a:t>
-            </a:r>
-            <a:r>
-              <a:rPr lang="en-US"/>
-              <a:t>acquisition</a:t>
-            </a:r>
-            <a:r>
-              <a:rPr lang="en-US"/>
-              <a:t>, electronic, received/sent from usa, need warrant, privacy expectation → true</a:t>
+              <a:t>Intentional acquisition, electronic, received/sent from usa, need warrant, privacy expectation → true</a:t>
             </a:r>
             <a:endParaRPr/>
           </a:p>
@@ -12014,6 +15291,7 @@
               <a:spcAft>
                 <a:spcPts val="0"/>
               </a:spcAft>
+              <a:buSzPts val="1800"/>
               <a:buNone/>
             </a:pPr>
             <a:r>
@@ -12540,6 +15818,285 @@
 </file>
 
 <file path=ppt/theme/theme1.xml><?xml version="1.0" encoding="utf-8"?>
+<a:theme xmlns:a="http://schemas.openxmlformats.org/drawingml/2006/main" xmlns:r="http://schemas.openxmlformats.org/officeDocument/2006/relationships" name="Office Theme">
+  <a:themeElements>
+    <a:clrScheme name="Office">
+      <a:dk1>
+        <a:srgbClr val="000000"/>
+      </a:dk1>
+      <a:lt1>
+        <a:srgbClr val="FFFFFF"/>
+      </a:lt1>
+      <a:dk2>
+        <a:srgbClr val="44546A"/>
+      </a:dk2>
+      <a:lt2>
+        <a:srgbClr val="E7E6E6"/>
+      </a:lt2>
+      <a:accent1>
+        <a:srgbClr val="4472C4"/>
+      </a:accent1>
+      <a:accent2>
+        <a:srgbClr val="ED7D31"/>
+      </a:accent2>
+      <a:accent3>
+        <a:srgbClr val="A5A5A5"/>
+      </a:accent3>
+      <a:accent4>
+        <a:srgbClr val="FFC000"/>
+      </a:accent4>
+      <a:accent5>
+        <a:srgbClr val="5B9BD5"/>
+      </a:accent5>
+      <a:accent6>
+        <a:srgbClr val="70AD47"/>
+      </a:accent6>
+      <a:hlink>
+        <a:srgbClr val="0563C1"/>
+      </a:hlink>
+      <a:folHlink>
+        <a:srgbClr val="954F72"/>
+      </a:folHlink>
+    </a:clrScheme>
+    <a:fontScheme name="Office">
+      <a:majorFont>
+        <a:latin typeface="Arial"/>
+        <a:ea typeface=""/>
+        <a:cs typeface=""/>
+        <a:font script="Jpan" typeface="ＭＳ Ｐゴシック"/>
+        <a:font script="Hang" typeface="맑은 고딕"/>
+        <a:font script="Hans" typeface="宋体"/>
+        <a:font script="Hant" typeface="新細明體"/>
+        <a:font script="Arab" typeface="Times New Roman"/>
+        <a:font script="Hebr" typeface="Times New Roman"/>
+        <a:font script="Thai" typeface="Angsana New"/>
+        <a:font script="Ethi" typeface="Nyala"/>
+        <a:font script="Beng" typeface="Vrinda"/>
+        <a:font script="Gujr" typeface="Shruti"/>
+        <a:font script="Khmr" typeface="MoolBoran"/>
+        <a:font script="Knda" typeface="Tunga"/>
+        <a:font script="Guru" typeface="Raavi"/>
+        <a:font script="Cans" typeface="Euphemia"/>
+        <a:font script="Cher" typeface="Plantagenet Cherokee"/>
+        <a:font script="Yiii" typeface="Microsoft Yi Baiti"/>
+        <a:font script="Tibt" typeface="Microsoft Himalaya"/>
+        <a:font script="Thaa" typeface="MV Boli"/>
+        <a:font script="Deva" typeface="Mangal"/>
+        <a:font script="Telu" typeface="Gautami"/>
+        <a:font script="Taml" typeface="Latha"/>
+        <a:font script="Syrc" typeface="Estrangelo Edessa"/>
+        <a:font script="Orya" typeface="Kalinga"/>
+        <a:font script="Mlym" typeface="Kartika"/>
+        <a:font script="Laoo" typeface="DokChampa"/>
+        <a:font script="Sinh" typeface="Iskoola Pota"/>
+        <a:font script="Mong" typeface="Mongolian Baiti"/>
+        <a:font script="Viet" typeface="Times New Roman"/>
+        <a:font script="Uigh" typeface="Microsoft Uighur"/>
+        <a:font script="Geor" typeface="Sylfaen"/>
+      </a:majorFont>
+      <a:minorFont>
+        <a:latin typeface="Arial"/>
+        <a:ea typeface=""/>
+        <a:cs typeface=""/>
+        <a:font script="Jpan" typeface="ＭＳ Ｐゴシック"/>
+        <a:font script="Hang" typeface="맑은 고딕"/>
+        <a:font script="Hans" typeface="宋体"/>
+        <a:font script="Hant" typeface="新細明體"/>
+        <a:font script="Arab" typeface="Arial"/>
+        <a:font script="Hebr" typeface="Arial"/>
+        <a:font script="Thai" typeface="Cordia New"/>
+        <a:font script="Ethi" typeface="Nyala"/>
+        <a:font script="Beng" typeface="Vrinda"/>
+        <a:font script="Gujr" typeface="Shruti"/>
+        <a:font script="Khmr" typeface="DaunPenh"/>
+        <a:font script="Knda" typeface="Tunga"/>
+        <a:font script="Guru" typeface="Raavi"/>
+        <a:font script="Cans" typeface="Euphemia"/>
+        <a:font script="Cher" typeface="Plantagenet Cherokee"/>
+        <a:font script="Yiii" typeface="Microsoft Yi Baiti"/>
+        <a:font script="Tibt" typeface="Microsoft Himalaya"/>
+        <a:font script="Thaa" typeface="MV Boli"/>
+        <a:font script="Deva" typeface="Mangal"/>
+        <a:font script="Telu" typeface="Gautami"/>
+        <a:font script="Taml" typeface="Latha"/>
+        <a:font script="Syrc" typeface="Estrangelo Edessa"/>
+        <a:font script="Orya" typeface="Kalinga"/>
+        <a:font script="Mlym" typeface="Kartika"/>
+        <a:font script="Laoo" typeface="DokChampa"/>
+        <a:font script="Sinh" typeface="Iskoola Pota"/>
+        <a:font script="Mong" typeface="Mongolian Baiti"/>
+        <a:font script="Viet" typeface="Arial"/>
+        <a:font script="Uigh" typeface="Microsoft Uighur"/>
+        <a:font script="Geor" typeface="Sylfaen"/>
+      </a:minorFont>
+    </a:fontScheme>
+    <a:fmtScheme name="Office">
+      <a:fillStyleLst>
+        <a:solidFill>
+          <a:schemeClr val="phClr"/>
+        </a:solidFill>
+        <a:gradFill rotWithShape="1">
+          <a:gsLst>
+            <a:gs pos="0">
+              <a:schemeClr val="phClr">
+                <a:tint val="50000"/>
+                <a:satMod val="300000"/>
+              </a:schemeClr>
+            </a:gs>
+            <a:gs pos="35000">
+              <a:schemeClr val="phClr">
+                <a:tint val="37000"/>
+                <a:satMod val="300000"/>
+              </a:schemeClr>
+            </a:gs>
+            <a:gs pos="100000">
+              <a:schemeClr val="phClr">
+                <a:tint val="15000"/>
+                <a:satMod val="350000"/>
+              </a:schemeClr>
+            </a:gs>
+          </a:gsLst>
+          <a:lin ang="16200000" scaled="1"/>
+        </a:gradFill>
+        <a:gradFill rotWithShape="1">
+          <a:gsLst>
+            <a:gs pos="0">
+              <a:schemeClr val="phClr">
+                <a:tint val="100000"/>
+                <a:shade val="100000"/>
+                <a:satMod val="130000"/>
+              </a:schemeClr>
+            </a:gs>
+            <a:gs pos="100000">
+              <a:schemeClr val="phClr">
+                <a:tint val="50000"/>
+                <a:shade val="100000"/>
+                <a:satMod val="350000"/>
+              </a:schemeClr>
+            </a:gs>
+          </a:gsLst>
+          <a:lin ang="16200000" scaled="0"/>
+        </a:gradFill>
+      </a:fillStyleLst>
+      <a:lnStyleLst>
+        <a:ln w="9525" cap="flat" cmpd="sng" algn="ctr">
+          <a:solidFill>
+            <a:schemeClr val="phClr">
+              <a:shade val="95000"/>
+              <a:satMod val="105000"/>
+            </a:schemeClr>
+          </a:solidFill>
+          <a:prstDash val="solid"/>
+        </a:ln>
+        <a:ln w="25400" cap="flat" cmpd="sng" algn="ctr">
+          <a:solidFill>
+            <a:schemeClr val="phClr"/>
+          </a:solidFill>
+          <a:prstDash val="solid"/>
+        </a:ln>
+        <a:ln w="38100" cap="flat" cmpd="sng" algn="ctr">
+          <a:solidFill>
+            <a:schemeClr val="phClr"/>
+          </a:solidFill>
+          <a:prstDash val="solid"/>
+        </a:ln>
+      </a:lnStyleLst>
+      <a:effectStyleLst>
+        <a:effectStyle>
+          <a:effectLst>
+            <a:outerShdw blurRad="40000" dist="20000" dir="5400000" rotWithShape="0">
+              <a:srgbClr val="000000">
+                <a:alpha val="38000"/>
+              </a:srgbClr>
+            </a:outerShdw>
+          </a:effectLst>
+        </a:effectStyle>
+        <a:effectStyle>
+          <a:effectLst>
+            <a:outerShdw blurRad="40000" dist="23000" dir="5400000" rotWithShape="0">
+              <a:srgbClr val="000000">
+                <a:alpha val="35000"/>
+              </a:srgbClr>
+            </a:outerShdw>
+          </a:effectLst>
+        </a:effectStyle>
+        <a:effectStyle>
+          <a:effectLst>
+            <a:outerShdw blurRad="40000" dist="23000" dir="5400000" rotWithShape="0">
+              <a:srgbClr val="000000">
+                <a:alpha val="35000"/>
+              </a:srgbClr>
+            </a:outerShdw>
+          </a:effectLst>
+          <a:scene3d>
+            <a:camera prst="orthographicFront">
+              <a:rot lat="0" lon="0" rev="0"/>
+            </a:camera>
+            <a:lightRig rig="threePt" dir="t">
+              <a:rot lat="0" lon="0" rev="1200000"/>
+            </a:lightRig>
+          </a:scene3d>
+          <a:sp3d>
+            <a:bevelT w="63500" h="25400"/>
+          </a:sp3d>
+        </a:effectStyle>
+      </a:effectStyleLst>
+      <a:bgFillStyleLst>
+        <a:solidFill>
+          <a:schemeClr val="phClr"/>
+        </a:solidFill>
+        <a:gradFill rotWithShape="1">
+          <a:gsLst>
+            <a:gs pos="0">
+              <a:schemeClr val="phClr">
+                <a:tint val="40000"/>
+                <a:satMod val="350000"/>
+              </a:schemeClr>
+            </a:gs>
+            <a:gs pos="40000">
+              <a:schemeClr val="phClr">
+                <a:tint val="45000"/>
+                <a:shade val="99000"/>
+                <a:satMod val="350000"/>
+              </a:schemeClr>
+            </a:gs>
+            <a:gs pos="100000">
+              <a:schemeClr val="phClr">
+                <a:shade val="20000"/>
+                <a:satMod val="255000"/>
+              </a:schemeClr>
+            </a:gs>
+          </a:gsLst>
+          <a:path path="circle">
+            <a:fillToRect l="50000" t="-80000" r="50000" b="180000"/>
+          </a:path>
+        </a:gradFill>
+        <a:gradFill rotWithShape="1">
+          <a:gsLst>
+            <a:gs pos="0">
+              <a:schemeClr val="phClr">
+                <a:tint val="80000"/>
+                <a:satMod val="300000"/>
+              </a:schemeClr>
+            </a:gs>
+            <a:gs pos="100000">
+              <a:schemeClr val="phClr">
+                <a:shade val="30000"/>
+                <a:satMod val="200000"/>
+              </a:schemeClr>
+            </a:gs>
+          </a:gsLst>
+          <a:path path="circle">
+            <a:fillToRect l="50000" t="50000" r="50000" b="50000"/>
+          </a:path>
+        </a:gradFill>
+      </a:bgFillStyleLst>
+    </a:fmtScheme>
+  </a:themeElements>
+</a:theme>
+</file>
+
+<file path=ppt/theme/theme2.xml><?xml version="1.0" encoding="utf-8"?>
 <a:theme xmlns:a="http://schemas.openxmlformats.org/drawingml/2006/main" xmlns:r="http://schemas.openxmlformats.org/officeDocument/2006/relationships">
   <a:themeElements>
     <a:clrScheme name="Default">
@@ -12816,283 +16373,4 @@
     </a:fmtScheme>
   </a:themeElements>
 </a:theme>
-</file>
-
-<file path=ppt/theme/theme2.xml><?xml version="1.0" encoding="utf-8"?>
-<a:theme xmlns:a="http://schemas.openxmlformats.org/drawingml/2006/main" xmlns:r="http://schemas.openxmlformats.org/officeDocument/2006/relationships" name="Office Theme">
-  <a:themeElements>
-    <a:clrScheme name="Office">
-      <a:dk1>
-        <a:srgbClr val="000000"/>
-      </a:dk1>
-      <a:lt1>
-        <a:srgbClr val="FFFFFF"/>
-      </a:lt1>
-      <a:dk2>
-        <a:srgbClr val="44546A"/>
-      </a:dk2>
-      <a:lt2>
-        <a:srgbClr val="E7E6E6"/>
-      </a:lt2>
-      <a:accent1>
-        <a:srgbClr val="4472C4"/>
-      </a:accent1>
-      <a:accent2>
-        <a:srgbClr val="ED7D31"/>
-      </a:accent2>
-      <a:accent3>
-        <a:srgbClr val="A5A5A5"/>
-      </a:accent3>
-      <a:accent4>
-        <a:srgbClr val="FFC000"/>
-      </a:accent4>
-      <a:accent5>
-        <a:srgbClr val="5B9BD5"/>
-      </a:accent5>
-      <a:accent6>
-        <a:srgbClr val="70AD47"/>
-      </a:accent6>
-      <a:hlink>
-        <a:srgbClr val="0563C1"/>
-      </a:hlink>
-      <a:folHlink>
-        <a:srgbClr val="954F72"/>
-      </a:folHlink>
-    </a:clrScheme>
-    <a:fontScheme name="Office">
-      <a:majorFont>
-        <a:latin typeface="Arial"/>
-        <a:ea typeface=""/>
-        <a:cs typeface=""/>
-        <a:font script="Jpan" typeface="ＭＳ Ｐゴシック"/>
-        <a:font script="Hang" typeface="맑은 고딕"/>
-        <a:font script="Hans" typeface="宋体"/>
-        <a:font script="Hant" typeface="新細明體"/>
-        <a:font script="Arab" typeface="Times New Roman"/>
-        <a:font script="Hebr" typeface="Times New Roman"/>
-        <a:font script="Thai" typeface="Angsana New"/>
-        <a:font script="Ethi" typeface="Nyala"/>
-        <a:font script="Beng" typeface="Vrinda"/>
-        <a:font script="Gujr" typeface="Shruti"/>
-        <a:font script="Khmr" typeface="MoolBoran"/>
-        <a:font script="Knda" typeface="Tunga"/>
-        <a:font script="Guru" typeface="Raavi"/>
-        <a:font script="Cans" typeface="Euphemia"/>
-        <a:font script="Cher" typeface="Plantagenet Cherokee"/>
-        <a:font script="Yiii" typeface="Microsoft Yi Baiti"/>
-        <a:font script="Tibt" typeface="Microsoft Himalaya"/>
-        <a:font script="Thaa" typeface="MV Boli"/>
-        <a:font script="Deva" typeface="Mangal"/>
-        <a:font script="Telu" typeface="Gautami"/>
-        <a:font script="Taml" typeface="Latha"/>
-        <a:font script="Syrc" typeface="Estrangelo Edessa"/>
-        <a:font script="Orya" typeface="Kalinga"/>
-        <a:font script="Mlym" typeface="Kartika"/>
-        <a:font script="Laoo" typeface="DokChampa"/>
-        <a:font script="Sinh" typeface="Iskoola Pota"/>
-        <a:font script="Mong" typeface="Mongolian Baiti"/>
-        <a:font script="Viet" typeface="Times New Roman"/>
-        <a:font script="Uigh" typeface="Microsoft Uighur"/>
-        <a:font script="Geor" typeface="Sylfaen"/>
-      </a:majorFont>
-      <a:minorFont>
-        <a:latin typeface="Arial"/>
-        <a:ea typeface=""/>
-        <a:cs typeface=""/>
-        <a:font script="Jpan" typeface="ＭＳ Ｐゴシック"/>
-        <a:font script="Hang" typeface="맑은 고딕"/>
-        <a:font script="Hans" typeface="宋体"/>
-        <a:font script="Hant" typeface="新細明體"/>
-        <a:font script="Arab" typeface="Arial"/>
-        <a:font script="Hebr" typeface="Arial"/>
-        <a:font script="Thai" typeface="Cordia New"/>
-        <a:font script="Ethi" typeface="Nyala"/>
-        <a:font script="Beng" typeface="Vrinda"/>
-        <a:font script="Gujr" typeface="Shruti"/>
-        <a:font script="Khmr" typeface="DaunPenh"/>
-        <a:font script="Knda" typeface="Tunga"/>
-        <a:font script="Guru" typeface="Raavi"/>
-        <a:font script="Cans" typeface="Euphemia"/>
-        <a:font script="Cher" typeface="Plantagenet Cherokee"/>
-        <a:font script="Yiii" typeface="Microsoft Yi Baiti"/>
-        <a:font script="Tibt" typeface="Microsoft Himalaya"/>
-        <a:font script="Thaa" typeface="MV Boli"/>
-        <a:font script="Deva" typeface="Mangal"/>
-        <a:font script="Telu" typeface="Gautami"/>
-        <a:font script="Taml" typeface="Latha"/>
-        <a:font script="Syrc" typeface="Estrangelo Edessa"/>
-        <a:font script="Orya" typeface="Kalinga"/>
-        <a:font script="Mlym" typeface="Kartika"/>
-        <a:font script="Laoo" typeface="DokChampa"/>
-        <a:font script="Sinh" typeface="Iskoola Pota"/>
-        <a:font script="Mong" typeface="Mongolian Baiti"/>
-        <a:font script="Viet" typeface="Arial"/>
-        <a:font script="Uigh" typeface="Microsoft Uighur"/>
-        <a:font script="Geor" typeface="Sylfaen"/>
-      </a:minorFont>
-    </a:fontScheme>
-    <a:fmtScheme name="Office">
-      <a:fillStyleLst>
-        <a:solidFill>
-          <a:schemeClr val="phClr"/>
-        </a:solidFill>
-        <a:gradFill rotWithShape="1">
-          <a:gsLst>
-            <a:gs pos="0">
-              <a:schemeClr val="phClr">
-                <a:tint val="50000"/>
-                <a:satMod val="300000"/>
-              </a:schemeClr>
-            </a:gs>
-            <a:gs pos="35000">
-              <a:schemeClr val="phClr">
-                <a:tint val="37000"/>
-                <a:satMod val="300000"/>
-              </a:schemeClr>
-            </a:gs>
-            <a:gs pos="100000">
-              <a:schemeClr val="phClr">
-                <a:tint val="15000"/>
-                <a:satMod val="350000"/>
-              </a:schemeClr>
-            </a:gs>
-          </a:gsLst>
-          <a:lin ang="16200000" scaled="1"/>
-        </a:gradFill>
-        <a:gradFill rotWithShape="1">
-          <a:gsLst>
-            <a:gs pos="0">
-              <a:schemeClr val="phClr">
-                <a:tint val="100000"/>
-                <a:shade val="100000"/>
-                <a:satMod val="130000"/>
-              </a:schemeClr>
-            </a:gs>
-            <a:gs pos="100000">
-              <a:schemeClr val="phClr">
-                <a:tint val="50000"/>
-                <a:shade val="100000"/>
-                <a:satMod val="350000"/>
-              </a:schemeClr>
-            </a:gs>
-          </a:gsLst>
-          <a:lin ang="16200000" scaled="0"/>
-        </a:gradFill>
-      </a:fillStyleLst>
-      <a:lnStyleLst>
-        <a:ln w="9525" cap="flat" cmpd="sng" algn="ctr">
-          <a:solidFill>
-            <a:schemeClr val="phClr">
-              <a:shade val="95000"/>
-              <a:satMod val="105000"/>
-            </a:schemeClr>
-          </a:solidFill>
-          <a:prstDash val="solid"/>
-        </a:ln>
-        <a:ln w="25400" cap="flat" cmpd="sng" algn="ctr">
-          <a:solidFill>
-            <a:schemeClr val="phClr"/>
-          </a:solidFill>
-          <a:prstDash val="solid"/>
-        </a:ln>
-        <a:ln w="38100" cap="flat" cmpd="sng" algn="ctr">
-          <a:solidFill>
-            <a:schemeClr val="phClr"/>
-          </a:solidFill>
-          <a:prstDash val="solid"/>
-        </a:ln>
-      </a:lnStyleLst>
-      <a:effectStyleLst>
-        <a:effectStyle>
-          <a:effectLst>
-            <a:outerShdw blurRad="40000" dist="20000" dir="5400000" rotWithShape="0">
-              <a:srgbClr val="000000">
-                <a:alpha val="38000"/>
-              </a:srgbClr>
-            </a:outerShdw>
-          </a:effectLst>
-        </a:effectStyle>
-        <a:effectStyle>
-          <a:effectLst>
-            <a:outerShdw blurRad="40000" dist="23000" dir="5400000" rotWithShape="0">
-              <a:srgbClr val="000000">
-                <a:alpha val="35000"/>
-              </a:srgbClr>
-            </a:outerShdw>
-          </a:effectLst>
-        </a:effectStyle>
-        <a:effectStyle>
-          <a:effectLst>
-            <a:outerShdw blurRad="40000" dist="23000" dir="5400000" rotWithShape="0">
-              <a:srgbClr val="000000">
-                <a:alpha val="35000"/>
-              </a:srgbClr>
-            </a:outerShdw>
-          </a:effectLst>
-          <a:scene3d>
-            <a:camera prst="orthographicFront">
-              <a:rot lat="0" lon="0" rev="0"/>
-            </a:camera>
-            <a:lightRig rig="threePt" dir="t">
-              <a:rot lat="0" lon="0" rev="1200000"/>
-            </a:lightRig>
-          </a:scene3d>
-          <a:sp3d>
-            <a:bevelT w="63500" h="25400"/>
-          </a:sp3d>
-        </a:effectStyle>
-      </a:effectStyleLst>
-      <a:bgFillStyleLst>
-        <a:solidFill>
-          <a:schemeClr val="phClr"/>
-        </a:solidFill>
-        <a:gradFill rotWithShape="1">
-          <a:gsLst>
-            <a:gs pos="0">
-              <a:schemeClr val="phClr">
-                <a:tint val="40000"/>
-                <a:satMod val="350000"/>
-              </a:schemeClr>
-            </a:gs>
-            <a:gs pos="40000">
-              <a:schemeClr val="phClr">
-                <a:tint val="45000"/>
-                <a:shade val="99000"/>
-                <a:satMod val="350000"/>
-              </a:schemeClr>
-            </a:gs>
-            <a:gs pos="100000">
-              <a:schemeClr val="phClr">
-                <a:shade val="20000"/>
-                <a:satMod val="255000"/>
-              </a:schemeClr>
-            </a:gs>
-          </a:gsLst>
-          <a:path path="circle">
-            <a:fillToRect l="50000" t="-80000" r="50000" b="180000"/>
-          </a:path>
-        </a:gradFill>
-        <a:gradFill rotWithShape="1">
-          <a:gsLst>
-            <a:gs pos="0">
-              <a:schemeClr val="phClr">
-                <a:tint val="80000"/>
-                <a:satMod val="300000"/>
-              </a:schemeClr>
-            </a:gs>
-            <a:gs pos="100000">
-              <a:schemeClr val="phClr">
-                <a:shade val="30000"/>
-                <a:satMod val="200000"/>
-              </a:schemeClr>
-            </a:gs>
-          </a:gsLst>
-          <a:path path="circle">
-            <a:fillToRect l="50000" t="50000" r="50000" b="50000"/>
-          </a:path>
-        </a:gradFill>
-      </a:bgFillStyleLst>
-    </a:fmtScheme>
-  </a:themeElements>
-</a:theme>
 </file>
--- a/Project #2 (FISA Project).pptx
+++ b/Project #2 (FISA Project).pptx
@@ -15567,24 +15567,122 @@
           </a:bodyPr>
           <a:lstStyle/>
           <a:p>
-            <a:pPr indent="-50800" lvl="0" marL="228600" rtl="0" algn="l">
-              <a:lnSpc>
-                <a:spcPct val="90000"/>
-              </a:lnSpc>
-              <a:spcBef>
-                <a:spcPts val="0"/>
-              </a:spcBef>
-              <a:spcAft>
-                <a:spcPts val="0"/>
-              </a:spcAft>
-              <a:buClr>
-                <a:schemeClr val="dk1"/>
-              </a:buClr>
-              <a:buSzPts val="2800"/>
-              <a:buNone/>
+            <a:pPr indent="-342900" lvl="0" marL="457200" rtl="0" algn="l">
+              <a:lnSpc>
+                <a:spcPct val="90000"/>
+              </a:lnSpc>
+              <a:spcBef>
+                <a:spcPts val="0"/>
+              </a:spcBef>
+              <a:spcAft>
+                <a:spcPts val="0"/>
+              </a:spcAft>
+              <a:buSzPts val="1800"/>
+              <a:buChar char="•"/>
             </a:pPr>
             <a:r>
-              <a:t/>
+              <a:rPr lang="en-US"/>
+              <a:t>Modeling: Ambiguous terms. ex. intentional</a:t>
+            </a:r>
+            <a:endParaRPr/>
+          </a:p>
+          <a:p>
+            <a:pPr indent="-342900" lvl="1" marL="914400" rtl="0" algn="l">
+              <a:lnSpc>
+                <a:spcPct val="90000"/>
+              </a:lnSpc>
+              <a:spcBef>
+                <a:spcPts val="0"/>
+              </a:spcBef>
+              <a:spcAft>
+                <a:spcPts val="0"/>
+              </a:spcAft>
+              <a:buSzPts val="1800"/>
+              <a:buChar char="•"/>
+            </a:pPr>
+            <a:r>
+              <a:rPr lang="en-US"/>
+              <a:t>differentiating between circumstances</a:t>
+            </a:r>
+            <a:endParaRPr/>
+          </a:p>
+          <a:p>
+            <a:pPr indent="-342900" lvl="1" marL="914400" rtl="0" algn="l">
+              <a:lnSpc>
+                <a:spcPct val="90000"/>
+              </a:lnSpc>
+              <a:spcBef>
+                <a:spcPts val="0"/>
+              </a:spcBef>
+              <a:spcAft>
+                <a:spcPts val="0"/>
+              </a:spcAft>
+              <a:buSzPts val="1800"/>
+              <a:buChar char="•"/>
+            </a:pPr>
+            <a:r>
+              <a:rPr lang="en-US"/>
+              <a:t>fuzzy: reasonable expectations of privacy</a:t>
+            </a:r>
+            <a:endParaRPr/>
+          </a:p>
+          <a:p>
+            <a:pPr indent="-342900" lvl="0" marL="457200" rtl="0" algn="l">
+              <a:lnSpc>
+                <a:spcPct val="90000"/>
+              </a:lnSpc>
+              <a:spcBef>
+                <a:spcPts val="0"/>
+              </a:spcBef>
+              <a:spcAft>
+                <a:spcPts val="0"/>
+              </a:spcAft>
+              <a:buSzPts val="1800"/>
+              <a:buChar char="•"/>
+            </a:pPr>
+            <a:r>
+              <a:rPr lang="en-US"/>
+              <a:t>Translation: How to convert inputs into formulaic axioms</a:t>
+            </a:r>
+            <a:endParaRPr/>
+          </a:p>
+          <a:p>
+            <a:pPr indent="-342900" lvl="0" marL="457200" rtl="0" algn="l">
+              <a:lnSpc>
+                <a:spcPct val="90000"/>
+              </a:lnSpc>
+              <a:spcBef>
+                <a:spcPts val="0"/>
+              </a:spcBef>
+              <a:spcAft>
+                <a:spcPts val="0"/>
+              </a:spcAft>
+              <a:buSzPts val="1800"/>
+              <a:buChar char="•"/>
+            </a:pPr>
+            <a:r>
+              <a:rPr lang="en-US"/>
+              <a:t>GUI: How to communicate clearly to users</a:t>
+            </a:r>
+            <a:endParaRPr/>
+          </a:p>
+          <a:p>
+            <a:pPr indent="-342900" lvl="1" marL="914400" rtl="0" algn="l">
+              <a:lnSpc>
+                <a:spcPct val="90000"/>
+              </a:lnSpc>
+              <a:spcBef>
+                <a:spcPts val="0"/>
+              </a:spcBef>
+              <a:spcAft>
+                <a:spcPts val="0"/>
+              </a:spcAft>
+              <a:buSzPts val="1800"/>
+              <a:buChar char="•"/>
+            </a:pPr>
+            <a:r>
+              <a:rPr lang="en-US"/>
+              <a:t>Differentiation between our interpretations inherent in our questioning and the law.</a:t>
             </a:r>
             <a:endParaRPr/>
           </a:p>
@@ -15818,6 +15916,285 @@
 </file>
 
 <file path=ppt/theme/theme1.xml><?xml version="1.0" encoding="utf-8"?>
+<a:theme xmlns:a="http://schemas.openxmlformats.org/drawingml/2006/main" xmlns:r="http://schemas.openxmlformats.org/officeDocument/2006/relationships">
+  <a:themeElements>
+    <a:clrScheme name="Default">
+      <a:dk1>
+        <a:srgbClr val="000000"/>
+      </a:dk1>
+      <a:lt1>
+        <a:srgbClr val="FFFFFF"/>
+      </a:lt1>
+      <a:dk2>
+        <a:srgbClr val="158158"/>
+      </a:dk2>
+      <a:lt2>
+        <a:srgbClr val="F3F3F3"/>
+      </a:lt2>
+      <a:accent1>
+        <a:srgbClr val="058DC7"/>
+      </a:accent1>
+      <a:accent2>
+        <a:srgbClr val="50B432"/>
+      </a:accent2>
+      <a:accent3>
+        <a:srgbClr val="ED561B"/>
+      </a:accent3>
+      <a:accent4>
+        <a:srgbClr val="EDEF00"/>
+      </a:accent4>
+      <a:accent5>
+        <a:srgbClr val="24CBE5"/>
+      </a:accent5>
+      <a:accent6>
+        <a:srgbClr val="64E572"/>
+      </a:accent6>
+      <a:hlink>
+        <a:srgbClr val="2200CC"/>
+      </a:hlink>
+      <a:folHlink>
+        <a:srgbClr val="551A8B"/>
+      </a:folHlink>
+    </a:clrScheme>
+    <a:fontScheme name="Office">
+      <a:majorFont>
+        <a:latin typeface="Arial"/>
+        <a:ea typeface=""/>
+        <a:cs typeface=""/>
+        <a:font script="Jpan" typeface="ＭＳ Ｐゴシック"/>
+        <a:font script="Hang" typeface="맑은 고딕"/>
+        <a:font script="Hans" typeface="宋体"/>
+        <a:font script="Hant" typeface="新細明體"/>
+        <a:font script="Arab" typeface="Times New Roman"/>
+        <a:font script="Hebr" typeface="Times New Roman"/>
+        <a:font script="Thai" typeface="Angsana New"/>
+        <a:font script="Ethi" typeface="Nyala"/>
+        <a:font script="Beng" typeface="Vrinda"/>
+        <a:font script="Gujr" typeface="Shruti"/>
+        <a:font script="Khmr" typeface="MoolBoran"/>
+        <a:font script="Knda" typeface="Tunga"/>
+        <a:font script="Guru" typeface="Raavi"/>
+        <a:font script="Cans" typeface="Euphemia"/>
+        <a:font script="Cher" typeface="Plantagenet Cherokee"/>
+        <a:font script="Yiii" typeface="Microsoft Yi Baiti"/>
+        <a:font script="Tibt" typeface="Microsoft Himalaya"/>
+        <a:font script="Thaa" typeface="MV Boli"/>
+        <a:font script="Deva" typeface="Mangal"/>
+        <a:font script="Telu" typeface="Gautami"/>
+        <a:font script="Taml" typeface="Latha"/>
+        <a:font script="Syrc" typeface="Estrangelo Edessa"/>
+        <a:font script="Orya" typeface="Kalinga"/>
+        <a:font script="Mlym" typeface="Kartika"/>
+        <a:font script="Laoo" typeface="DokChampa"/>
+        <a:font script="Sinh" typeface="Iskoola Pota"/>
+        <a:font script="Mong" typeface="Mongolian Baiti"/>
+        <a:font script="Viet" typeface="Times New Roman"/>
+        <a:font script="Uigh" typeface="Microsoft Uighur"/>
+        <a:font script="Geor" typeface="Sylfaen"/>
+      </a:majorFont>
+      <a:minorFont>
+        <a:latin typeface="Arial"/>
+        <a:ea typeface=""/>
+        <a:cs typeface=""/>
+        <a:font script="Jpan" typeface="ＭＳ Ｐゴシック"/>
+        <a:font script="Hang" typeface="맑은 고딕"/>
+        <a:font script="Hans" typeface="宋体"/>
+        <a:font script="Hant" typeface="新細明體"/>
+        <a:font script="Arab" typeface="Arial"/>
+        <a:font script="Hebr" typeface="Arial"/>
+        <a:font script="Thai" typeface="Cordia New"/>
+        <a:font script="Ethi" typeface="Nyala"/>
+        <a:font script="Beng" typeface="Vrinda"/>
+        <a:font script="Gujr" typeface="Shruti"/>
+        <a:font script="Khmr" typeface="DaunPenh"/>
+        <a:font script="Knda" typeface="Tunga"/>
+        <a:font script="Guru" typeface="Raavi"/>
+        <a:font script="Cans" typeface="Euphemia"/>
+        <a:font script="Cher" typeface="Plantagenet Cherokee"/>
+        <a:font script="Yiii" typeface="Microsoft Yi Baiti"/>
+        <a:font script="Tibt" typeface="Microsoft Himalaya"/>
+        <a:font script="Thaa" typeface="MV Boli"/>
+        <a:font script="Deva" typeface="Mangal"/>
+        <a:font script="Telu" typeface="Gautami"/>
+        <a:font script="Taml" typeface="Latha"/>
+        <a:font script="Syrc" typeface="Estrangelo Edessa"/>
+        <a:font script="Orya" typeface="Kalinga"/>
+        <a:font script="Mlym" typeface="Kartika"/>
+        <a:font script="Laoo" typeface="DokChampa"/>
+        <a:font script="Sinh" typeface="Iskoola Pota"/>
+        <a:font script="Mong" typeface="Mongolian Baiti"/>
+        <a:font script="Viet" typeface="Arial"/>
+        <a:font script="Uigh" typeface="Microsoft Uighur"/>
+        <a:font script="Geor" typeface="Sylfaen"/>
+      </a:minorFont>
+    </a:fontScheme>
+    <a:fmtScheme name="Office">
+      <a:fillStyleLst>
+        <a:solidFill>
+          <a:schemeClr val="phClr"/>
+        </a:solidFill>
+        <a:gradFill rotWithShape="1">
+          <a:gsLst>
+            <a:gs pos="0">
+              <a:schemeClr val="phClr">
+                <a:tint val="50000"/>
+                <a:satMod val="300000"/>
+              </a:schemeClr>
+            </a:gs>
+            <a:gs pos="35000">
+              <a:schemeClr val="phClr">
+                <a:tint val="37000"/>
+                <a:satMod val="300000"/>
+              </a:schemeClr>
+            </a:gs>
+            <a:gs pos="100000">
+              <a:schemeClr val="phClr">
+                <a:tint val="15000"/>
+                <a:satMod val="350000"/>
+              </a:schemeClr>
+            </a:gs>
+          </a:gsLst>
+          <a:lin ang="16200000" scaled="1"/>
+        </a:gradFill>
+        <a:gradFill rotWithShape="1">
+          <a:gsLst>
+            <a:gs pos="0">
+              <a:schemeClr val="phClr">
+                <a:tint val="100000"/>
+                <a:shade val="100000"/>
+                <a:satMod val="130000"/>
+              </a:schemeClr>
+            </a:gs>
+            <a:gs pos="100000">
+              <a:schemeClr val="phClr">
+                <a:tint val="50000"/>
+                <a:shade val="100000"/>
+                <a:satMod val="350000"/>
+              </a:schemeClr>
+            </a:gs>
+          </a:gsLst>
+          <a:lin ang="16200000" scaled="0"/>
+        </a:gradFill>
+      </a:fillStyleLst>
+      <a:lnStyleLst>
+        <a:ln w="9525" cap="flat" cmpd="sng" algn="ctr">
+          <a:solidFill>
+            <a:schemeClr val="phClr">
+              <a:shade val="95000"/>
+              <a:satMod val="105000"/>
+            </a:schemeClr>
+          </a:solidFill>
+          <a:prstDash val="solid"/>
+        </a:ln>
+        <a:ln w="25400" cap="flat" cmpd="sng" algn="ctr">
+          <a:solidFill>
+            <a:schemeClr val="phClr"/>
+          </a:solidFill>
+          <a:prstDash val="solid"/>
+        </a:ln>
+        <a:ln w="38100" cap="flat" cmpd="sng" algn="ctr">
+          <a:solidFill>
+            <a:schemeClr val="phClr"/>
+          </a:solidFill>
+          <a:prstDash val="solid"/>
+        </a:ln>
+      </a:lnStyleLst>
+      <a:effectStyleLst>
+        <a:effectStyle>
+          <a:effectLst>
+            <a:outerShdw blurRad="40000" dist="20000" dir="5400000" rotWithShape="0">
+              <a:srgbClr val="000000">
+                <a:alpha val="38000"/>
+              </a:srgbClr>
+            </a:outerShdw>
+          </a:effectLst>
+        </a:effectStyle>
+        <a:effectStyle>
+          <a:effectLst>
+            <a:outerShdw blurRad="40000" dist="23000" dir="5400000" rotWithShape="0">
+              <a:srgbClr val="000000">
+                <a:alpha val="35000"/>
+              </a:srgbClr>
+            </a:outerShdw>
+          </a:effectLst>
+        </a:effectStyle>
+        <a:effectStyle>
+          <a:effectLst>
+            <a:outerShdw blurRad="40000" dist="23000" dir="5400000" rotWithShape="0">
+              <a:srgbClr val="000000">
+                <a:alpha val="35000"/>
+              </a:srgbClr>
+            </a:outerShdw>
+          </a:effectLst>
+          <a:scene3d>
+            <a:camera prst="orthographicFront">
+              <a:rot lat="0" lon="0" rev="0"/>
+            </a:camera>
+            <a:lightRig rig="threePt" dir="t">
+              <a:rot lat="0" lon="0" rev="1200000"/>
+            </a:lightRig>
+          </a:scene3d>
+          <a:sp3d>
+            <a:bevelT w="63500" h="25400"/>
+          </a:sp3d>
+        </a:effectStyle>
+      </a:effectStyleLst>
+      <a:bgFillStyleLst>
+        <a:solidFill>
+          <a:schemeClr val="phClr"/>
+        </a:solidFill>
+        <a:gradFill rotWithShape="1">
+          <a:gsLst>
+            <a:gs pos="0">
+              <a:schemeClr val="phClr">
+                <a:tint val="40000"/>
+                <a:satMod val="350000"/>
+              </a:schemeClr>
+            </a:gs>
+            <a:gs pos="40000">
+              <a:schemeClr val="phClr">
+                <a:tint val="45000"/>
+                <a:shade val="99000"/>
+                <a:satMod val="350000"/>
+              </a:schemeClr>
+            </a:gs>
+            <a:gs pos="100000">
+              <a:schemeClr val="phClr">
+                <a:shade val="20000"/>
+                <a:satMod val="255000"/>
+              </a:schemeClr>
+            </a:gs>
+          </a:gsLst>
+          <a:path path="circle">
+            <a:fillToRect l="50000" t="-80000" r="50000" b="180000"/>
+          </a:path>
+        </a:gradFill>
+        <a:gradFill rotWithShape="1">
+          <a:gsLst>
+            <a:gs pos="0">
+              <a:schemeClr val="phClr">
+                <a:tint val="80000"/>
+                <a:satMod val="300000"/>
+              </a:schemeClr>
+            </a:gs>
+            <a:gs pos="100000">
+              <a:schemeClr val="phClr">
+                <a:shade val="30000"/>
+                <a:satMod val="200000"/>
+              </a:schemeClr>
+            </a:gs>
+          </a:gsLst>
+          <a:path path="circle">
+            <a:fillToRect l="50000" t="50000" r="50000" b="50000"/>
+          </a:path>
+        </a:gradFill>
+      </a:bgFillStyleLst>
+    </a:fmtScheme>
+  </a:themeElements>
+</a:theme>
+</file>
+
+<file path=ppt/theme/theme2.xml><?xml version="1.0" encoding="utf-8"?>
 <a:theme xmlns:a="http://schemas.openxmlformats.org/drawingml/2006/main" xmlns:r="http://schemas.openxmlformats.org/officeDocument/2006/relationships" name="Office Theme">
   <a:themeElements>
     <a:clrScheme name="Office">
@@ -16094,283 +16471,4 @@
     </a:fmtScheme>
   </a:themeElements>
 </a:theme>
-</file>
-
-<file path=ppt/theme/theme2.xml><?xml version="1.0" encoding="utf-8"?>
-<a:theme xmlns:a="http://schemas.openxmlformats.org/drawingml/2006/main" xmlns:r="http://schemas.openxmlformats.org/officeDocument/2006/relationships">
-  <a:themeElements>
-    <a:clrScheme name="Default">
-      <a:dk1>
-        <a:srgbClr val="000000"/>
-      </a:dk1>
-      <a:lt1>
-        <a:srgbClr val="FFFFFF"/>
-      </a:lt1>
-      <a:dk2>
-        <a:srgbClr val="158158"/>
-      </a:dk2>
-      <a:lt2>
-        <a:srgbClr val="F3F3F3"/>
-      </a:lt2>
-      <a:accent1>
-        <a:srgbClr val="058DC7"/>
-      </a:accent1>
-      <a:accent2>
-        <a:srgbClr val="50B432"/>
-      </a:accent2>
-      <a:accent3>
-        <a:srgbClr val="ED561B"/>
-      </a:accent3>
-      <a:accent4>
-        <a:srgbClr val="EDEF00"/>
-      </a:accent4>
-      <a:accent5>
-        <a:srgbClr val="24CBE5"/>
-      </a:accent5>
-      <a:accent6>
-        <a:srgbClr val="64E572"/>
-      </a:accent6>
-      <a:hlink>
-        <a:srgbClr val="2200CC"/>
-      </a:hlink>
-      <a:folHlink>
-        <a:srgbClr val="551A8B"/>
-      </a:folHlink>
-    </a:clrScheme>
-    <a:fontScheme name="Office">
-      <a:majorFont>
-        <a:latin typeface="Arial"/>
-        <a:ea typeface=""/>
-        <a:cs typeface=""/>
-        <a:font script="Jpan" typeface="ＭＳ Ｐゴシック"/>
-        <a:font script="Hang" typeface="맑은 고딕"/>
-        <a:font script="Hans" typeface="宋体"/>
-        <a:font script="Hant" typeface="新細明體"/>
-        <a:font script="Arab" typeface="Times New Roman"/>
-        <a:font script="Hebr" typeface="Times New Roman"/>
-        <a:font script="Thai" typeface="Angsana New"/>
-        <a:font script="Ethi" typeface="Nyala"/>
-        <a:font script="Beng" typeface="Vrinda"/>
-        <a:font script="Gujr" typeface="Shruti"/>
-        <a:font script="Khmr" typeface="MoolBoran"/>
-        <a:font script="Knda" typeface="Tunga"/>
-        <a:font script="Guru" typeface="Raavi"/>
-        <a:font script="Cans" typeface="Euphemia"/>
-        <a:font script="Cher" typeface="Plantagenet Cherokee"/>
-        <a:font script="Yiii" typeface="Microsoft Yi Baiti"/>
-        <a:font script="Tibt" typeface="Microsoft Himalaya"/>
-        <a:font script="Thaa" typeface="MV Boli"/>
-        <a:font script="Deva" typeface="Mangal"/>
-        <a:font script="Telu" typeface="Gautami"/>
-        <a:font script="Taml" typeface="Latha"/>
-        <a:font script="Syrc" typeface="Estrangelo Edessa"/>
-        <a:font script="Orya" typeface="Kalinga"/>
-        <a:font script="Mlym" typeface="Kartika"/>
-        <a:font script="Laoo" typeface="DokChampa"/>
-        <a:font script="Sinh" typeface="Iskoola Pota"/>
-        <a:font script="Mong" typeface="Mongolian Baiti"/>
-        <a:font script="Viet" typeface="Times New Roman"/>
-        <a:font script="Uigh" typeface="Microsoft Uighur"/>
-        <a:font script="Geor" typeface="Sylfaen"/>
-      </a:majorFont>
-      <a:minorFont>
-        <a:latin typeface="Arial"/>
-        <a:ea typeface=""/>
-        <a:cs typeface=""/>
-        <a:font script="Jpan" typeface="ＭＳ Ｐゴシック"/>
-        <a:font script="Hang" typeface="맑은 고딕"/>
-        <a:font script="Hans" typeface="宋体"/>
-        <a:font script="Hant" typeface="新細明體"/>
-        <a:font script="Arab" typeface="Arial"/>
-        <a:font script="Hebr" typeface="Arial"/>
-        <a:font script="Thai" typeface="Cordia New"/>
-        <a:font script="Ethi" typeface="Nyala"/>
-        <a:font script="Beng" typeface="Vrinda"/>
-        <a:font script="Gujr" typeface="Shruti"/>
-        <a:font script="Khmr" typeface="DaunPenh"/>
-        <a:font script="Knda" typeface="Tunga"/>
-        <a:font script="Guru" typeface="Raavi"/>
-        <a:font script="Cans" typeface="Euphemia"/>
-        <a:font script="Cher" typeface="Plantagenet Cherokee"/>
-        <a:font script="Yiii" typeface="Microsoft Yi Baiti"/>
-        <a:font script="Tibt" typeface="Microsoft Himalaya"/>
-        <a:font script="Thaa" typeface="MV Boli"/>
-        <a:font script="Deva" typeface="Mangal"/>
-        <a:font script="Telu" typeface="Gautami"/>
-        <a:font script="Taml" typeface="Latha"/>
-        <a:font script="Syrc" typeface="Estrangelo Edessa"/>
-        <a:font script="Orya" typeface="Kalinga"/>
-        <a:font script="Mlym" typeface="Kartika"/>
-        <a:font script="Laoo" typeface="DokChampa"/>
-        <a:font script="Sinh" typeface="Iskoola Pota"/>
-        <a:font script="Mong" typeface="Mongolian Baiti"/>
-        <a:font script="Viet" typeface="Arial"/>
-        <a:font script="Uigh" typeface="Microsoft Uighur"/>
-        <a:font script="Geor" typeface="Sylfaen"/>
-      </a:minorFont>
-    </a:fontScheme>
-    <a:fmtScheme name="Office">
-      <a:fillStyleLst>
-        <a:solidFill>
-          <a:schemeClr val="phClr"/>
-        </a:solidFill>
-        <a:gradFill rotWithShape="1">
-          <a:gsLst>
-            <a:gs pos="0">
-              <a:schemeClr val="phClr">
-                <a:tint val="50000"/>
-                <a:satMod val="300000"/>
-              </a:schemeClr>
-            </a:gs>
-            <a:gs pos="35000">
-              <a:schemeClr val="phClr">
-                <a:tint val="37000"/>
-                <a:satMod val="300000"/>
-              </a:schemeClr>
-            </a:gs>
-            <a:gs pos="100000">
-              <a:schemeClr val="phClr">
-                <a:tint val="15000"/>
-                <a:satMod val="350000"/>
-              </a:schemeClr>
-            </a:gs>
-          </a:gsLst>
-          <a:lin ang="16200000" scaled="1"/>
-        </a:gradFill>
-        <a:gradFill rotWithShape="1">
-          <a:gsLst>
-            <a:gs pos="0">
-              <a:schemeClr val="phClr">
-                <a:tint val="100000"/>
-                <a:shade val="100000"/>
-                <a:satMod val="130000"/>
-              </a:schemeClr>
-            </a:gs>
-            <a:gs pos="100000">
-              <a:schemeClr val="phClr">
-                <a:tint val="50000"/>
-                <a:shade val="100000"/>
-                <a:satMod val="350000"/>
-              </a:schemeClr>
-            </a:gs>
-          </a:gsLst>
-          <a:lin ang="16200000" scaled="0"/>
-        </a:gradFill>
-      </a:fillStyleLst>
-      <a:lnStyleLst>
-        <a:ln w="9525" cap="flat" cmpd="sng" algn="ctr">
-          <a:solidFill>
-            <a:schemeClr val="phClr">
-              <a:shade val="95000"/>
-              <a:satMod val="105000"/>
-            </a:schemeClr>
-          </a:solidFill>
-          <a:prstDash val="solid"/>
-        </a:ln>
-        <a:ln w="25400" cap="flat" cmpd="sng" algn="ctr">
-          <a:solidFill>
-            <a:schemeClr val="phClr"/>
-          </a:solidFill>
-          <a:prstDash val="solid"/>
-        </a:ln>
-        <a:ln w="38100" cap="flat" cmpd="sng" algn="ctr">
-          <a:solidFill>
-            <a:schemeClr val="phClr"/>
-          </a:solidFill>
-          <a:prstDash val="solid"/>
-        </a:ln>
-      </a:lnStyleLst>
-      <a:effectStyleLst>
-        <a:effectStyle>
-          <a:effectLst>
-            <a:outerShdw blurRad="40000" dist="20000" dir="5400000" rotWithShape="0">
-              <a:srgbClr val="000000">
-                <a:alpha val="38000"/>
-              </a:srgbClr>
-            </a:outerShdw>
-          </a:effectLst>
-        </a:effectStyle>
-        <a:effectStyle>
-          <a:effectLst>
-            <a:outerShdw blurRad="40000" dist="23000" dir="5400000" rotWithShape="0">
-              <a:srgbClr val="000000">
-                <a:alpha val="35000"/>
-              </a:srgbClr>
-            </a:outerShdw>
-          </a:effectLst>
-        </a:effectStyle>
-        <a:effectStyle>
-          <a:effectLst>
-            <a:outerShdw blurRad="40000" dist="23000" dir="5400000" rotWithShape="0">
-              <a:srgbClr val="000000">
-                <a:alpha val="35000"/>
-              </a:srgbClr>
-            </a:outerShdw>
-          </a:effectLst>
-          <a:scene3d>
-            <a:camera prst="orthographicFront">
-              <a:rot lat="0" lon="0" rev="0"/>
-            </a:camera>
-            <a:lightRig rig="threePt" dir="t">
-              <a:rot lat="0" lon="0" rev="1200000"/>
-            </a:lightRig>
-          </a:scene3d>
-          <a:sp3d>
-            <a:bevelT w="63500" h="25400"/>
-          </a:sp3d>
-        </a:effectStyle>
-      </a:effectStyleLst>
-      <a:bgFillStyleLst>
-        <a:solidFill>
-          <a:schemeClr val="phClr"/>
-        </a:solidFill>
-        <a:gradFill rotWithShape="1">
-          <a:gsLst>
-            <a:gs pos="0">
-              <a:schemeClr val="phClr">
-                <a:tint val="40000"/>
-                <a:satMod val="350000"/>
-              </a:schemeClr>
-            </a:gs>
-            <a:gs pos="40000">
-              <a:schemeClr val="phClr">
-                <a:tint val="45000"/>
-                <a:shade val="99000"/>
-                <a:satMod val="350000"/>
-              </a:schemeClr>
-            </a:gs>
-            <a:gs pos="100000">
-              <a:schemeClr val="phClr">
-                <a:shade val="20000"/>
-                <a:satMod val="255000"/>
-              </a:schemeClr>
-            </a:gs>
-          </a:gsLst>
-          <a:path path="circle">
-            <a:fillToRect l="50000" t="-80000" r="50000" b="180000"/>
-          </a:path>
-        </a:gradFill>
-        <a:gradFill rotWithShape="1">
-          <a:gsLst>
-            <a:gs pos="0">
-              <a:schemeClr val="phClr">
-                <a:tint val="80000"/>
-                <a:satMod val="300000"/>
-              </a:schemeClr>
-            </a:gs>
-            <a:gs pos="100000">
-              <a:schemeClr val="phClr">
-                <a:shade val="30000"/>
-                <a:satMod val="200000"/>
-              </a:schemeClr>
-            </a:gs>
-          </a:gsLst>
-          <a:path path="circle">
-            <a:fillToRect l="50000" t="50000" r="50000" b="50000"/>
-          </a:path>
-        </a:gradFill>
-      </a:bgFillStyleLst>
-    </a:fmtScheme>
-  </a:themeElements>
-</a:theme>
 </file>
--- a/Project #2 (FISA Project).pptx
+++ b/Project #2 (FISA Project).pptx
@@ -9,7 +9,7 @@
   </p:notesMasterIdLst>
   <p:sldIdLst>
     <p:sldId id="256" r:id="rId2"/>
-    <p:sldId id="264" r:id="rId3"/>
+    <p:sldId id="266" r:id="rId3"/>
     <p:sldId id="263" r:id="rId4"/>
     <p:sldId id="265" r:id="rId5"/>
   </p:sldIdLst>
@@ -246,7 +246,7 @@
   </p:defaultTextStyle>
   <p:extLst>
     <p:ext uri="http://customooxmlschemas.google.com/">
-      <go:slidesCustomData xmlns:go="http://customooxmlschemas.google.com/" xmlns:ahyp="http://schemas.microsoft.com/office/drawing/2018/hyperlinkcolor" xmlns:p15="http://schemas.microsoft.com/office/powerpoint/2012/main" xmlns:p14="http://schemas.microsoft.com/office/powerpoint/2010/main" xmlns:com="http://schemas.openxmlformats.org/drawingml/2006/compatibility" xmlns:pvml="urn:schemas-microsoft-com:office:powerpoint" xmlns:v="urn:schemas-microsoft-com:vml" xmlns:o="urn:schemas-microsoft-com:office:office" xmlns:dgm="http://schemas.openxmlformats.org/drawingml/2006/diagram" xmlns:c="http://schemas.openxmlformats.org/drawingml/2006/chart" xmlns:mv="urn:schemas-microsoft-com:mac:vml" xmlns:mc="http://schemas.openxmlformats.org/markup-compatibility/2006" xmlns="" r:id="rId12" roundtripDataSignature="AMtx7miZck7SWbb83TBq8BEzv4p+KEJgNg=="/>
+      <go:slidesCustomData xmlns="" xmlns:mc="http://schemas.openxmlformats.org/markup-compatibility/2006" xmlns:mv="urn:schemas-microsoft-com:mac:vml" xmlns:c="http://schemas.openxmlformats.org/drawingml/2006/chart" xmlns:dgm="http://schemas.openxmlformats.org/drawingml/2006/diagram" xmlns:o="urn:schemas-microsoft-com:office:office" xmlns:v="urn:schemas-microsoft-com:vml" xmlns:pvml="urn:schemas-microsoft-com:office:powerpoint" xmlns:com="http://schemas.openxmlformats.org/drawingml/2006/compatibility" xmlns:p14="http://schemas.microsoft.com/office/powerpoint/2010/main" xmlns:p15="http://schemas.microsoft.com/office/powerpoint/2012/main" xmlns:ahyp="http://schemas.microsoft.com/office/drawing/2018/hyperlinkcolor" xmlns:go="http://customooxmlschemas.google.com/" r:id="rId12" roundtripDataSignature="AMtx7miZck7SWbb83TBq8BEzv4p+KEJgNg=="/>
     </p:ext>
   </p:extLst>
 </p:presentation>
@@ -4849,199 +4849,461 @@
             <a:spLocks noGrp="1"/>
           </p:cNvSpPr>
           <p:nvPr>
-            <p:ph idx="1"/>
+            <p:ph sz="half" idx="1"/>
           </p:nvPr>
         </p:nvSpPr>
         <p:spPr/>
         <p:txBody>
           <a:bodyPr>
-            <a:normAutofit fontScale="92500" lnSpcReduction="10000"/>
+            <a:normAutofit/>
           </a:bodyPr>
           <a:lstStyle/>
           <a:p>
             <a:r>
-              <a:rPr lang="en-US" dirty="0" smtClean="0"/>
+              <a:rPr lang="en-US" sz="2000" dirty="0"/>
               <a:t>Example #1</a:t>
             </a:r>
           </a:p>
           <a:p>
             <a:pPr lvl="1"/>
             <a:r>
-              <a:rPr lang="en-US" sz="1700" dirty="0"/>
-              <a:t>Other surveillance, wire, sender is in </a:t>
-            </a:r>
-            <a:r>
-              <a:rPr lang="en-US" sz="1700" dirty="0" err="1"/>
-              <a:t>usa</a:t>
-            </a:r>
-            <a:r>
-              <a:rPr lang="en-US" sz="1700" dirty="0"/>
-              <a:t> and is </a:t>
-            </a:r>
-            <a:r>
-              <a:rPr lang="en-US" sz="1700" dirty="0" err="1"/>
-              <a:t>american</a:t>
-            </a:r>
-            <a:r>
-              <a:rPr lang="en-US" sz="1700" dirty="0"/>
-              <a:t>, receiver not in </a:t>
-            </a:r>
-            <a:r>
-              <a:rPr lang="en-US" sz="1700" dirty="0" err="1"/>
-              <a:t>usa</a:t>
-            </a:r>
-            <a:r>
-              <a:rPr lang="en-US" sz="1700" dirty="0"/>
-              <a:t> and is not </a:t>
-            </a:r>
-            <a:r>
-              <a:rPr lang="en-US" sz="1700" dirty="0" err="1"/>
-              <a:t>american</a:t>
-            </a:r>
-            <a:r>
-              <a:rPr lang="en-US" sz="1700" dirty="0"/>
-              <a:t>, warrant is needed, expectation of privacy, target person is </a:t>
-            </a:r>
-            <a:r>
-              <a:rPr lang="en-US" sz="1700" dirty="0" err="1"/>
-              <a:t>american</a:t>
-            </a:r>
-            <a:r>
-              <a:rPr lang="en-US" sz="1700" dirty="0"/>
-              <a:t> → true</a:t>
+              <a:rPr lang="en-US" sz="1400" b="1" dirty="0"/>
+              <a:t>s</a:t>
+            </a:r>
+            <a:r>
+              <a:rPr lang="en-US" sz="1400" b="1" dirty="0" smtClean="0"/>
+              <a:t>urveillance: </a:t>
+            </a:r>
+            <a:r>
+              <a:rPr lang="en-US" sz="1400" dirty="0" smtClean="0"/>
+              <a:t>other and over the wire</a:t>
             </a:r>
           </a:p>
           <a:p>
             <a:pPr lvl="1"/>
             <a:r>
-              <a:rPr lang="en-US" sz="1700" dirty="0"/>
-              <a:t>If sender not </a:t>
-            </a:r>
-            <a:r>
-              <a:rPr lang="en-US" sz="1700" dirty="0" err="1"/>
-              <a:t>american</a:t>
-            </a:r>
-            <a:r>
-              <a:rPr lang="en-US" sz="1700" dirty="0"/>
-              <a:t> → false</a:t>
-            </a:r>
-            <a:endParaRPr lang="en-US" sz="1700" dirty="0" smtClean="0"/>
-          </a:p>
-          <a:p>
-            <a:r>
-              <a:rPr lang="en-US" dirty="0" smtClean="0"/>
+              <a:rPr lang="en-US" sz="1400" b="1" dirty="0"/>
+              <a:t>s</a:t>
+            </a:r>
+            <a:r>
+              <a:rPr lang="en-US" sz="1400" b="1" dirty="0" smtClean="0"/>
+              <a:t>ender: </a:t>
+            </a:r>
+            <a:r>
+              <a:rPr lang="en-US" sz="1400" dirty="0" smtClean="0"/>
+              <a:t>in the U.S.A. and is American</a:t>
+            </a:r>
+          </a:p>
+          <a:p>
+            <a:pPr lvl="1"/>
+            <a:r>
+              <a:rPr lang="en-US" sz="1400" b="1" dirty="0"/>
+              <a:t>r</a:t>
+            </a:r>
+            <a:r>
+              <a:rPr lang="en-US" sz="1400" b="1" dirty="0" smtClean="0"/>
+              <a:t>eceiver: </a:t>
+            </a:r>
+            <a:r>
+              <a:rPr lang="en-US" sz="1400" dirty="0" smtClean="0"/>
+              <a:t>not in the U.S.A. and is not American</a:t>
+            </a:r>
+          </a:p>
+          <a:p>
+            <a:pPr lvl="1"/>
+            <a:r>
+              <a:rPr lang="en-US" sz="1400" b="1" dirty="0" smtClean="0"/>
+              <a:t>warrant: </a:t>
+            </a:r>
+            <a:r>
+              <a:rPr lang="en-US" sz="1400" dirty="0"/>
+              <a:t>is needed, expectation of </a:t>
+            </a:r>
+            <a:r>
+              <a:rPr lang="en-US" sz="1400" dirty="0" smtClean="0"/>
+              <a:t>privacy</a:t>
+            </a:r>
+          </a:p>
+          <a:p>
+            <a:pPr lvl="1"/>
+            <a:r>
+              <a:rPr lang="en-US" sz="1400" b="1" dirty="0" smtClean="0"/>
+              <a:t>IF </a:t>
+            </a:r>
+            <a:r>
+              <a:rPr lang="en-US" sz="1400" dirty="0" smtClean="0"/>
+              <a:t>target person </a:t>
+            </a:r>
+            <a:r>
+              <a:rPr lang="en-US" sz="1400" dirty="0"/>
+              <a:t>is </a:t>
+            </a:r>
+            <a:r>
+              <a:rPr lang="en-US" sz="1400" dirty="0" smtClean="0"/>
+              <a:t>American </a:t>
+            </a:r>
+            <a:r>
+              <a:rPr lang="en-US" sz="1400" dirty="0"/>
+              <a:t>→ </a:t>
+            </a:r>
+            <a:r>
+              <a:rPr lang="en-US" sz="1400" dirty="0" smtClean="0"/>
+              <a:t>True</a:t>
+            </a:r>
+            <a:endParaRPr lang="en-US" sz="1400" dirty="0"/>
+          </a:p>
+          <a:p>
+            <a:pPr lvl="1"/>
+            <a:r>
+              <a:rPr lang="en-US" sz="1400" b="1" dirty="0" smtClean="0"/>
+              <a:t>IF</a:t>
+            </a:r>
+            <a:r>
+              <a:rPr lang="en-US" sz="1400" dirty="0" smtClean="0"/>
+              <a:t> </a:t>
+            </a:r>
+            <a:r>
+              <a:rPr lang="en-US" sz="1400" dirty="0"/>
+              <a:t>sender not </a:t>
+            </a:r>
+            <a:r>
+              <a:rPr lang="en-US" sz="1400" dirty="0" smtClean="0"/>
+              <a:t>American </a:t>
+            </a:r>
+            <a:r>
+              <a:rPr lang="en-US" sz="1400" dirty="0"/>
+              <a:t>→ </a:t>
+            </a:r>
+            <a:r>
+              <a:rPr lang="en-US" sz="1400" dirty="0" smtClean="0"/>
+              <a:t>False</a:t>
+            </a:r>
+          </a:p>
+          <a:p>
+            <a:pPr marL="365760" lvl="1" indent="0">
+              <a:buNone/>
+            </a:pPr>
+            <a:endParaRPr lang="en-US" sz="1400" dirty="0"/>
+          </a:p>
+          <a:p>
+            <a:r>
+              <a:rPr lang="en-US" sz="2000" dirty="0"/>
               <a:t>Example #2</a:t>
             </a:r>
           </a:p>
           <a:p>
             <a:pPr lvl="1"/>
             <a:r>
-              <a:rPr lang="en-US" sz="1700" dirty="0"/>
-              <a:t>Only relevant info, relevant to investigation, currently in investigation, authorized monitoring, wire, electronic device, sender/receiver is in </a:t>
-            </a:r>
-            <a:r>
-              <a:rPr lang="en-US" sz="1700" dirty="0" err="1"/>
-              <a:t>usa</a:t>
-            </a:r>
-            <a:r>
-              <a:rPr lang="en-US" sz="1700" dirty="0"/>
-              <a:t> and sender is </a:t>
-            </a:r>
-            <a:r>
-              <a:rPr lang="en-US" sz="1700" dirty="0" err="1"/>
-              <a:t>american</a:t>
-            </a:r>
-            <a:r>
-              <a:rPr lang="en-US" sz="1700" dirty="0"/>
-              <a:t>, no consent → false</a:t>
+              <a:rPr lang="en-US" sz="1400" dirty="0" smtClean="0"/>
+              <a:t>relevant information</a:t>
             </a:r>
           </a:p>
           <a:p>
             <a:pPr lvl="1"/>
             <a:r>
-              <a:rPr lang="en-US" sz="1700" dirty="0"/>
-              <a:t>If not authorized (section2511 is false) → true</a:t>
-            </a:r>
-            <a:endParaRPr lang="en-US" sz="1700" dirty="0" smtClean="0"/>
-          </a:p>
-          <a:p>
-            <a:r>
-              <a:rPr lang="en-US" dirty="0" smtClean="0"/>
+              <a:rPr lang="en-US" sz="1400" b="1" dirty="0" smtClean="0"/>
+              <a:t>investigation:</a:t>
+            </a:r>
+            <a:r>
+              <a:rPr lang="en-US" sz="1400" dirty="0" smtClean="0"/>
+              <a:t> relevant to it and in process</a:t>
+            </a:r>
+          </a:p>
+          <a:p>
+            <a:pPr lvl="1"/>
+            <a:r>
+              <a:rPr lang="en-US" sz="1400" b="1" dirty="0"/>
+              <a:t>m</a:t>
+            </a:r>
+            <a:r>
+              <a:rPr lang="en-US" sz="1400" b="1" dirty="0" smtClean="0"/>
+              <a:t>onitoring: </a:t>
+            </a:r>
+            <a:r>
+              <a:rPr lang="en-US" sz="1400" dirty="0" smtClean="0"/>
+              <a:t>authorized, over the wire, electronic means, </a:t>
+            </a:r>
+            <a:r>
+              <a:rPr lang="en-US" sz="1400" dirty="0"/>
+              <a:t>no </a:t>
+            </a:r>
+            <a:r>
+              <a:rPr lang="en-US" sz="1400" dirty="0" smtClean="0"/>
+              <a:t>consent</a:t>
+            </a:r>
+          </a:p>
+          <a:p>
+            <a:pPr lvl="1"/>
+            <a:r>
+              <a:rPr lang="en-US" sz="1400" dirty="0" smtClean="0"/>
+              <a:t>sender/receiver: in the U.S.A. (sender American)</a:t>
+            </a:r>
+          </a:p>
+          <a:p>
+            <a:pPr lvl="1"/>
+            <a:r>
+              <a:rPr lang="en-US" sz="1400" b="1" dirty="0" smtClean="0"/>
+              <a:t>IF </a:t>
+            </a:r>
+            <a:r>
+              <a:rPr lang="en-US" sz="1400" dirty="0" smtClean="0"/>
+              <a:t>above is true </a:t>
+            </a:r>
+            <a:r>
+              <a:rPr lang="en-US" sz="1400" dirty="0"/>
+              <a:t>→ F</a:t>
+            </a:r>
+            <a:r>
+              <a:rPr lang="en-US" sz="1400" dirty="0" smtClean="0"/>
+              <a:t>alse</a:t>
+            </a:r>
+          </a:p>
+          <a:p>
+            <a:pPr lvl="1"/>
+            <a:r>
+              <a:rPr lang="en-US" sz="1400" b="1" dirty="0" smtClean="0"/>
+              <a:t>IF</a:t>
+            </a:r>
+            <a:r>
+              <a:rPr lang="en-US" sz="1400" dirty="0" smtClean="0"/>
+              <a:t> </a:t>
+            </a:r>
+            <a:r>
+              <a:rPr lang="en-US" sz="1400" dirty="0"/>
+              <a:t>not authorized (section2511 is false) → T</a:t>
+            </a:r>
+            <a:r>
+              <a:rPr lang="en-US" sz="1400" dirty="0" smtClean="0"/>
+              <a:t>rue</a:t>
+            </a:r>
+            <a:endParaRPr lang="en-US" sz="1400" dirty="0"/>
+          </a:p>
+        </p:txBody>
+      </p:sp>
+      <p:sp>
+        <p:nvSpPr>
+          <p:cNvPr id="3" name="Content Placeholder 2"/>
+          <p:cNvSpPr>
+            <a:spLocks noGrp="1"/>
+          </p:cNvSpPr>
+          <p:nvPr>
+            <p:ph sz="half" idx="2"/>
+          </p:nvPr>
+        </p:nvSpPr>
+        <p:spPr/>
+        <p:txBody>
+          <a:bodyPr>
+            <a:normAutofit/>
+          </a:bodyPr>
+          <a:lstStyle/>
+          <a:p>
+            <a:r>
+              <a:rPr lang="en-US" sz="2000" dirty="0"/>
               <a:t>Example #3</a:t>
             </a:r>
           </a:p>
           <a:p>
             <a:pPr lvl="1"/>
             <a:r>
-              <a:rPr lang="en-US" sz="1700" dirty="0"/>
-              <a:t>Intentional acquisition, electronic, received/sent from </a:t>
-            </a:r>
-            <a:r>
-              <a:rPr lang="en-US" sz="1700" dirty="0" err="1"/>
-              <a:t>usa</a:t>
-            </a:r>
-            <a:r>
-              <a:rPr lang="en-US" sz="1700" dirty="0"/>
-              <a:t>, need warrant, privacy expectation → true</a:t>
-            </a:r>
+              <a:rPr lang="en-US" sz="1400" b="1" dirty="0" smtClean="0"/>
+              <a:t>acquisition: </a:t>
+            </a:r>
+            <a:r>
+              <a:rPr lang="en-US" sz="1400" dirty="0" smtClean="0"/>
+              <a:t>intentional and </a:t>
+            </a:r>
+            <a:r>
+              <a:rPr lang="en-US" sz="1400" dirty="0"/>
+              <a:t>electronic, </a:t>
+            </a:r>
+            <a:endParaRPr lang="en-US" sz="1400" dirty="0" smtClean="0"/>
           </a:p>
           <a:p>
             <a:pPr lvl="1"/>
             <a:r>
-              <a:rPr lang="en-US" sz="1700" dirty="0"/>
-              <a:t>not sent from </a:t>
-            </a:r>
-            <a:r>
-              <a:rPr lang="en-US" sz="1700" dirty="0" err="1"/>
-              <a:t>usa</a:t>
-            </a:r>
-            <a:r>
-              <a:rPr lang="en-US" sz="1700" dirty="0"/>
-              <a:t> → </a:t>
-            </a:r>
-            <a:r>
-              <a:rPr lang="en-US" sz="1700" dirty="0" smtClean="0"/>
-              <a:t>false</a:t>
-            </a:r>
-          </a:p>
-          <a:p>
-            <a:r>
-              <a:rPr lang="en-US" dirty="0" smtClean="0"/>
+              <a:rPr lang="en-US" sz="1400" b="1" dirty="0" smtClean="0"/>
+              <a:t>received/sender:</a:t>
+            </a:r>
+            <a:r>
+              <a:rPr lang="en-US" sz="1400" dirty="0" smtClean="0"/>
+              <a:t> in the U.S.A.</a:t>
+            </a:r>
+          </a:p>
+          <a:p>
+            <a:pPr lvl="1"/>
+            <a:r>
+              <a:rPr lang="en-US" sz="1400" b="1" dirty="0"/>
+              <a:t>w</a:t>
+            </a:r>
+            <a:r>
+              <a:rPr lang="en-US" sz="1400" b="1" dirty="0" smtClean="0"/>
+              <a:t>arrant: </a:t>
+            </a:r>
+            <a:r>
+              <a:rPr lang="en-US" sz="1400" dirty="0" smtClean="0"/>
+              <a:t>is needed, expectation of privacy</a:t>
+            </a:r>
+          </a:p>
+          <a:p>
+            <a:pPr lvl="1"/>
+            <a:r>
+              <a:rPr lang="en-US" sz="1400" b="1" dirty="0" smtClean="0"/>
+              <a:t>IF </a:t>
+            </a:r>
+            <a:r>
+              <a:rPr lang="en-US" sz="1400" dirty="0" smtClean="0"/>
+              <a:t>above is true → </a:t>
+            </a:r>
+            <a:r>
+              <a:rPr lang="en-US" sz="1400" dirty="0"/>
+              <a:t>T</a:t>
+            </a:r>
+            <a:r>
+              <a:rPr lang="en-US" sz="1400" dirty="0" smtClean="0"/>
+              <a:t>rue</a:t>
+            </a:r>
+            <a:endParaRPr lang="en-US" sz="1400" dirty="0"/>
+          </a:p>
+          <a:p>
+            <a:pPr lvl="1"/>
+            <a:r>
+              <a:rPr lang="en-US" sz="1400" b="1" dirty="0" smtClean="0"/>
+              <a:t>IF </a:t>
+            </a:r>
+            <a:r>
+              <a:rPr lang="en-US" sz="1400" dirty="0" smtClean="0"/>
+              <a:t>not </a:t>
+            </a:r>
+            <a:r>
+              <a:rPr lang="en-US" sz="1400" dirty="0"/>
+              <a:t>sent from </a:t>
+            </a:r>
+            <a:r>
+              <a:rPr lang="en-US" sz="1400" dirty="0" smtClean="0"/>
+              <a:t>U.S.A. → False</a:t>
+            </a:r>
+          </a:p>
+          <a:p>
+            <a:pPr marL="365760" lvl="1" indent="0">
+              <a:buNone/>
+            </a:pPr>
+            <a:endParaRPr lang="en-US" sz="1400" smtClean="0"/>
+          </a:p>
+          <a:p>
+            <a:pPr marL="365760" lvl="1" indent="0">
+              <a:buNone/>
+            </a:pPr>
+            <a:endParaRPr lang="en-US" sz="1400" dirty="0"/>
+          </a:p>
+          <a:p>
+            <a:r>
+              <a:rPr lang="en-US" sz="2000" dirty="0"/>
               <a:t>Example #4</a:t>
             </a:r>
           </a:p>
           <a:p>
             <a:pPr lvl="1"/>
             <a:r>
-              <a:rPr lang="en-US" sz="1700" dirty="0"/>
-              <a:t>Intention to monitor, device is in </a:t>
-            </a:r>
-            <a:r>
-              <a:rPr lang="en-US" sz="1700" dirty="0" err="1"/>
-              <a:t>usa</a:t>
-            </a:r>
-            <a:r>
-              <a:rPr lang="en-US" sz="1700" dirty="0"/>
-              <a:t>, mechanical, not wire/radio, need warrant, privacy expectation → true</a:t>
+              <a:rPr lang="en-US" sz="1400" dirty="0" smtClean="0"/>
+              <a:t>intention </a:t>
+            </a:r>
+            <a:r>
+              <a:rPr lang="en-US" sz="1400" dirty="0"/>
+              <a:t>to </a:t>
+            </a:r>
+            <a:r>
+              <a:rPr lang="en-US" sz="1400" dirty="0" smtClean="0"/>
+              <a:t>monitor</a:t>
             </a:r>
           </a:p>
           <a:p>
             <a:pPr lvl="1"/>
             <a:r>
-              <a:rPr lang="en-US" sz="1700" dirty="0"/>
-              <a:t>Radio → </a:t>
-            </a:r>
-            <a:r>
-              <a:rPr lang="en-US" sz="1700" dirty="0" smtClean="0"/>
-              <a:t>false</a:t>
-            </a:r>
-            <a:endParaRPr lang="en-US" sz="1700" dirty="0"/>
-          </a:p>
-        </p:txBody>
-      </p:sp>
-      <p:sp>
-        <p:nvSpPr>
-          <p:cNvPr id="3" name="Title 2"/>
+              <a:rPr lang="en-US" sz="1400" b="1" dirty="0"/>
+              <a:t>d</a:t>
+            </a:r>
+            <a:r>
+              <a:rPr lang="en-US" sz="1400" b="1" dirty="0" smtClean="0"/>
+              <a:t>evice:</a:t>
+            </a:r>
+            <a:r>
+              <a:rPr lang="en-US" sz="1400" dirty="0" smtClean="0"/>
+              <a:t> in the U.S.A., </a:t>
+            </a:r>
+            <a:r>
+              <a:rPr lang="en-US" sz="1400" dirty="0"/>
+              <a:t>mechanical, not wire/radio, </a:t>
+            </a:r>
+            <a:endParaRPr lang="en-US" sz="1400" dirty="0" smtClean="0"/>
+          </a:p>
+          <a:p>
+            <a:pPr lvl="1"/>
+            <a:r>
+              <a:rPr lang="en-US" sz="1400" b="1" dirty="0"/>
+              <a:t>w</a:t>
+            </a:r>
+            <a:r>
+              <a:rPr lang="en-US" sz="1400" b="1" dirty="0" smtClean="0"/>
+              <a:t>arrant: </a:t>
+            </a:r>
+            <a:r>
+              <a:rPr lang="en-US" sz="1400" dirty="0" smtClean="0"/>
+              <a:t>needed, </a:t>
+            </a:r>
+            <a:r>
+              <a:rPr lang="en-US" sz="1400" dirty="0"/>
+              <a:t>privacy </a:t>
+            </a:r>
+            <a:r>
+              <a:rPr lang="en-US" sz="1400" dirty="0" smtClean="0"/>
+              <a:t>expectation</a:t>
+            </a:r>
+          </a:p>
+          <a:p>
+            <a:pPr lvl="1"/>
+            <a:r>
+              <a:rPr lang="en-US" sz="1400" b="1" dirty="0" smtClean="0"/>
+              <a:t>IF</a:t>
+            </a:r>
+            <a:r>
+              <a:rPr lang="en-US" sz="1400" dirty="0" smtClean="0"/>
+              <a:t> above is true </a:t>
+            </a:r>
+            <a:r>
+              <a:rPr lang="en-US" sz="1400" dirty="0"/>
+              <a:t>→ </a:t>
+            </a:r>
+            <a:r>
+              <a:rPr lang="en-US" sz="1400" dirty="0" smtClean="0"/>
+              <a:t>True</a:t>
+            </a:r>
+            <a:endParaRPr lang="en-US" sz="1400" dirty="0"/>
+          </a:p>
+          <a:p>
+            <a:pPr lvl="1"/>
+            <a:r>
+              <a:rPr lang="en-US" sz="1400" b="1" dirty="0" smtClean="0"/>
+              <a:t>IF</a:t>
+            </a:r>
+            <a:r>
+              <a:rPr lang="en-US" sz="1400" dirty="0" smtClean="0"/>
+              <a:t> radio </a:t>
+            </a:r>
+            <a:r>
+              <a:rPr lang="en-US" sz="1400" dirty="0"/>
+              <a:t>→ F</a:t>
+            </a:r>
+            <a:r>
+              <a:rPr lang="en-US" sz="1400" dirty="0" smtClean="0"/>
+              <a:t>alse</a:t>
+            </a:r>
+            <a:endParaRPr lang="en-US" sz="1400" dirty="0"/>
+          </a:p>
+        </p:txBody>
+      </p:sp>
+      <p:sp>
+        <p:nvSpPr>
+          <p:cNvPr id="4" name="Title 3"/>
           <p:cNvSpPr>
             <a:spLocks noGrp="1"/>
           </p:cNvSpPr>
@@ -5065,7 +5327,7 @@
     </p:spTree>
     <p:extLst>
       <p:ext uri="{BB962C8B-B14F-4D97-AF65-F5344CB8AC3E}">
-        <p14:creationId xmlns:p14="http://schemas.microsoft.com/office/powerpoint/2010/main" val="2796024873"/>
+        <p14:creationId xmlns:p14="http://schemas.microsoft.com/office/powerpoint/2010/main" val="2287182600"/>
       </p:ext>
     </p:extLst>
   </p:cSld>
@@ -5107,6 +5369,46 @@
           <a:bodyPr/>
           <a:lstStyle/>
           <a:p>
+            <a:r>
+              <a:rPr lang="en-US" dirty="0"/>
+              <a:t>v</a:t>
+            </a:r>
+            <a:r>
+              <a:rPr lang="en-US" dirty="0" smtClean="0"/>
+              <a:t>ery </a:t>
+            </a:r>
+            <a:r>
+              <a:rPr lang="en-US" b="1" dirty="0" smtClean="0"/>
+              <a:t>slow tool</a:t>
+            </a:r>
+            <a:r>
+              <a:rPr lang="en-US" dirty="0" smtClean="0"/>
+              <a:t> (versus visibility)</a:t>
+            </a:r>
+          </a:p>
+          <a:p>
+            <a:pPr lvl="1"/>
+            <a:r>
+              <a:rPr lang="en-US" dirty="0" smtClean="0"/>
+              <a:t>that can’t handle many scenarios at once</a:t>
+            </a:r>
+          </a:p>
+          <a:p>
+            <a:pPr lvl="1"/>
+            <a:r>
+              <a:rPr lang="en-US" dirty="0"/>
+              <a:t>l</a:t>
+            </a:r>
+            <a:r>
+              <a:rPr lang="en-US" dirty="0" smtClean="0"/>
+              <a:t>imitation of using Selenium</a:t>
+            </a:r>
+          </a:p>
+          <a:p>
+            <a:r>
+              <a:rPr lang="en-US" dirty="0" smtClean="0"/>
+              <a:t>relies on primitives of terms that would need to be formalized</a:t>
+            </a:r>
             <a:endParaRPr lang="en-US" dirty="0"/>
           </a:p>
         </p:txBody>
@@ -5182,11 +5484,52 @@
           <a:lstStyle/>
           <a:p>
             <a:r>
+              <a:rPr lang="en-US" b="1" dirty="0"/>
+              <a:t>m</a:t>
+            </a:r>
+            <a:r>
+              <a:rPr lang="en-US" b="1" dirty="0" smtClean="0"/>
+              <a:t>odeling</a:t>
+            </a:r>
+            <a:r>
+              <a:rPr lang="en-US" b="1" dirty="0"/>
+              <a:t>:</a:t>
+            </a:r>
+            <a:r>
               <a:rPr lang="en-US" dirty="0"/>
-              <a:t>Modeling: Ambiguous terms. ex. intentional</a:t>
-            </a:r>
-          </a:p>
-          <a:p>
+              <a:t> </a:t>
+            </a:r>
+            <a:r>
+              <a:rPr lang="en-US" dirty="0" smtClean="0"/>
+              <a:t>ambiguous terms.</a:t>
+            </a:r>
+          </a:p>
+          <a:p>
+            <a:pPr lvl="1"/>
+            <a:r>
+              <a:rPr lang="en-US" dirty="0" smtClean="0"/>
+              <a:t>ex</a:t>
+            </a:r>
+            <a:r>
+              <a:rPr lang="en-US" dirty="0"/>
+              <a:t>. </a:t>
+            </a:r>
+            <a:r>
+              <a:rPr lang="en-US" dirty="0" smtClean="0"/>
+              <a:t>intentional, “reasonable </a:t>
+            </a:r>
+            <a:r>
+              <a:rPr lang="en-US" dirty="0"/>
+              <a:t>expectations of </a:t>
+            </a:r>
+            <a:r>
+              <a:rPr lang="en-US" dirty="0" smtClean="0"/>
+              <a:t>privacy”</a:t>
+            </a:r>
+            <a:endParaRPr lang="en-US" dirty="0"/>
+          </a:p>
+          <a:p>
+            <a:pPr lvl="1"/>
             <a:r>
               <a:rPr lang="en-US" dirty="0"/>
               <a:t>differentiating between circumstances</a:t>
@@ -5194,66 +5537,85 @@
           </a:p>
           <a:p>
             <a:r>
+              <a:rPr lang="en-US" b="1" dirty="0"/>
+              <a:t>t</a:t>
+            </a:r>
+            <a:r>
+              <a:rPr lang="en-US" b="1" dirty="0" smtClean="0"/>
+              <a:t>ranslation</a:t>
+            </a:r>
+            <a:r>
+              <a:rPr lang="en-US" b="1" dirty="0"/>
+              <a:t>: </a:t>
+            </a:r>
+            <a:r>
               <a:rPr lang="en-US" dirty="0"/>
-              <a:t>fuzzy: reasonable expectations of privacy</a:t>
-            </a:r>
-          </a:p>
-          <a:p>
+              <a:t>h</a:t>
+            </a:r>
+            <a:r>
+              <a:rPr lang="en-US" dirty="0" smtClean="0"/>
+              <a:t>ow </a:t>
+            </a:r>
             <a:r>
               <a:rPr lang="en-US" dirty="0"/>
-              <a:t>Translation: How to convert inputs into formulaic axioms</a:t>
-            </a:r>
-          </a:p>
-          <a:p>
+              <a:t>to convert inputs into formulaic axioms</a:t>
+            </a:r>
+          </a:p>
+          <a:p>
+            <a:r>
+              <a:rPr lang="en-US" b="1" dirty="0"/>
+              <a:t>GUI:</a:t>
+            </a:r>
             <a:r>
               <a:rPr lang="en-US" dirty="0"/>
-              <a:t>GUI: How to communicate clearly to users</a:t>
-            </a:r>
-          </a:p>
-          <a:p>
+              <a:t> </a:t>
+            </a:r>
             <a:r>
               <a:rPr lang="en-US" dirty="0" smtClean="0"/>
-              <a:t>Differentiation </a:t>
+              <a:t>how </a:t>
             </a:r>
             <a:r>
               <a:rPr lang="en-US" dirty="0"/>
-              <a:t>between our interpretations inherent in our questioning and the law</a:t>
-            </a:r>
+              <a:t>to communicate clearly to users</a:t>
+            </a:r>
+          </a:p>
+          <a:p>
             <a:r>
               <a:rPr lang="en-US" dirty="0" smtClean="0"/>
-              <a:t>.</a:t>
-            </a:r>
+              <a:t>our inherent interpretations of the law</a:t>
+            </a:r>
+            <a:endParaRPr lang="en-US" dirty="0" smtClean="0"/>
           </a:p>
           <a:p>
             <a:r>
               <a:rPr lang="en-US" dirty="0" smtClean="0"/>
-              <a:t>There </a:t>
+              <a:t>minor </a:t>
             </a:r>
             <a:r>
               <a:rPr lang="en-US" dirty="0"/>
-              <a:t>were several minor challenges in implementing the final code. Specifically, there were several obstacles to deal with in regard to Selenium with the code timing out and it not injecting the full required </a:t>
+              <a:t>challenges in implementing the final </a:t>
             </a:r>
             <a:r>
               <a:rPr lang="en-US" dirty="0" smtClean="0"/>
-              <a:t>file</a:t>
+              <a:t>code</a:t>
             </a:r>
           </a:p>
           <a:p>
             <a:r>
               <a:rPr lang="en-US" dirty="0" smtClean="0"/>
-              <a:t>There </a:t>
+              <a:t>minor </a:t>
             </a:r>
             <a:r>
               <a:rPr lang="en-US" dirty="0"/>
-              <a:t>were </a:t>
-            </a:r>
-            <a:r>
-              <a:rPr lang="en-US" dirty="0" err="1"/>
-              <a:t>sevearl</a:t>
+              <a:t>logical errors </a:t>
+            </a:r>
+            <a:r>
+              <a:rPr lang="en-US" dirty="0" smtClean="0"/>
+              <a:t>in final </a:t>
             </a:r>
             <a:r>
               <a:rPr lang="en-US" dirty="0"/>
-              <a:t> minor logical errors made in coming up with the final model for defining "Electronic Surveillance."</a:t>
+              <a:t>model for defining "Electronic Surveillance."</a:t>
             </a:r>
           </a:p>
         </p:txBody>
